--- a/Instructor Profile - Jeremy Bergmann.pptx
+++ b/Instructor Profile - Jeremy Bergmann.pptx
@@ -1,37 +1,44 @@
 
 <file path=ppt/presentation.xml><?xml version="1.0" encoding="utf-8"?>
-<p:presentation xmlns:a="http://schemas.openxmlformats.org/drawingml/2006/main" xmlns:r="http://schemas.openxmlformats.org/officeDocument/2006/relationships" xmlns:mc="http://schemas.openxmlformats.org/markup-compatibility/2006" xmlns:mv="urn:schemas-microsoft-com:mac:vml" xmlns:p="http://schemas.openxmlformats.org/presentationml/2006/main" xmlns:c="http://schemas.openxmlformats.org/drawingml/2006/chart" xmlns:dgm="http://schemas.openxmlformats.org/drawingml/2006/diagram" xmlns:o="urn:schemas-microsoft-com:office:office" xmlns:v="urn:schemas-microsoft-com:vml" xmlns:pvml="urn:schemas-microsoft-com:office:powerpoint" xmlns:com="http://schemas.openxmlformats.org/drawingml/2006/compatibility" xmlns:p14="http://schemas.microsoft.com/office/powerpoint/2010/main" xmlns:p15="http://schemas.microsoft.com/office/powerpoint/2012/main" autoCompressPictures="0" embedTrueTypeFonts="1" strictFirstAndLastChars="0" saveSubsetFonts="1">
+<p:presentation xmlns:a="http://schemas.openxmlformats.org/drawingml/2006/main" xmlns:r="http://schemas.openxmlformats.org/officeDocument/2006/relationships" xmlns:p="http://schemas.openxmlformats.org/presentationml/2006/main" strictFirstAndLastChars="0" embedTrueTypeFonts="1" saveSubsetFonts="1" autoCompressPictures="0">
   <p:sldMasterIdLst>
-    <p:sldMasterId id="2147483660" r:id="rId3"/>
+    <p:sldMasterId id="2147483660" r:id="rId1"/>
   </p:sldMasterIdLst>
   <p:notesMasterIdLst>
-    <p:notesMasterId r:id="rId4"/>
+    <p:notesMasterId r:id="rId5"/>
   </p:notesMasterIdLst>
   <p:sldIdLst>
-    <p:sldId id="256" r:id="rId5"/>
-    <p:sldId id="257" r:id="rId6"/>
-    <p:sldId id="258" r:id="rId7"/>
+    <p:sldId id="256" r:id="rId2"/>
+    <p:sldId id="257" r:id="rId3"/>
+    <p:sldId id="258" r:id="rId4"/>
   </p:sldIdLst>
-  <p:sldSz cy="6858000" cx="12192000"/>
+  <p:sldSz cx="12192000" cy="6858000"/>
   <p:notesSz cx="6858000" cy="9144000"/>
   <p:embeddedFontLst>
     <p:embeddedFont>
-      <p:font typeface="Raleway"/>
-      <p:regular r:id="rId8"/>
-      <p:bold r:id="rId9"/>
-      <p:italic r:id="rId10"/>
-      <p:boldItalic r:id="rId11"/>
+      <p:font typeface="Calibri" panose="020F0502020204030204" pitchFamily="34" charset="0"/>
+      <p:regular r:id="rId6"/>
+      <p:bold r:id="rId7"/>
+      <p:italic r:id="rId8"/>
+      <p:boldItalic r:id="rId9"/>
     </p:embeddedFont>
     <p:embeddedFont>
-      <p:font typeface="Lato"/>
-      <p:regular r:id="rId12"/>
-      <p:bold r:id="rId13"/>
-      <p:italic r:id="rId14"/>
-      <p:boldItalic r:id="rId15"/>
+      <p:font typeface="Lato" panose="020F0502020204030203" pitchFamily="34" charset="0"/>
+      <p:regular r:id="rId10"/>
+      <p:bold r:id="rId11"/>
+      <p:italic r:id="rId12"/>
+      <p:boldItalic r:id="rId13"/>
+    </p:embeddedFont>
+    <p:embeddedFont>
+      <p:font typeface="Raleway" pitchFamily="2" charset="0"/>
+      <p:regular r:id="rId14"/>
+      <p:bold r:id="rId15"/>
+      <p:italic r:id="rId16"/>
+      <p:boldItalic r:id="rId17"/>
     </p:embeddedFont>
   </p:embeddedFontLst>
   <p:defaultTextStyle>
-    <a:defPPr lvl="0" marR="0" rtl="0" algn="l">
+    <a:defPPr marR="0" lvl="0" algn="l" rtl="0">
       <a:lnSpc>
         <a:spcPct val="100000"/>
       </a:lnSpc>
@@ -42,7 +49,7 @@
         <a:spcPts val="0"/>
       </a:spcAft>
     </a:defPPr>
-    <a:lvl1pPr lvl="0" marR="0" rtl="0" algn="l">
+    <a:lvl1pPr marR="0" lvl="0" algn="l" rtl="0">
       <a:lnSpc>
         <a:spcPct val="100000"/>
       </a:lnSpc>
@@ -56,7 +63,7 @@
         <a:srgbClr val="000000"/>
       </a:buClr>
       <a:buFont typeface="Arial"/>
-      <a:defRPr b="0" i="0" sz="1400" u="none" cap="none" strike="noStrike">
+      <a:defRPr sz="1400" b="0" i="0" u="none" strike="noStrike" cap="none">
         <a:solidFill>
           <a:srgbClr val="000000"/>
         </a:solidFill>
@@ -66,7 +73,7 @@
         <a:sym typeface="Arial"/>
       </a:defRPr>
     </a:lvl1pPr>
-    <a:lvl2pPr lvl="1" marR="0" rtl="0" algn="l">
+    <a:lvl2pPr marR="0" lvl="1" algn="l" rtl="0">
       <a:lnSpc>
         <a:spcPct val="100000"/>
       </a:lnSpc>
@@ -80,7 +87,7 @@
         <a:srgbClr val="000000"/>
       </a:buClr>
       <a:buFont typeface="Arial"/>
-      <a:defRPr b="0" i="0" sz="1400" u="none" cap="none" strike="noStrike">
+      <a:defRPr sz="1400" b="0" i="0" u="none" strike="noStrike" cap="none">
         <a:solidFill>
           <a:srgbClr val="000000"/>
         </a:solidFill>
@@ -90,7 +97,7 @@
         <a:sym typeface="Arial"/>
       </a:defRPr>
     </a:lvl2pPr>
-    <a:lvl3pPr lvl="2" marR="0" rtl="0" algn="l">
+    <a:lvl3pPr marR="0" lvl="2" algn="l" rtl="0">
       <a:lnSpc>
         <a:spcPct val="100000"/>
       </a:lnSpc>
@@ -104,7 +111,7 @@
         <a:srgbClr val="000000"/>
       </a:buClr>
       <a:buFont typeface="Arial"/>
-      <a:defRPr b="0" i="0" sz="1400" u="none" cap="none" strike="noStrike">
+      <a:defRPr sz="1400" b="0" i="0" u="none" strike="noStrike" cap="none">
         <a:solidFill>
           <a:srgbClr val="000000"/>
         </a:solidFill>
@@ -114,7 +121,7 @@
         <a:sym typeface="Arial"/>
       </a:defRPr>
     </a:lvl3pPr>
-    <a:lvl4pPr lvl="3" marR="0" rtl="0" algn="l">
+    <a:lvl4pPr marR="0" lvl="3" algn="l" rtl="0">
       <a:lnSpc>
         <a:spcPct val="100000"/>
       </a:lnSpc>
@@ -128,7 +135,7 @@
         <a:srgbClr val="000000"/>
       </a:buClr>
       <a:buFont typeface="Arial"/>
-      <a:defRPr b="0" i="0" sz="1400" u="none" cap="none" strike="noStrike">
+      <a:defRPr sz="1400" b="0" i="0" u="none" strike="noStrike" cap="none">
         <a:solidFill>
           <a:srgbClr val="000000"/>
         </a:solidFill>
@@ -138,7 +145,7 @@
         <a:sym typeface="Arial"/>
       </a:defRPr>
     </a:lvl4pPr>
-    <a:lvl5pPr lvl="4" marR="0" rtl="0" algn="l">
+    <a:lvl5pPr marR="0" lvl="4" algn="l" rtl="0">
       <a:lnSpc>
         <a:spcPct val="100000"/>
       </a:lnSpc>
@@ -152,7 +159,7 @@
         <a:srgbClr val="000000"/>
       </a:buClr>
       <a:buFont typeface="Arial"/>
-      <a:defRPr b="0" i="0" sz="1400" u="none" cap="none" strike="noStrike">
+      <a:defRPr sz="1400" b="0" i="0" u="none" strike="noStrike" cap="none">
         <a:solidFill>
           <a:srgbClr val="000000"/>
         </a:solidFill>
@@ -162,7 +169,7 @@
         <a:sym typeface="Arial"/>
       </a:defRPr>
     </a:lvl5pPr>
-    <a:lvl6pPr lvl="5" marR="0" rtl="0" algn="l">
+    <a:lvl6pPr marR="0" lvl="5" algn="l" rtl="0">
       <a:lnSpc>
         <a:spcPct val="100000"/>
       </a:lnSpc>
@@ -176,7 +183,7 @@
         <a:srgbClr val="000000"/>
       </a:buClr>
       <a:buFont typeface="Arial"/>
-      <a:defRPr b="0" i="0" sz="1400" u="none" cap="none" strike="noStrike">
+      <a:defRPr sz="1400" b="0" i="0" u="none" strike="noStrike" cap="none">
         <a:solidFill>
           <a:srgbClr val="000000"/>
         </a:solidFill>
@@ -186,7 +193,7 @@
         <a:sym typeface="Arial"/>
       </a:defRPr>
     </a:lvl6pPr>
-    <a:lvl7pPr lvl="6" marR="0" rtl="0" algn="l">
+    <a:lvl7pPr marR="0" lvl="6" algn="l" rtl="0">
       <a:lnSpc>
         <a:spcPct val="100000"/>
       </a:lnSpc>
@@ -200,7 +207,7 @@
         <a:srgbClr val="000000"/>
       </a:buClr>
       <a:buFont typeface="Arial"/>
-      <a:defRPr b="0" i="0" sz="1400" u="none" cap="none" strike="noStrike">
+      <a:defRPr sz="1400" b="0" i="0" u="none" strike="noStrike" cap="none">
         <a:solidFill>
           <a:srgbClr val="000000"/>
         </a:solidFill>
@@ -210,7 +217,7 @@
         <a:sym typeface="Arial"/>
       </a:defRPr>
     </a:lvl7pPr>
-    <a:lvl8pPr lvl="7" marR="0" rtl="0" algn="l">
+    <a:lvl8pPr marR="0" lvl="7" algn="l" rtl="0">
       <a:lnSpc>
         <a:spcPct val="100000"/>
       </a:lnSpc>
@@ -224,7 +231,7 @@
         <a:srgbClr val="000000"/>
       </a:buClr>
       <a:buFont typeface="Arial"/>
-      <a:defRPr b="0" i="0" sz="1400" u="none" cap="none" strike="noStrike">
+      <a:defRPr sz="1400" b="0" i="0" u="none" strike="noStrike" cap="none">
         <a:solidFill>
           <a:srgbClr val="000000"/>
         </a:solidFill>
@@ -234,7 +241,7 @@
         <a:sym typeface="Arial"/>
       </a:defRPr>
     </a:lvl8pPr>
-    <a:lvl9pPr lvl="8" marR="0" rtl="0" algn="l">
+    <a:lvl9pPr marR="0" lvl="8" algn="l" rtl="0">
       <a:lnSpc>
         <a:spcPct val="100000"/>
       </a:lnSpc>
@@ -248,7 +255,7 @@
         <a:srgbClr val="000000"/>
       </a:buClr>
       <a:buFont typeface="Arial"/>
-      <a:defRPr b="0" i="0" sz="1400" u="none" cap="none" strike="noStrike">
+      <a:defRPr sz="1400" b="0" i="0" u="none" strike="noStrike" cap="none">
         <a:solidFill>
           <a:srgbClr val="000000"/>
         </a:solidFill>
@@ -263,11 +270,16 @@
 </file>
 
 <file path=ppt/notesMasters/notesMaster1.xml><?xml version="1.0" encoding="utf-8"?>
-<p:notesMaster xmlns:a="http://schemas.openxmlformats.org/drawingml/2006/main" xmlns:r="http://schemas.openxmlformats.org/officeDocument/2006/relationships" xmlns:mc="http://schemas.openxmlformats.org/markup-compatibility/2006" xmlns:mv="urn:schemas-microsoft-com:mac:vml" xmlns:p="http://schemas.openxmlformats.org/presentationml/2006/main" xmlns:c="http://schemas.openxmlformats.org/drawingml/2006/chart" xmlns:dgm="http://schemas.openxmlformats.org/drawingml/2006/diagram" xmlns:o="urn:schemas-microsoft-com:office:office" xmlns:v="urn:schemas-microsoft-com:vml" xmlns:pvml="urn:schemas-microsoft-com:office:powerpoint" xmlns:com="http://schemas.openxmlformats.org/drawingml/2006/compatibility" xmlns:p14="http://schemas.microsoft.com/office/powerpoint/2010/main" xmlns:p15="http://schemas.microsoft.com/office/powerpoint/2012/main">
+<p:notesMaster xmlns:a="http://schemas.openxmlformats.org/drawingml/2006/main" xmlns:r="http://schemas.openxmlformats.org/officeDocument/2006/relationships" xmlns:p="http://schemas.openxmlformats.org/presentationml/2006/main">
   <p:cSld>
+    <p:bg>
+      <p:bgRef idx="1001">
+        <a:schemeClr val="bg1"/>
+      </p:bgRef>
+    </p:bg>
     <p:spTree>
       <p:nvGrpSpPr>
-        <p:cNvPr id="2" name="Shape 2"/>
+        <p:cNvPr id="1" name="Shape 2"/>
         <p:cNvGrpSpPr/>
         <p:nvPr/>
       </p:nvGrpSpPr>
@@ -282,9 +294,11 @@
       <p:sp>
         <p:nvSpPr>
           <p:cNvPr id="3" name="Google Shape;3;n"/>
-          <p:cNvSpPr/>
+          <p:cNvSpPr>
+            <a:spLocks noGrp="1" noRot="1" noChangeAspect="1"/>
+          </p:cNvSpPr>
           <p:nvPr>
-            <p:ph idx="2" type="sldImg"/>
+            <p:ph type="sldImg" idx="2"/>
           </p:nvPr>
         </p:nvSpPr>
         <p:spPr>
@@ -293,9 +307,13 @@
             <a:ext cx="4572225" cy="3429000"/>
           </a:xfrm>
           <a:custGeom>
-            <a:rect b="b" l="l" r="r" t="t"/>
+            <a:avLst/>
+            <a:gdLst/>
+            <a:ahLst/>
+            <a:cxnLst/>
+            <a:rect l="l" t="t" r="r" b="b"/>
             <a:pathLst>
-              <a:path extrusionOk="0" h="120000" w="120000">
+              <a:path w="120000" h="120000" extrusionOk="0">
                 <a:moveTo>
                   <a:pt x="0" y="0"/>
                 </a:moveTo>
@@ -313,23 +331,25 @@
             </a:pathLst>
           </a:custGeom>
           <a:noFill/>
-          <a:ln cap="flat" cmpd="sng" w="9525">
+          <a:ln w="9525" cap="flat" cmpd="sng">
             <a:solidFill>
               <a:srgbClr val="000000"/>
             </a:solidFill>
             <a:prstDash val="solid"/>
             <a:round/>
-            <a:headEnd len="sm" w="sm" type="none"/>
-            <a:tailEnd len="sm" w="sm" type="none"/>
+            <a:headEnd type="none" w="sm" len="sm"/>
+            <a:tailEnd type="none" w="sm" len="sm"/>
           </a:ln>
         </p:spPr>
       </p:sp>
       <p:sp>
         <p:nvSpPr>
           <p:cNvPr id="4" name="Google Shape;4;n"/>
-          <p:cNvSpPr txBox="1"/>
+          <p:cNvSpPr txBox="1">
+            <a:spLocks noGrp="1"/>
+          </p:cNvSpPr>
           <p:nvPr>
-            <p:ph idx="1" type="body"/>
+            <p:ph type="body" idx="1"/>
           </p:nvPr>
         </p:nvSpPr>
         <p:spPr>
@@ -346,11 +366,11 @@
           </a:ln>
         </p:spPr>
         <p:txBody>
-          <a:bodyPr anchorCtr="0" anchor="t" bIns="91425" lIns="91425" spcFirstLastPara="1" rIns="91425" wrap="square" tIns="91425">
+          <a:bodyPr spcFirstLastPara="1" wrap="square" lIns="91425" tIns="91425" rIns="91425" bIns="91425" anchor="t" anchorCtr="0">
             <a:noAutofit/>
           </a:bodyPr>
           <a:lstStyle>
-            <a:lvl1pPr indent="-298450" lvl="0" marL="457200">
+            <a:lvl1pPr marL="457200" lvl="0" indent="-298450">
               <a:spcBef>
                 <a:spcPts val="0"/>
               </a:spcBef>
@@ -361,7 +381,7 @@
               <a:buChar char="●"/>
               <a:defRPr sz="1100"/>
             </a:lvl1pPr>
-            <a:lvl2pPr indent="-298450" lvl="1" marL="914400">
+            <a:lvl2pPr marL="914400" lvl="1" indent="-298450">
               <a:spcBef>
                 <a:spcPts val="0"/>
               </a:spcBef>
@@ -372,7 +392,7 @@
               <a:buChar char="○"/>
               <a:defRPr sz="1100"/>
             </a:lvl2pPr>
-            <a:lvl3pPr indent="-298450" lvl="2" marL="1371600">
+            <a:lvl3pPr marL="1371600" lvl="2" indent="-298450">
               <a:spcBef>
                 <a:spcPts val="0"/>
               </a:spcBef>
@@ -383,7 +403,7 @@
               <a:buChar char="■"/>
               <a:defRPr sz="1100"/>
             </a:lvl3pPr>
-            <a:lvl4pPr indent="-298450" lvl="3" marL="1828800">
+            <a:lvl4pPr marL="1828800" lvl="3" indent="-298450">
               <a:spcBef>
                 <a:spcPts val="0"/>
               </a:spcBef>
@@ -394,7 +414,7 @@
               <a:buChar char="●"/>
               <a:defRPr sz="1100"/>
             </a:lvl4pPr>
-            <a:lvl5pPr indent="-298450" lvl="4" marL="2286000">
+            <a:lvl5pPr marL="2286000" lvl="4" indent="-298450">
               <a:spcBef>
                 <a:spcPts val="0"/>
               </a:spcBef>
@@ -405,7 +425,7 @@
               <a:buChar char="○"/>
               <a:defRPr sz="1100"/>
             </a:lvl5pPr>
-            <a:lvl6pPr indent="-298450" lvl="5" marL="2743200">
+            <a:lvl6pPr marL="2743200" lvl="5" indent="-298450">
               <a:spcBef>
                 <a:spcPts val="0"/>
               </a:spcBef>
@@ -416,7 +436,7 @@
               <a:buChar char="■"/>
               <a:defRPr sz="1100"/>
             </a:lvl6pPr>
-            <a:lvl7pPr indent="-298450" lvl="6" marL="3200400">
+            <a:lvl7pPr marL="3200400" lvl="6" indent="-298450">
               <a:spcBef>
                 <a:spcPts val="0"/>
               </a:spcBef>
@@ -427,7 +447,7 @@
               <a:buChar char="●"/>
               <a:defRPr sz="1100"/>
             </a:lvl7pPr>
-            <a:lvl8pPr indent="-298450" lvl="7" marL="3657600">
+            <a:lvl8pPr marL="3657600" lvl="7" indent="-298450">
               <a:spcBef>
                 <a:spcPts val="0"/>
               </a:spcBef>
@@ -438,7 +458,7 @@
               <a:buChar char="○"/>
               <a:defRPr sz="1100"/>
             </a:lvl8pPr>
-            <a:lvl9pPr indent="-298450" lvl="8" marL="4114800">
+            <a:lvl9pPr marL="4114800" lvl="8" indent="-298450">
               <a:spcBef>
                 <a:spcPts val="0"/>
               </a:spcBef>
@@ -450,14 +470,16 @@
               <a:defRPr sz="1100"/>
             </a:lvl9pPr>
           </a:lstStyle>
-          <a:p/>
+          <a:p>
+            <a:endParaRPr/>
+          </a:p>
         </p:txBody>
       </p:sp>
     </p:spTree>
   </p:cSld>
-  <p:clrMap accent1="accent1" accent2="accent2" accent3="accent3" accent4="accent4" accent5="accent5" accent6="accent6" bg1="lt1" bg2="dk2" tx1="dk1" tx2="lt2" folHlink="folHlink" hlink="hlink"/>
+  <p:clrMap bg1="lt1" tx1="dk1" bg2="dk2" tx2="lt2" accent1="accent1" accent2="accent2" accent3="accent3" accent4="accent4" accent5="accent5" accent6="accent6" hlink="hlink" folHlink="folHlink"/>
   <p:notesStyle>
-    <a:defPPr lvl="0" marR="0" rtl="0" algn="l">
+    <a:defPPr marR="0" lvl="0" algn="l" rtl="0">
       <a:lnSpc>
         <a:spcPct val="100000"/>
       </a:lnSpc>
@@ -468,7 +490,7 @@
         <a:spcPts val="0"/>
       </a:spcAft>
     </a:defPPr>
-    <a:lvl1pPr lvl="0" marR="0" rtl="0" algn="l">
+    <a:lvl1pPr marR="0" lvl="0" algn="l" rtl="0">
       <a:lnSpc>
         <a:spcPct val="100000"/>
       </a:lnSpc>
@@ -482,7 +504,7 @@
         <a:srgbClr val="000000"/>
       </a:buClr>
       <a:buFont typeface="Arial"/>
-      <a:defRPr b="0" i="0" sz="1400" u="none" cap="none" strike="noStrike">
+      <a:defRPr sz="1400" b="0" i="0" u="none" strike="noStrike" cap="none">
         <a:solidFill>
           <a:srgbClr val="000000"/>
         </a:solidFill>
@@ -492,7 +514,7 @@
         <a:sym typeface="Arial"/>
       </a:defRPr>
     </a:lvl1pPr>
-    <a:lvl2pPr lvl="1" marR="0" rtl="0" algn="l">
+    <a:lvl2pPr marR="0" lvl="1" algn="l" rtl="0">
       <a:lnSpc>
         <a:spcPct val="100000"/>
       </a:lnSpc>
@@ -506,7 +528,7 @@
         <a:srgbClr val="000000"/>
       </a:buClr>
       <a:buFont typeface="Arial"/>
-      <a:defRPr b="0" i="0" sz="1400" u="none" cap="none" strike="noStrike">
+      <a:defRPr sz="1400" b="0" i="0" u="none" strike="noStrike" cap="none">
         <a:solidFill>
           <a:srgbClr val="000000"/>
         </a:solidFill>
@@ -516,7 +538,7 @@
         <a:sym typeface="Arial"/>
       </a:defRPr>
     </a:lvl2pPr>
-    <a:lvl3pPr lvl="2" marR="0" rtl="0" algn="l">
+    <a:lvl3pPr marR="0" lvl="2" algn="l" rtl="0">
       <a:lnSpc>
         <a:spcPct val="100000"/>
       </a:lnSpc>
@@ -530,7 +552,7 @@
         <a:srgbClr val="000000"/>
       </a:buClr>
       <a:buFont typeface="Arial"/>
-      <a:defRPr b="0" i="0" sz="1400" u="none" cap="none" strike="noStrike">
+      <a:defRPr sz="1400" b="0" i="0" u="none" strike="noStrike" cap="none">
         <a:solidFill>
           <a:srgbClr val="000000"/>
         </a:solidFill>
@@ -540,7 +562,7 @@
         <a:sym typeface="Arial"/>
       </a:defRPr>
     </a:lvl3pPr>
-    <a:lvl4pPr lvl="3" marR="0" rtl="0" algn="l">
+    <a:lvl4pPr marR="0" lvl="3" algn="l" rtl="0">
       <a:lnSpc>
         <a:spcPct val="100000"/>
       </a:lnSpc>
@@ -554,7 +576,7 @@
         <a:srgbClr val="000000"/>
       </a:buClr>
       <a:buFont typeface="Arial"/>
-      <a:defRPr b="0" i="0" sz="1400" u="none" cap="none" strike="noStrike">
+      <a:defRPr sz="1400" b="0" i="0" u="none" strike="noStrike" cap="none">
         <a:solidFill>
           <a:srgbClr val="000000"/>
         </a:solidFill>
@@ -564,7 +586,7 @@
         <a:sym typeface="Arial"/>
       </a:defRPr>
     </a:lvl4pPr>
-    <a:lvl5pPr lvl="4" marR="0" rtl="0" algn="l">
+    <a:lvl5pPr marR="0" lvl="4" algn="l" rtl="0">
       <a:lnSpc>
         <a:spcPct val="100000"/>
       </a:lnSpc>
@@ -578,7 +600,7 @@
         <a:srgbClr val="000000"/>
       </a:buClr>
       <a:buFont typeface="Arial"/>
-      <a:defRPr b="0" i="0" sz="1400" u="none" cap="none" strike="noStrike">
+      <a:defRPr sz="1400" b="0" i="0" u="none" strike="noStrike" cap="none">
         <a:solidFill>
           <a:srgbClr val="000000"/>
         </a:solidFill>
@@ -588,7 +610,7 @@
         <a:sym typeface="Arial"/>
       </a:defRPr>
     </a:lvl5pPr>
-    <a:lvl6pPr lvl="5" marR="0" rtl="0" algn="l">
+    <a:lvl6pPr marR="0" lvl="5" algn="l" rtl="0">
       <a:lnSpc>
         <a:spcPct val="100000"/>
       </a:lnSpc>
@@ -602,7 +624,7 @@
         <a:srgbClr val="000000"/>
       </a:buClr>
       <a:buFont typeface="Arial"/>
-      <a:defRPr b="0" i="0" sz="1400" u="none" cap="none" strike="noStrike">
+      <a:defRPr sz="1400" b="0" i="0" u="none" strike="noStrike" cap="none">
         <a:solidFill>
           <a:srgbClr val="000000"/>
         </a:solidFill>
@@ -612,7 +634,7 @@
         <a:sym typeface="Arial"/>
       </a:defRPr>
     </a:lvl6pPr>
-    <a:lvl7pPr lvl="6" marR="0" rtl="0" algn="l">
+    <a:lvl7pPr marR="0" lvl="6" algn="l" rtl="0">
       <a:lnSpc>
         <a:spcPct val="100000"/>
       </a:lnSpc>
@@ -626,7 +648,7 @@
         <a:srgbClr val="000000"/>
       </a:buClr>
       <a:buFont typeface="Arial"/>
-      <a:defRPr b="0" i="0" sz="1400" u="none" cap="none" strike="noStrike">
+      <a:defRPr sz="1400" b="0" i="0" u="none" strike="noStrike" cap="none">
         <a:solidFill>
           <a:srgbClr val="000000"/>
         </a:solidFill>
@@ -636,7 +658,7 @@
         <a:sym typeface="Arial"/>
       </a:defRPr>
     </a:lvl7pPr>
-    <a:lvl8pPr lvl="7" marR="0" rtl="0" algn="l">
+    <a:lvl8pPr marR="0" lvl="7" algn="l" rtl="0">
       <a:lnSpc>
         <a:spcPct val="100000"/>
       </a:lnSpc>
@@ -650,7 +672,7 @@
         <a:srgbClr val="000000"/>
       </a:buClr>
       <a:buFont typeface="Arial"/>
-      <a:defRPr b="0" i="0" sz="1400" u="none" cap="none" strike="noStrike">
+      <a:defRPr sz="1400" b="0" i="0" u="none" strike="noStrike" cap="none">
         <a:solidFill>
           <a:srgbClr val="000000"/>
         </a:solidFill>
@@ -660,7 +682,7 @@
         <a:sym typeface="Arial"/>
       </a:defRPr>
     </a:lvl8pPr>
-    <a:lvl9pPr lvl="8" marR="0" rtl="0" algn="l">
+    <a:lvl9pPr marR="0" lvl="8" algn="l" rtl="0">
       <a:lnSpc>
         <a:spcPct val="100000"/>
       </a:lnSpc>
@@ -674,7 +696,7 @@
         <a:srgbClr val="000000"/>
       </a:buClr>
       <a:buFont typeface="Arial"/>
-      <a:defRPr b="0" i="0" sz="1400" u="none" cap="none" strike="noStrike">
+      <a:defRPr sz="1400" b="0" i="0" u="none" strike="noStrike" cap="none">
         <a:solidFill>
           <a:srgbClr val="000000"/>
         </a:solidFill>
@@ -689,11 +711,11 @@
 </file>
 
 <file path=ppt/notesSlides/notesSlide1.xml><?xml version="1.0" encoding="utf-8"?>
-<p:notes xmlns:a="http://schemas.openxmlformats.org/drawingml/2006/main" xmlns:r="http://schemas.openxmlformats.org/officeDocument/2006/relationships" xmlns:mc="http://schemas.openxmlformats.org/markup-compatibility/2006" xmlns:mv="urn:schemas-microsoft-com:mac:vml" xmlns:p="http://schemas.openxmlformats.org/presentationml/2006/main" xmlns:c="http://schemas.openxmlformats.org/drawingml/2006/chart" xmlns:dgm="http://schemas.openxmlformats.org/drawingml/2006/diagram" xmlns:o="urn:schemas-microsoft-com:office:office" xmlns:v="urn:schemas-microsoft-com:vml" xmlns:pvml="urn:schemas-microsoft-com:office:powerpoint" xmlns:com="http://schemas.openxmlformats.org/drawingml/2006/compatibility" xmlns:p14="http://schemas.microsoft.com/office/powerpoint/2010/main" xmlns:p15="http://schemas.microsoft.com/office/powerpoint/2012/main" showMasterPhAnim="0" showMasterSp="0">
+<p:notes xmlns:a="http://schemas.openxmlformats.org/drawingml/2006/main" xmlns:r="http://schemas.openxmlformats.org/officeDocument/2006/relationships" xmlns:p="http://schemas.openxmlformats.org/presentationml/2006/main" showMasterSp="0" showMasterPhAnim="0">
   <p:cSld>
     <p:spTree>
       <p:nvGrpSpPr>
-        <p:cNvPr id="88" name="Shape 88"/>
+        <p:cNvPr id="1" name="Shape 88"/>
         <p:cNvGrpSpPr/>
         <p:nvPr/>
       </p:nvGrpSpPr>
@@ -708,9 +730,11 @@
       <p:sp>
         <p:nvSpPr>
           <p:cNvPr id="89" name="Google Shape;89;p1:notes"/>
-          <p:cNvSpPr txBox="1"/>
+          <p:cNvSpPr txBox="1">
+            <a:spLocks noGrp="1"/>
+          </p:cNvSpPr>
           <p:nvPr>
-            <p:ph idx="1" type="body"/>
+            <p:ph type="body" idx="1"/>
           </p:nvPr>
         </p:nvSpPr>
         <p:spPr>
@@ -723,12 +747,12 @@
           </a:prstGeom>
         </p:spPr>
         <p:txBody>
-          <a:bodyPr anchorCtr="0" anchor="t" bIns="91425" lIns="91425" spcFirstLastPara="1" rIns="91425" wrap="square" tIns="91425">
+          <a:bodyPr spcFirstLastPara="1" wrap="square" lIns="91425" tIns="91425" rIns="91425" bIns="91425" anchor="t" anchorCtr="0">
             <a:noAutofit/>
           </a:bodyPr>
           <a:lstStyle/>
           <a:p>
-            <a:pPr indent="0" lvl="0" marL="0" rtl="0" algn="l">
+            <a:pPr marL="0" lvl="0" indent="0" algn="l" rtl="0">
               <a:spcBef>
                 <a:spcPts val="0"/>
               </a:spcBef>
@@ -737,9 +761,6 @@
               </a:spcAft>
               <a:buNone/>
             </a:pPr>
-            <a:r>
-              <a:t/>
-            </a:r>
             <a:endParaRPr/>
           </a:p>
         </p:txBody>
@@ -747,20 +768,26 @@
       <p:sp>
         <p:nvSpPr>
           <p:cNvPr id="90" name="Google Shape;90;p1:notes"/>
-          <p:cNvSpPr/>
+          <p:cNvSpPr>
+            <a:spLocks noGrp="1" noRot="1" noChangeAspect="1"/>
+          </p:cNvSpPr>
           <p:nvPr>
-            <p:ph idx="2" type="sldImg"/>
+            <p:ph type="sldImg" idx="2"/>
           </p:nvPr>
         </p:nvSpPr>
         <p:spPr>
           <a:xfrm>
-            <a:off x="1143225" y="685800"/>
-            <a:ext cx="4572225" cy="3429000"/>
+            <a:off x="381000" y="685800"/>
+            <a:ext cx="6096000" cy="3429000"/>
           </a:xfrm>
           <a:custGeom>
-            <a:rect b="b" l="l" r="r" t="t"/>
+            <a:avLst/>
+            <a:gdLst/>
+            <a:ahLst/>
+            <a:cxnLst/>
+            <a:rect l="l" t="t" r="r" b="b"/>
             <a:pathLst>
-              <a:path extrusionOk="0" h="120000" w="120000">
+              <a:path w="120000" h="120000" extrusionOk="0">
                 <a:moveTo>
                   <a:pt x="0" y="0"/>
                 </a:moveTo>
@@ -788,11 +815,11 @@
 </file>
 
 <file path=ppt/notesSlides/notesSlide2.xml><?xml version="1.0" encoding="utf-8"?>
-<p:notes xmlns:a="http://schemas.openxmlformats.org/drawingml/2006/main" xmlns:r="http://schemas.openxmlformats.org/officeDocument/2006/relationships" xmlns:mc="http://schemas.openxmlformats.org/markup-compatibility/2006" xmlns:mv="urn:schemas-microsoft-com:mac:vml" xmlns:p="http://schemas.openxmlformats.org/presentationml/2006/main" xmlns:c="http://schemas.openxmlformats.org/drawingml/2006/chart" xmlns:dgm="http://schemas.openxmlformats.org/drawingml/2006/diagram" xmlns:o="urn:schemas-microsoft-com:office:office" xmlns:v="urn:schemas-microsoft-com:vml" xmlns:pvml="urn:schemas-microsoft-com:office:powerpoint" xmlns:com="http://schemas.openxmlformats.org/drawingml/2006/compatibility" xmlns:p14="http://schemas.microsoft.com/office/powerpoint/2010/main" xmlns:p15="http://schemas.microsoft.com/office/powerpoint/2012/main" showMasterPhAnim="0" showMasterSp="0">
+<p:notes xmlns:a="http://schemas.openxmlformats.org/drawingml/2006/main" xmlns:r="http://schemas.openxmlformats.org/officeDocument/2006/relationships" xmlns:p="http://schemas.openxmlformats.org/presentationml/2006/main" showMasterSp="0" showMasterPhAnim="0">
   <p:cSld>
     <p:spTree>
       <p:nvGrpSpPr>
-        <p:cNvPr id="96" name="Shape 96"/>
+        <p:cNvPr id="1" name="Shape 96"/>
         <p:cNvGrpSpPr/>
         <p:nvPr/>
       </p:nvGrpSpPr>
@@ -807,9 +834,11 @@
       <p:sp>
         <p:nvSpPr>
           <p:cNvPr id="97" name="Google Shape;97;p2:notes"/>
-          <p:cNvSpPr txBox="1"/>
+          <p:cNvSpPr txBox="1">
+            <a:spLocks noGrp="1"/>
+          </p:cNvSpPr>
           <p:nvPr>
-            <p:ph idx="1" type="body"/>
+            <p:ph type="body" idx="1"/>
           </p:nvPr>
         </p:nvSpPr>
         <p:spPr>
@@ -822,12 +851,12 @@
           </a:prstGeom>
         </p:spPr>
         <p:txBody>
-          <a:bodyPr anchorCtr="0" anchor="t" bIns="91425" lIns="91425" spcFirstLastPara="1" rIns="91425" wrap="square" tIns="91425">
+          <a:bodyPr spcFirstLastPara="1" wrap="square" lIns="91425" tIns="91425" rIns="91425" bIns="91425" anchor="t" anchorCtr="0">
             <a:noAutofit/>
           </a:bodyPr>
           <a:lstStyle/>
           <a:p>
-            <a:pPr indent="0" lvl="0" marL="0" rtl="0" algn="l">
+            <a:pPr marL="0" lvl="0" indent="0" algn="l" rtl="0">
               <a:spcBef>
                 <a:spcPts val="0"/>
               </a:spcBef>
@@ -836,9 +865,6 @@
               </a:spcAft>
               <a:buNone/>
             </a:pPr>
-            <a:r>
-              <a:t/>
-            </a:r>
             <a:endParaRPr/>
           </a:p>
         </p:txBody>
@@ -846,20 +872,26 @@
       <p:sp>
         <p:nvSpPr>
           <p:cNvPr id="98" name="Google Shape;98;p2:notes"/>
-          <p:cNvSpPr/>
+          <p:cNvSpPr>
+            <a:spLocks noGrp="1" noRot="1" noChangeAspect="1"/>
+          </p:cNvSpPr>
           <p:nvPr>
-            <p:ph idx="2" type="sldImg"/>
+            <p:ph type="sldImg" idx="2"/>
           </p:nvPr>
         </p:nvSpPr>
         <p:spPr>
           <a:xfrm>
-            <a:off x="1143225" y="685800"/>
-            <a:ext cx="4572225" cy="3429000"/>
+            <a:off x="381000" y="685800"/>
+            <a:ext cx="6096000" cy="3429000"/>
           </a:xfrm>
           <a:custGeom>
-            <a:rect b="b" l="l" r="r" t="t"/>
+            <a:avLst/>
+            <a:gdLst/>
+            <a:ahLst/>
+            <a:cxnLst/>
+            <a:rect l="l" t="t" r="r" b="b"/>
             <a:pathLst>
-              <a:path extrusionOk="0" h="120000" w="120000">
+              <a:path w="120000" h="120000" extrusionOk="0">
                 <a:moveTo>
                   <a:pt x="0" y="0"/>
                 </a:moveTo>
@@ -887,11 +919,11 @@
 </file>
 
 <file path=ppt/notesSlides/notesSlide3.xml><?xml version="1.0" encoding="utf-8"?>
-<p:notes xmlns:a="http://schemas.openxmlformats.org/drawingml/2006/main" xmlns:r="http://schemas.openxmlformats.org/officeDocument/2006/relationships" xmlns:mc="http://schemas.openxmlformats.org/markup-compatibility/2006" xmlns:mv="urn:schemas-microsoft-com:mac:vml" xmlns:p="http://schemas.openxmlformats.org/presentationml/2006/main" xmlns:c="http://schemas.openxmlformats.org/drawingml/2006/chart" xmlns:dgm="http://schemas.openxmlformats.org/drawingml/2006/diagram" xmlns:o="urn:schemas-microsoft-com:office:office" xmlns:v="urn:schemas-microsoft-com:vml" xmlns:pvml="urn:schemas-microsoft-com:office:powerpoint" xmlns:com="http://schemas.openxmlformats.org/drawingml/2006/compatibility" xmlns:p14="http://schemas.microsoft.com/office/powerpoint/2010/main" xmlns:p15="http://schemas.microsoft.com/office/powerpoint/2012/main" showMasterPhAnim="0" showMasterSp="0">
+<p:notes xmlns:a="http://schemas.openxmlformats.org/drawingml/2006/main" xmlns:r="http://schemas.openxmlformats.org/officeDocument/2006/relationships" xmlns:p="http://schemas.openxmlformats.org/presentationml/2006/main" showMasterSp="0" showMasterPhAnim="0">
   <p:cSld>
     <p:spTree>
       <p:nvGrpSpPr>
-        <p:cNvPr id="106" name="Shape 106"/>
+        <p:cNvPr id="1" name="Shape 106"/>
         <p:cNvGrpSpPr/>
         <p:nvPr/>
       </p:nvGrpSpPr>
@@ -906,9 +938,11 @@
       <p:sp>
         <p:nvSpPr>
           <p:cNvPr id="107" name="Google Shape;107;p3:notes"/>
-          <p:cNvSpPr txBox="1"/>
+          <p:cNvSpPr txBox="1">
+            <a:spLocks noGrp="1"/>
+          </p:cNvSpPr>
           <p:nvPr>
-            <p:ph idx="1" type="body"/>
+            <p:ph type="body" idx="1"/>
           </p:nvPr>
         </p:nvSpPr>
         <p:spPr>
@@ -921,12 +955,12 @@
           </a:prstGeom>
         </p:spPr>
         <p:txBody>
-          <a:bodyPr anchorCtr="0" anchor="t" bIns="91425" lIns="91425" spcFirstLastPara="1" rIns="91425" wrap="square" tIns="91425">
+          <a:bodyPr spcFirstLastPara="1" wrap="square" lIns="91425" tIns="91425" rIns="91425" bIns="91425" anchor="t" anchorCtr="0">
             <a:noAutofit/>
           </a:bodyPr>
           <a:lstStyle/>
           <a:p>
-            <a:pPr indent="0" lvl="0" marL="0" rtl="0" algn="l">
+            <a:pPr marL="0" lvl="0" indent="0" algn="l" rtl="0">
               <a:spcBef>
                 <a:spcPts val="0"/>
               </a:spcBef>
@@ -935,9 +969,6 @@
               </a:spcAft>
               <a:buNone/>
             </a:pPr>
-            <a:r>
-              <a:t/>
-            </a:r>
             <a:endParaRPr/>
           </a:p>
         </p:txBody>
@@ -945,9 +976,11 @@
       <p:sp>
         <p:nvSpPr>
           <p:cNvPr id="108" name="Google Shape;108;p3:notes"/>
-          <p:cNvSpPr/>
+          <p:cNvSpPr>
+            <a:spLocks noGrp="1" noRot="1" noChangeAspect="1"/>
+          </p:cNvSpPr>
           <p:nvPr>
-            <p:ph idx="2" type="sldImg"/>
+            <p:ph type="sldImg" idx="2"/>
           </p:nvPr>
         </p:nvSpPr>
         <p:spPr>
@@ -956,9 +989,13 @@
             <a:ext cx="4572225" cy="3429000"/>
           </a:xfrm>
           <a:custGeom>
-            <a:rect b="b" l="l" r="r" t="t"/>
+            <a:avLst/>
+            <a:gdLst/>
+            <a:ahLst/>
+            <a:cxnLst/>
+            <a:rect l="l" t="t" r="r" b="b"/>
             <a:pathLst>
-              <a:path extrusionOk="0" h="120000" w="120000">
+              <a:path w="120000" h="120000" extrusionOk="0">
                 <a:moveTo>
                   <a:pt x="0" y="0"/>
                 </a:moveTo>
@@ -986,18 +1023,19 @@
 </file>
 
 <file path=ppt/slideLayouts/slideLayout1.xml><?xml version="1.0" encoding="utf-8"?>
-<p:sldLayout xmlns:a="http://schemas.openxmlformats.org/drawingml/2006/main" xmlns:r="http://schemas.openxmlformats.org/officeDocument/2006/relationships" xmlns:mc="http://schemas.openxmlformats.org/markup-compatibility/2006" xmlns:mv="urn:schemas-microsoft-com:mac:vml" xmlns:p="http://schemas.openxmlformats.org/presentationml/2006/main" xmlns:c="http://schemas.openxmlformats.org/drawingml/2006/chart" xmlns:dgm="http://schemas.openxmlformats.org/drawingml/2006/diagram" xmlns:o="urn:schemas-microsoft-com:office:office" xmlns:v="urn:schemas-microsoft-com:vml" xmlns:pvml="urn:schemas-microsoft-com:office:powerpoint" xmlns:com="http://schemas.openxmlformats.org/drawingml/2006/compatibility" xmlns:p14="http://schemas.microsoft.com/office/powerpoint/2010/main" xmlns:p15="http://schemas.microsoft.com/office/powerpoint/2012/main" matchingName="Title slide" type="title">
+<p:sldLayout xmlns:a="http://schemas.openxmlformats.org/drawingml/2006/main" xmlns:r="http://schemas.openxmlformats.org/officeDocument/2006/relationships" xmlns:p="http://schemas.openxmlformats.org/presentationml/2006/main" matchingName="Title slide" type="title">
   <p:cSld name="TITLE">
     <p:bg>
       <p:bgPr>
         <a:solidFill>
           <a:schemeClr val="lt2"/>
         </a:solidFill>
+        <a:effectLst/>
       </p:bgPr>
     </p:bg>
     <p:spTree>
       <p:nvGrpSpPr>
-        <p:cNvPr id="9" name="Shape 9"/>
+        <p:cNvPr id="1" name="Shape 9"/>
         <p:cNvGrpSpPr/>
         <p:nvPr/>
       </p:nvGrpSpPr>
@@ -1031,12 +1069,12 @@
           </a:ln>
         </p:spPr>
         <p:txBody>
-          <a:bodyPr anchorCtr="0" anchor="ctr" bIns="121900" lIns="121900" spcFirstLastPara="1" rIns="121900" wrap="square" tIns="121900">
+          <a:bodyPr spcFirstLastPara="1" wrap="square" lIns="121900" tIns="121900" rIns="121900" bIns="121900" anchor="ctr" anchorCtr="0">
             <a:noAutofit/>
           </a:bodyPr>
           <a:lstStyle/>
           <a:p>
-            <a:pPr indent="0" lvl="0" marL="0" rtl="0" algn="l">
+            <a:pPr marL="0" lvl="0" indent="0" algn="l" rtl="0">
               <a:spcBef>
                 <a:spcPts val="0"/>
               </a:spcBef>
@@ -1045,9 +1083,6 @@
               </a:spcAft>
               <a:buNone/>
             </a:pPr>
-            <a:r>
-              <a:t/>
-            </a:r>
             <a:endParaRPr/>
           </a:p>
         </p:txBody>
@@ -1088,12 +1123,12 @@
             </a:ln>
           </p:spPr>
           <p:txBody>
-            <a:bodyPr anchorCtr="0" anchor="ctr" bIns="121900" lIns="121900" spcFirstLastPara="1" rIns="121900" wrap="square" tIns="121900">
+            <a:bodyPr spcFirstLastPara="1" wrap="square" lIns="121900" tIns="121900" rIns="121900" bIns="121900" anchor="ctr" anchorCtr="0">
               <a:noAutofit/>
             </a:bodyPr>
             <a:lstStyle/>
             <a:p>
-              <a:pPr indent="0" lvl="0" marL="0" rtl="0" algn="l">
+              <a:pPr marL="0" lvl="0" indent="0" algn="l" rtl="0">
                 <a:spcBef>
                   <a:spcPts val="0"/>
                 </a:spcBef>
@@ -1102,9 +1137,6 @@
                 </a:spcAft>
                 <a:buNone/>
               </a:pPr>
-              <a:r>
-                <a:t/>
-              </a:r>
               <a:endParaRPr/>
             </a:p>
           </p:txBody>
@@ -1131,12 +1163,12 @@
             </a:ln>
           </p:spPr>
           <p:txBody>
-            <a:bodyPr anchorCtr="0" anchor="ctr" bIns="121900" lIns="121900" spcFirstLastPara="1" rIns="121900" wrap="square" tIns="121900">
+            <a:bodyPr spcFirstLastPara="1" wrap="square" lIns="121900" tIns="121900" rIns="121900" bIns="121900" anchor="ctr" anchorCtr="0">
               <a:noAutofit/>
             </a:bodyPr>
             <a:lstStyle/>
             <a:p>
-              <a:pPr indent="0" lvl="0" marL="0" rtl="0" algn="l">
+              <a:pPr marL="0" lvl="0" indent="0" algn="l" rtl="0">
                 <a:spcBef>
                   <a:spcPts val="0"/>
                 </a:spcBef>
@@ -1145,9 +1177,6 @@
                 </a:spcAft>
                 <a:buNone/>
               </a:pPr>
-              <a:r>
-                <a:t/>
-              </a:r>
               <a:endParaRPr/>
             </a:p>
           </p:txBody>
@@ -1156,7 +1185,9 @@
       <p:sp>
         <p:nvSpPr>
           <p:cNvPr id="14" name="Google Shape;14;p2"/>
-          <p:cNvSpPr txBox="1"/>
+          <p:cNvSpPr txBox="1">
+            <a:spLocks noGrp="1"/>
+          </p:cNvSpPr>
           <p:nvPr>
             <p:ph type="ctrTitle"/>
           </p:nvPr>
@@ -1171,7 +1202,7 @@
           </a:prstGeom>
         </p:spPr>
         <p:txBody>
-          <a:bodyPr anchorCtr="0" anchor="t" bIns="121900" lIns="121900" spcFirstLastPara="1" rIns="121900" wrap="square" tIns="121900">
+          <a:bodyPr spcFirstLastPara="1" wrap="square" lIns="121900" tIns="121900" rIns="121900" bIns="121900" anchor="t" anchorCtr="0">
             <a:noAutofit/>
           </a:bodyPr>
           <a:lstStyle>
@@ -1338,15 +1369,19 @@
               </a:defRPr>
             </a:lvl9pPr>
           </a:lstStyle>
-          <a:p/>
+          <a:p>
+            <a:endParaRPr/>
+          </a:p>
         </p:txBody>
       </p:sp>
       <p:sp>
         <p:nvSpPr>
           <p:cNvPr id="15" name="Google Shape;15;p2"/>
-          <p:cNvSpPr txBox="1"/>
+          <p:cNvSpPr txBox="1">
+            <a:spLocks noGrp="1"/>
+          </p:cNvSpPr>
           <p:nvPr>
-            <p:ph idx="1" type="subTitle"/>
+            <p:ph type="subTitle" idx="1"/>
           </p:nvPr>
         </p:nvSpPr>
         <p:spPr>
@@ -1359,7 +1394,7 @@
           </a:prstGeom>
         </p:spPr>
         <p:txBody>
-          <a:bodyPr anchorCtr="0" anchor="t" bIns="121900" lIns="121900" spcFirstLastPara="1" rIns="121900" wrap="square" tIns="121900">
+          <a:bodyPr spcFirstLastPara="1" wrap="square" lIns="121900" tIns="121900" rIns="121900" bIns="121900" anchor="t" anchorCtr="0">
             <a:noAutofit/>
           </a:bodyPr>
           <a:lstStyle>
@@ -1490,15 +1525,19 @@
               <a:defRPr sz="2100"/>
             </a:lvl9pPr>
           </a:lstStyle>
-          <a:p/>
+          <a:p>
+            <a:endParaRPr/>
+          </a:p>
         </p:txBody>
       </p:sp>
       <p:sp>
         <p:nvSpPr>
           <p:cNvPr id="16" name="Google Shape;16;p2"/>
-          <p:cNvSpPr txBox="1"/>
+          <p:cNvSpPr txBox="1">
+            <a:spLocks noGrp="1"/>
+          </p:cNvSpPr>
           <p:nvPr>
-            <p:ph idx="12" type="sldNum"/>
+            <p:ph type="sldNum" idx="12"/>
           </p:nvPr>
         </p:nvSpPr>
         <p:spPr>
@@ -1511,7 +1550,7 @@
           </a:prstGeom>
         </p:spPr>
         <p:txBody>
-          <a:bodyPr anchorCtr="0" anchor="ctr" bIns="121900" lIns="121900" spcFirstLastPara="1" rIns="121900" wrap="square" tIns="121900">
+          <a:bodyPr spcFirstLastPara="1" wrap="square" lIns="121900" tIns="121900" rIns="121900" bIns="121900" anchor="ctr" anchorCtr="0">
             <a:noAutofit/>
           </a:bodyPr>
           <a:lstStyle>
@@ -1553,7 +1592,7 @@
             </a:lvl9pPr>
           </a:lstStyle>
           <a:p>
-            <a:pPr indent="0" lvl="0" marL="0" rtl="0" algn="r">
+            <a:pPr marL="0" lvl="0" indent="0" algn="r" rtl="0">
               <a:spcBef>
                 <a:spcPts val="0"/>
               </a:spcBef>
@@ -1579,18 +1618,19 @@
 </file>
 
 <file path=ppt/slideLayouts/slideLayout10.xml><?xml version="1.0" encoding="utf-8"?>
-<p:sldLayout xmlns:a="http://schemas.openxmlformats.org/drawingml/2006/main" xmlns:r="http://schemas.openxmlformats.org/officeDocument/2006/relationships" xmlns:mc="http://schemas.openxmlformats.org/markup-compatibility/2006" xmlns:mv="urn:schemas-microsoft-com:mac:vml" xmlns:p="http://schemas.openxmlformats.org/presentationml/2006/main" xmlns:c="http://schemas.openxmlformats.org/drawingml/2006/chart" xmlns:dgm="http://schemas.openxmlformats.org/drawingml/2006/diagram" xmlns:o="urn:schemas-microsoft-com:office:office" xmlns:v="urn:schemas-microsoft-com:vml" xmlns:pvml="urn:schemas-microsoft-com:office:powerpoint" xmlns:com="http://schemas.openxmlformats.org/drawingml/2006/compatibility" xmlns:p14="http://schemas.microsoft.com/office/powerpoint/2010/main" xmlns:p15="http://schemas.microsoft.com/office/powerpoint/2012/main" matchingName="Big number">
+<p:sldLayout xmlns:a="http://schemas.openxmlformats.org/drawingml/2006/main" xmlns:r="http://schemas.openxmlformats.org/officeDocument/2006/relationships" xmlns:p="http://schemas.openxmlformats.org/presentationml/2006/main" matchingName="Big number">
   <p:cSld name="BIG_NUMBER">
     <p:bg>
       <p:bgPr>
         <a:solidFill>
           <a:schemeClr val="dk1"/>
         </a:solidFill>
+        <a:effectLst/>
       </p:bgPr>
     </p:bg>
     <p:spTree>
       <p:nvGrpSpPr>
-        <p:cNvPr id="73" name="Shape 73"/>
+        <p:cNvPr id="1" name="Shape 73"/>
         <p:cNvGrpSpPr/>
         <p:nvPr/>
       </p:nvGrpSpPr>
@@ -1638,12 +1678,12 @@
             </a:ln>
           </p:spPr>
           <p:txBody>
-            <a:bodyPr anchorCtr="0" anchor="ctr" bIns="121900" lIns="121900" spcFirstLastPara="1" rIns="121900" wrap="square" tIns="121900">
+            <a:bodyPr spcFirstLastPara="1" wrap="square" lIns="121900" tIns="121900" rIns="121900" bIns="121900" anchor="ctr" anchorCtr="0">
               <a:noAutofit/>
             </a:bodyPr>
             <a:lstStyle/>
             <a:p>
-              <a:pPr indent="0" lvl="0" marL="0" rtl="0" algn="l">
+              <a:pPr marL="0" lvl="0" indent="0" algn="l" rtl="0">
                 <a:spcBef>
                   <a:spcPts val="0"/>
                 </a:spcBef>
@@ -1652,9 +1692,6 @@
                 </a:spcAft>
                 <a:buNone/>
               </a:pPr>
-              <a:r>
-                <a:t/>
-              </a:r>
               <a:endParaRPr/>
             </a:p>
           </p:txBody>
@@ -1681,12 +1718,12 @@
             </a:ln>
           </p:spPr>
           <p:txBody>
-            <a:bodyPr anchorCtr="0" anchor="ctr" bIns="121900" lIns="121900" spcFirstLastPara="1" rIns="121900" wrap="square" tIns="121900">
+            <a:bodyPr spcFirstLastPara="1" wrap="square" lIns="121900" tIns="121900" rIns="121900" bIns="121900" anchor="ctr" anchorCtr="0">
               <a:noAutofit/>
             </a:bodyPr>
             <a:lstStyle/>
             <a:p>
-              <a:pPr indent="0" lvl="0" marL="0" rtl="0" algn="l">
+              <a:pPr marL="0" lvl="0" indent="0" algn="l" rtl="0">
                 <a:spcBef>
                   <a:spcPts val="0"/>
                 </a:spcBef>
@@ -1695,9 +1732,6 @@
                 </a:spcAft>
                 <a:buNone/>
               </a:pPr>
-              <a:r>
-                <a:t/>
-              </a:r>
               <a:endParaRPr/>
             </a:p>
           </p:txBody>
@@ -1706,9 +1740,11 @@
       <p:sp>
         <p:nvSpPr>
           <p:cNvPr id="77" name="Google Shape;77;p11"/>
-          <p:cNvSpPr txBox="1"/>
+          <p:cNvSpPr txBox="1">
+            <a:spLocks noGrp="1"/>
+          </p:cNvSpPr>
           <p:nvPr>
-            <p:ph hasCustomPrompt="1" type="title"/>
+            <p:ph type="title" hasCustomPrompt="1"/>
           </p:nvPr>
         </p:nvSpPr>
         <p:spPr>
@@ -1721,7 +1757,7 @@
           </a:prstGeom>
         </p:spPr>
         <p:txBody>
-          <a:bodyPr anchorCtr="0" anchor="t" bIns="121900" lIns="121900" spcFirstLastPara="1" rIns="121900" wrap="square" tIns="121900">
+          <a:bodyPr spcFirstLastPara="1" wrap="square" lIns="121900" tIns="121900" rIns="121900" bIns="121900" anchor="t" anchorCtr="0">
             <a:noAutofit/>
           </a:bodyPr>
           <a:lstStyle>
@@ -1898,9 +1934,11 @@
       <p:sp>
         <p:nvSpPr>
           <p:cNvPr id="78" name="Google Shape;78;p11"/>
-          <p:cNvSpPr txBox="1"/>
+          <p:cNvSpPr txBox="1">
+            <a:spLocks noGrp="1"/>
+          </p:cNvSpPr>
           <p:nvPr>
-            <p:ph idx="1" type="body"/>
+            <p:ph type="body" idx="1"/>
           </p:nvPr>
         </p:nvSpPr>
         <p:spPr>
@@ -1913,11 +1951,11 @@
           </a:prstGeom>
         </p:spPr>
         <p:txBody>
-          <a:bodyPr anchorCtr="0" anchor="t" bIns="121900" lIns="121900" spcFirstLastPara="1" rIns="121900" wrap="square" tIns="121900">
+          <a:bodyPr spcFirstLastPara="1" wrap="square" lIns="121900" tIns="121900" rIns="121900" bIns="121900" anchor="t" anchorCtr="0">
             <a:noAutofit/>
           </a:bodyPr>
           <a:lstStyle>
-            <a:lvl1pPr indent="-336550" lvl="0" marL="457200">
+            <a:lvl1pPr marL="457200" lvl="0" indent="-336550">
               <a:spcBef>
                 <a:spcPts val="0"/>
               </a:spcBef>
@@ -1935,7 +1973,7 @@
                 </a:solidFill>
               </a:defRPr>
             </a:lvl1pPr>
-            <a:lvl2pPr indent="-323850" lvl="1" marL="914400">
+            <a:lvl2pPr marL="914400" lvl="1" indent="-323850">
               <a:spcBef>
                 <a:spcPts val="2100"/>
               </a:spcBef>
@@ -1953,7 +1991,7 @@
                 </a:solidFill>
               </a:defRPr>
             </a:lvl2pPr>
-            <a:lvl3pPr indent="-323850" lvl="2" marL="1371600">
+            <a:lvl3pPr marL="1371600" lvl="2" indent="-323850">
               <a:spcBef>
                 <a:spcPts val="2100"/>
               </a:spcBef>
@@ -1971,7 +2009,7 @@
                 </a:solidFill>
               </a:defRPr>
             </a:lvl3pPr>
-            <a:lvl4pPr indent="-323850" lvl="3" marL="1828800">
+            <a:lvl4pPr marL="1828800" lvl="3" indent="-323850">
               <a:spcBef>
                 <a:spcPts val="2100"/>
               </a:spcBef>
@@ -1989,7 +2027,7 @@
                 </a:solidFill>
               </a:defRPr>
             </a:lvl4pPr>
-            <a:lvl5pPr indent="-323850" lvl="4" marL="2286000">
+            <a:lvl5pPr marL="2286000" lvl="4" indent="-323850">
               <a:spcBef>
                 <a:spcPts val="2100"/>
               </a:spcBef>
@@ -2007,7 +2045,7 @@
                 </a:solidFill>
               </a:defRPr>
             </a:lvl5pPr>
-            <a:lvl6pPr indent="-323850" lvl="5" marL="2743200">
+            <a:lvl6pPr marL="2743200" lvl="5" indent="-323850">
               <a:spcBef>
                 <a:spcPts val="2100"/>
               </a:spcBef>
@@ -2025,7 +2063,7 @@
                 </a:solidFill>
               </a:defRPr>
             </a:lvl6pPr>
-            <a:lvl7pPr indent="-323850" lvl="6" marL="3200400">
+            <a:lvl7pPr marL="3200400" lvl="6" indent="-323850">
               <a:spcBef>
                 <a:spcPts val="2100"/>
               </a:spcBef>
@@ -2043,7 +2081,7 @@
                 </a:solidFill>
               </a:defRPr>
             </a:lvl7pPr>
-            <a:lvl8pPr indent="-323850" lvl="7" marL="3657600">
+            <a:lvl8pPr marL="3657600" lvl="7" indent="-323850">
               <a:spcBef>
                 <a:spcPts val="2100"/>
               </a:spcBef>
@@ -2061,7 +2099,7 @@
                 </a:solidFill>
               </a:defRPr>
             </a:lvl8pPr>
-            <a:lvl9pPr indent="-323850" lvl="8" marL="4114800">
+            <a:lvl9pPr marL="4114800" lvl="8" indent="-323850">
               <a:spcBef>
                 <a:spcPts val="2100"/>
               </a:spcBef>
@@ -2080,15 +2118,19 @@
               </a:defRPr>
             </a:lvl9pPr>
           </a:lstStyle>
-          <a:p/>
+          <a:p>
+            <a:endParaRPr/>
+          </a:p>
         </p:txBody>
       </p:sp>
       <p:sp>
         <p:nvSpPr>
           <p:cNvPr id="79" name="Google Shape;79;p11"/>
-          <p:cNvSpPr txBox="1"/>
+          <p:cNvSpPr txBox="1">
+            <a:spLocks noGrp="1"/>
+          </p:cNvSpPr>
           <p:nvPr>
-            <p:ph idx="12" type="sldNum"/>
+            <p:ph type="sldNum" idx="12"/>
           </p:nvPr>
         </p:nvSpPr>
         <p:spPr>
@@ -2101,7 +2143,7 @@
           </a:prstGeom>
         </p:spPr>
         <p:txBody>
-          <a:bodyPr anchorCtr="0" anchor="ctr" bIns="121900" lIns="121900" spcFirstLastPara="1" rIns="121900" wrap="square" tIns="121900">
+          <a:bodyPr spcFirstLastPara="1" wrap="square" lIns="121900" tIns="121900" rIns="121900" bIns="121900" anchor="ctr" anchorCtr="0">
             <a:noAutofit/>
           </a:bodyPr>
           <a:lstStyle>
@@ -2179,7 +2221,7 @@
             </a:lvl9pPr>
           </a:lstStyle>
           <a:p>
-            <a:pPr indent="0" lvl="0" marL="0" rtl="0" algn="r">
+            <a:pPr marL="0" lvl="0" indent="0" algn="r" rtl="0">
               <a:spcBef>
                 <a:spcPts val="0"/>
               </a:spcBef>
@@ -2205,11 +2247,11 @@
 </file>
 
 <file path=ppt/slideLayouts/slideLayout11.xml><?xml version="1.0" encoding="utf-8"?>
-<p:sldLayout xmlns:a="http://schemas.openxmlformats.org/drawingml/2006/main" xmlns:r="http://schemas.openxmlformats.org/officeDocument/2006/relationships" xmlns:mc="http://schemas.openxmlformats.org/markup-compatibility/2006" xmlns:mv="urn:schemas-microsoft-com:mac:vml" xmlns:p="http://schemas.openxmlformats.org/presentationml/2006/main" xmlns:c="http://schemas.openxmlformats.org/drawingml/2006/chart" xmlns:dgm="http://schemas.openxmlformats.org/drawingml/2006/diagram" xmlns:o="urn:schemas-microsoft-com:office:office" xmlns:v="urn:schemas-microsoft-com:vml" xmlns:pvml="urn:schemas-microsoft-com:office:powerpoint" xmlns:com="http://schemas.openxmlformats.org/drawingml/2006/compatibility" xmlns:p14="http://schemas.microsoft.com/office/powerpoint/2010/main" xmlns:p15="http://schemas.microsoft.com/office/powerpoint/2012/main" matchingName="Blank" type="blank">
+<p:sldLayout xmlns:a="http://schemas.openxmlformats.org/drawingml/2006/main" xmlns:r="http://schemas.openxmlformats.org/officeDocument/2006/relationships" xmlns:p="http://schemas.openxmlformats.org/presentationml/2006/main" matchingName="Blank" type="blank">
   <p:cSld name="BLANK">
     <p:spTree>
       <p:nvGrpSpPr>
-        <p:cNvPr id="80" name="Shape 80"/>
+        <p:cNvPr id="1" name="Shape 80"/>
         <p:cNvGrpSpPr/>
         <p:nvPr/>
       </p:nvGrpSpPr>
@@ -2224,9 +2266,11 @@
       <p:sp>
         <p:nvSpPr>
           <p:cNvPr id="81" name="Google Shape;81;p12"/>
-          <p:cNvSpPr txBox="1"/>
+          <p:cNvSpPr txBox="1">
+            <a:spLocks noGrp="1"/>
+          </p:cNvSpPr>
           <p:nvPr>
-            <p:ph idx="12" type="sldNum"/>
+            <p:ph type="sldNum" idx="12"/>
           </p:nvPr>
         </p:nvSpPr>
         <p:spPr>
@@ -2239,7 +2283,7 @@
           </a:prstGeom>
         </p:spPr>
         <p:txBody>
-          <a:bodyPr anchorCtr="0" anchor="ctr" bIns="121900" lIns="121900" spcFirstLastPara="1" rIns="121900" wrap="square" tIns="121900">
+          <a:bodyPr spcFirstLastPara="1" wrap="square" lIns="121900" tIns="121900" rIns="121900" bIns="121900" anchor="ctr" anchorCtr="0">
             <a:noAutofit/>
           </a:bodyPr>
           <a:lstStyle>
@@ -2281,7 +2325,7 @@
             </a:lvl9pPr>
           </a:lstStyle>
           <a:p>
-            <a:pPr indent="0" lvl="0" marL="0" rtl="0" algn="r">
+            <a:pPr marL="0" lvl="0" indent="0" algn="r" rtl="0">
               <a:spcBef>
                 <a:spcPts val="0"/>
               </a:spcBef>
@@ -2307,11 +2351,11 @@
 </file>
 
 <file path=ppt/slideLayouts/slideLayout12.xml><?xml version="1.0" encoding="utf-8"?>
-<p:sldLayout xmlns:a="http://schemas.openxmlformats.org/drawingml/2006/main" xmlns:r="http://schemas.openxmlformats.org/officeDocument/2006/relationships" xmlns:mc="http://schemas.openxmlformats.org/markup-compatibility/2006" xmlns:mv="urn:schemas-microsoft-com:mac:vml" xmlns:p="http://schemas.openxmlformats.org/presentationml/2006/main" xmlns:c="http://schemas.openxmlformats.org/drawingml/2006/chart" xmlns:dgm="http://schemas.openxmlformats.org/drawingml/2006/diagram" xmlns:o="urn:schemas-microsoft-com:office:office" xmlns:v="urn:schemas-microsoft-com:vml" xmlns:pvml="urn:schemas-microsoft-com:office:powerpoint" xmlns:com="http://schemas.openxmlformats.org/drawingml/2006/compatibility" xmlns:p14="http://schemas.microsoft.com/office/powerpoint/2010/main" xmlns:p15="http://schemas.microsoft.com/office/powerpoint/2012/main" matchingName="Title and Content" type="obj">
+<p:sldLayout xmlns:a="http://schemas.openxmlformats.org/drawingml/2006/main" xmlns:r="http://schemas.openxmlformats.org/officeDocument/2006/relationships" xmlns:p="http://schemas.openxmlformats.org/presentationml/2006/main" matchingName="Title and Content" type="obj">
   <p:cSld name="OBJECT">
     <p:spTree>
       <p:nvGrpSpPr>
-        <p:cNvPr id="82" name="Shape 82"/>
+        <p:cNvPr id="1" name="Shape 82"/>
         <p:cNvGrpSpPr/>
         <p:nvPr/>
       </p:nvGrpSpPr>
@@ -2326,7 +2370,9 @@
       <p:sp>
         <p:nvSpPr>
           <p:cNvPr id="83" name="Google Shape;83;p13"/>
-          <p:cNvSpPr txBox="1"/>
+          <p:cNvSpPr txBox="1">
+            <a:spLocks noGrp="1"/>
+          </p:cNvSpPr>
           <p:nvPr>
             <p:ph type="title"/>
           </p:nvPr>
@@ -2345,11 +2391,11 @@
           </a:ln>
         </p:spPr>
         <p:txBody>
-          <a:bodyPr anchorCtr="0" anchor="ctr" bIns="45700" lIns="91425" spcFirstLastPara="1" rIns="91425" wrap="square" tIns="45700">
+          <a:bodyPr spcFirstLastPara="1" wrap="square" lIns="91425" tIns="45700" rIns="91425" bIns="45700" anchor="ctr" anchorCtr="0">
             <a:noAutofit/>
           </a:bodyPr>
           <a:lstStyle>
-            <a:lvl1pPr lvl="0" rtl="0" algn="l">
+            <a:lvl1pPr lvl="0" algn="l" rtl="0">
               <a:lnSpc>
                 <a:spcPct val="90000"/>
               </a:lnSpc>
@@ -2455,15 +2501,19 @@
               <a:defRPr/>
             </a:lvl9pPr>
           </a:lstStyle>
-          <a:p/>
+          <a:p>
+            <a:endParaRPr/>
+          </a:p>
         </p:txBody>
       </p:sp>
       <p:sp>
         <p:nvSpPr>
           <p:cNvPr id="84" name="Google Shape;84;p13"/>
-          <p:cNvSpPr txBox="1"/>
+          <p:cNvSpPr txBox="1">
+            <a:spLocks noGrp="1"/>
+          </p:cNvSpPr>
           <p:nvPr>
-            <p:ph idx="1" type="body"/>
+            <p:ph type="body" idx="1"/>
           </p:nvPr>
         </p:nvSpPr>
         <p:spPr>
@@ -2480,11 +2530,11 @@
           </a:ln>
         </p:spPr>
         <p:txBody>
-          <a:bodyPr anchorCtr="0" anchor="t" bIns="45700" lIns="91425" spcFirstLastPara="1" rIns="91425" wrap="square" tIns="45700">
+          <a:bodyPr spcFirstLastPara="1" wrap="square" lIns="91425" tIns="45700" rIns="91425" bIns="45700" anchor="t" anchorCtr="0">
             <a:noAutofit/>
           </a:bodyPr>
           <a:lstStyle>
-            <a:lvl1pPr indent="-342900" lvl="0" marL="457200" rtl="0" algn="l">
+            <a:lvl1pPr marL="457200" lvl="0" indent="-342900" algn="l" rtl="0">
               <a:lnSpc>
                 <a:spcPct val="90000"/>
               </a:lnSpc>
@@ -2501,7 +2551,7 @@
               <a:buChar char="●"/>
               <a:defRPr/>
             </a:lvl1pPr>
-            <a:lvl2pPr indent="-342900" lvl="1" marL="914400" rtl="0" algn="l">
+            <a:lvl2pPr marL="914400" lvl="1" indent="-342900" algn="l" rtl="0">
               <a:lnSpc>
                 <a:spcPct val="90000"/>
               </a:lnSpc>
@@ -2518,7 +2568,7 @@
               <a:buChar char="○"/>
               <a:defRPr/>
             </a:lvl2pPr>
-            <a:lvl3pPr indent="-342900" lvl="2" marL="1371600" rtl="0" algn="l">
+            <a:lvl3pPr marL="1371600" lvl="2" indent="-342900" algn="l" rtl="0">
               <a:lnSpc>
                 <a:spcPct val="90000"/>
               </a:lnSpc>
@@ -2535,7 +2585,7 @@
               <a:buChar char="■"/>
               <a:defRPr/>
             </a:lvl3pPr>
-            <a:lvl4pPr indent="-342900" lvl="3" marL="1828800" rtl="0" algn="l">
+            <a:lvl4pPr marL="1828800" lvl="3" indent="-342900" algn="l" rtl="0">
               <a:lnSpc>
                 <a:spcPct val="90000"/>
               </a:lnSpc>
@@ -2552,7 +2602,7 @@
               <a:buChar char="●"/>
               <a:defRPr/>
             </a:lvl4pPr>
-            <a:lvl5pPr indent="-342900" lvl="4" marL="2286000" rtl="0" algn="l">
+            <a:lvl5pPr marL="2286000" lvl="4" indent="-342900" algn="l" rtl="0">
               <a:lnSpc>
                 <a:spcPct val="90000"/>
               </a:lnSpc>
@@ -2569,7 +2619,7 @@
               <a:buChar char="○"/>
               <a:defRPr/>
             </a:lvl5pPr>
-            <a:lvl6pPr indent="-342900" lvl="5" marL="2743200" rtl="0" algn="l">
+            <a:lvl6pPr marL="2743200" lvl="5" indent="-342900" algn="l" rtl="0">
               <a:lnSpc>
                 <a:spcPct val="90000"/>
               </a:lnSpc>
@@ -2586,7 +2636,7 @@
               <a:buChar char="■"/>
               <a:defRPr/>
             </a:lvl6pPr>
-            <a:lvl7pPr indent="-342900" lvl="6" marL="3200400" rtl="0" algn="l">
+            <a:lvl7pPr marL="3200400" lvl="6" indent="-342900" algn="l" rtl="0">
               <a:lnSpc>
                 <a:spcPct val="90000"/>
               </a:lnSpc>
@@ -2603,7 +2653,7 @@
               <a:buChar char="●"/>
               <a:defRPr/>
             </a:lvl7pPr>
-            <a:lvl8pPr indent="-342900" lvl="7" marL="3657600" rtl="0" algn="l">
+            <a:lvl8pPr marL="3657600" lvl="7" indent="-342900" algn="l" rtl="0">
               <a:lnSpc>
                 <a:spcPct val="90000"/>
               </a:lnSpc>
@@ -2620,7 +2670,7 @@
               <a:buChar char="○"/>
               <a:defRPr/>
             </a:lvl8pPr>
-            <a:lvl9pPr indent="-342900" lvl="8" marL="4114800" rtl="0" algn="l">
+            <a:lvl9pPr marL="4114800" lvl="8" indent="-342900" algn="l" rtl="0">
               <a:lnSpc>
                 <a:spcPct val="90000"/>
               </a:lnSpc>
@@ -2638,15 +2688,19 @@
               <a:defRPr/>
             </a:lvl9pPr>
           </a:lstStyle>
-          <a:p/>
+          <a:p>
+            <a:endParaRPr/>
+          </a:p>
         </p:txBody>
       </p:sp>
       <p:sp>
         <p:nvSpPr>
           <p:cNvPr id="85" name="Google Shape;85;p13"/>
-          <p:cNvSpPr txBox="1"/>
+          <p:cNvSpPr txBox="1">
+            <a:spLocks noGrp="1"/>
+          </p:cNvSpPr>
           <p:nvPr>
-            <p:ph idx="10" type="dt"/>
+            <p:ph type="dt" idx="10"/>
           </p:nvPr>
         </p:nvSpPr>
         <p:spPr>
@@ -2663,11 +2717,11 @@
           </a:ln>
         </p:spPr>
         <p:txBody>
-          <a:bodyPr anchorCtr="0" anchor="ctr" bIns="45700" lIns="91425" spcFirstLastPara="1" rIns="91425" wrap="square" tIns="45700">
+          <a:bodyPr spcFirstLastPara="1" wrap="square" lIns="91425" tIns="45700" rIns="91425" bIns="45700" anchor="ctr" anchorCtr="0">
             <a:noAutofit/>
           </a:bodyPr>
           <a:lstStyle>
-            <a:lvl1pPr lvl="0" rtl="0" algn="l">
+            <a:lvl1pPr lvl="0" algn="l" rtl="0">
               <a:spcBef>
                 <a:spcPts val="0"/>
               </a:spcBef>
@@ -2678,7 +2732,7 @@
               <a:buNone/>
               <a:defRPr/>
             </a:lvl1pPr>
-            <a:lvl2pPr lvl="1" rtl="0" algn="l">
+            <a:lvl2pPr lvl="1" algn="l" rtl="0">
               <a:spcBef>
                 <a:spcPts val="0"/>
               </a:spcBef>
@@ -2689,7 +2743,7 @@
               <a:buNone/>
               <a:defRPr/>
             </a:lvl2pPr>
-            <a:lvl3pPr lvl="2" rtl="0" algn="l">
+            <a:lvl3pPr lvl="2" algn="l" rtl="0">
               <a:spcBef>
                 <a:spcPts val="0"/>
               </a:spcBef>
@@ -2700,7 +2754,7 @@
               <a:buNone/>
               <a:defRPr/>
             </a:lvl3pPr>
-            <a:lvl4pPr lvl="3" rtl="0" algn="l">
+            <a:lvl4pPr lvl="3" algn="l" rtl="0">
               <a:spcBef>
                 <a:spcPts val="0"/>
               </a:spcBef>
@@ -2711,7 +2765,7 @@
               <a:buNone/>
               <a:defRPr/>
             </a:lvl4pPr>
-            <a:lvl5pPr lvl="4" rtl="0" algn="l">
+            <a:lvl5pPr lvl="4" algn="l" rtl="0">
               <a:spcBef>
                 <a:spcPts val="0"/>
               </a:spcBef>
@@ -2722,7 +2776,7 @@
               <a:buNone/>
               <a:defRPr/>
             </a:lvl5pPr>
-            <a:lvl6pPr lvl="5" rtl="0" algn="l">
+            <a:lvl6pPr lvl="5" algn="l" rtl="0">
               <a:spcBef>
                 <a:spcPts val="0"/>
               </a:spcBef>
@@ -2733,7 +2787,7 @@
               <a:buNone/>
               <a:defRPr/>
             </a:lvl6pPr>
-            <a:lvl7pPr lvl="6" rtl="0" algn="l">
+            <a:lvl7pPr lvl="6" algn="l" rtl="0">
               <a:spcBef>
                 <a:spcPts val="0"/>
               </a:spcBef>
@@ -2744,7 +2798,7 @@
               <a:buNone/>
               <a:defRPr/>
             </a:lvl7pPr>
-            <a:lvl8pPr lvl="7" rtl="0" algn="l">
+            <a:lvl8pPr lvl="7" algn="l" rtl="0">
               <a:spcBef>
                 <a:spcPts val="0"/>
               </a:spcBef>
@@ -2755,7 +2809,7 @@
               <a:buNone/>
               <a:defRPr/>
             </a:lvl8pPr>
-            <a:lvl9pPr lvl="8" rtl="0" algn="l">
+            <a:lvl9pPr lvl="8" algn="l" rtl="0">
               <a:spcBef>
                 <a:spcPts val="0"/>
               </a:spcBef>
@@ -2767,15 +2821,19 @@
               <a:defRPr/>
             </a:lvl9pPr>
           </a:lstStyle>
-          <a:p/>
+          <a:p>
+            <a:endParaRPr/>
+          </a:p>
         </p:txBody>
       </p:sp>
       <p:sp>
         <p:nvSpPr>
           <p:cNvPr id="86" name="Google Shape;86;p13"/>
-          <p:cNvSpPr txBox="1"/>
+          <p:cNvSpPr txBox="1">
+            <a:spLocks noGrp="1"/>
+          </p:cNvSpPr>
           <p:nvPr>
-            <p:ph idx="11" type="ftr"/>
+            <p:ph type="ftr" idx="11"/>
           </p:nvPr>
         </p:nvSpPr>
         <p:spPr>
@@ -2792,11 +2850,11 @@
           </a:ln>
         </p:spPr>
         <p:txBody>
-          <a:bodyPr anchorCtr="0" anchor="ctr" bIns="45700" lIns="91425" spcFirstLastPara="1" rIns="91425" wrap="square" tIns="45700">
+          <a:bodyPr spcFirstLastPara="1" wrap="square" lIns="91425" tIns="45700" rIns="91425" bIns="45700" anchor="ctr" anchorCtr="0">
             <a:noAutofit/>
           </a:bodyPr>
           <a:lstStyle>
-            <a:lvl1pPr lvl="0" rtl="0" algn="ctr">
+            <a:lvl1pPr lvl="0" algn="ctr" rtl="0">
               <a:spcBef>
                 <a:spcPts val="0"/>
               </a:spcBef>
@@ -2807,7 +2865,7 @@
               <a:buNone/>
               <a:defRPr/>
             </a:lvl1pPr>
-            <a:lvl2pPr lvl="1" rtl="0" algn="l">
+            <a:lvl2pPr lvl="1" algn="l" rtl="0">
               <a:spcBef>
                 <a:spcPts val="0"/>
               </a:spcBef>
@@ -2818,7 +2876,7 @@
               <a:buNone/>
               <a:defRPr/>
             </a:lvl2pPr>
-            <a:lvl3pPr lvl="2" rtl="0" algn="l">
+            <a:lvl3pPr lvl="2" algn="l" rtl="0">
               <a:spcBef>
                 <a:spcPts val="0"/>
               </a:spcBef>
@@ -2829,7 +2887,7 @@
               <a:buNone/>
               <a:defRPr/>
             </a:lvl3pPr>
-            <a:lvl4pPr lvl="3" rtl="0" algn="l">
+            <a:lvl4pPr lvl="3" algn="l" rtl="0">
               <a:spcBef>
                 <a:spcPts val="0"/>
               </a:spcBef>
@@ -2840,7 +2898,7 @@
               <a:buNone/>
               <a:defRPr/>
             </a:lvl4pPr>
-            <a:lvl5pPr lvl="4" rtl="0" algn="l">
+            <a:lvl5pPr lvl="4" algn="l" rtl="0">
               <a:spcBef>
                 <a:spcPts val="0"/>
               </a:spcBef>
@@ -2851,7 +2909,7 @@
               <a:buNone/>
               <a:defRPr/>
             </a:lvl5pPr>
-            <a:lvl6pPr lvl="5" rtl="0" algn="l">
+            <a:lvl6pPr lvl="5" algn="l" rtl="0">
               <a:spcBef>
                 <a:spcPts val="0"/>
               </a:spcBef>
@@ -2862,7 +2920,7 @@
               <a:buNone/>
               <a:defRPr/>
             </a:lvl6pPr>
-            <a:lvl7pPr lvl="6" rtl="0" algn="l">
+            <a:lvl7pPr lvl="6" algn="l" rtl="0">
               <a:spcBef>
                 <a:spcPts val="0"/>
               </a:spcBef>
@@ -2873,7 +2931,7 @@
               <a:buNone/>
               <a:defRPr/>
             </a:lvl7pPr>
-            <a:lvl8pPr lvl="7" rtl="0" algn="l">
+            <a:lvl8pPr lvl="7" algn="l" rtl="0">
               <a:spcBef>
                 <a:spcPts val="0"/>
               </a:spcBef>
@@ -2884,7 +2942,7 @@
               <a:buNone/>
               <a:defRPr/>
             </a:lvl8pPr>
-            <a:lvl9pPr lvl="8" rtl="0" algn="l">
+            <a:lvl9pPr lvl="8" algn="l" rtl="0">
               <a:spcBef>
                 <a:spcPts val="0"/>
               </a:spcBef>
@@ -2896,15 +2954,19 @@
               <a:defRPr/>
             </a:lvl9pPr>
           </a:lstStyle>
-          <a:p/>
+          <a:p>
+            <a:endParaRPr/>
+          </a:p>
         </p:txBody>
       </p:sp>
       <p:sp>
         <p:nvSpPr>
           <p:cNvPr id="87" name="Google Shape;87;p13"/>
-          <p:cNvSpPr txBox="1"/>
+          <p:cNvSpPr txBox="1">
+            <a:spLocks noGrp="1"/>
+          </p:cNvSpPr>
           <p:nvPr>
-            <p:ph idx="12" type="sldNum"/>
+            <p:ph type="sldNum" idx="12"/>
           </p:nvPr>
         </p:nvSpPr>
         <p:spPr>
@@ -2921,67 +2983,67 @@
           </a:ln>
         </p:spPr>
         <p:txBody>
-          <a:bodyPr anchorCtr="0" anchor="ctr" bIns="45700" lIns="91425" spcFirstLastPara="1" rIns="91425" wrap="square" tIns="45700">
+          <a:bodyPr spcFirstLastPara="1" wrap="square" lIns="91425" tIns="45700" rIns="91425" bIns="45700" anchor="ctr" anchorCtr="0">
             <a:noAutofit/>
           </a:bodyPr>
           <a:lstStyle>
-            <a:lvl1pPr indent="0" lvl="0" marL="0" rtl="0" algn="r">
+            <a:lvl1pPr marL="0" lvl="0" indent="0" algn="r" rtl="0">
               <a:spcBef>
                 <a:spcPts val="0"/>
               </a:spcBef>
               <a:buNone/>
               <a:defRPr/>
             </a:lvl1pPr>
-            <a:lvl2pPr indent="0" lvl="1" marL="0" rtl="0" algn="r">
+            <a:lvl2pPr marL="0" lvl="1" indent="0" algn="r" rtl="0">
               <a:spcBef>
                 <a:spcPts val="0"/>
               </a:spcBef>
               <a:buNone/>
               <a:defRPr/>
             </a:lvl2pPr>
-            <a:lvl3pPr indent="0" lvl="2" marL="0" rtl="0" algn="r">
+            <a:lvl3pPr marL="0" lvl="2" indent="0" algn="r" rtl="0">
               <a:spcBef>
                 <a:spcPts val="0"/>
               </a:spcBef>
               <a:buNone/>
               <a:defRPr/>
             </a:lvl3pPr>
-            <a:lvl4pPr indent="0" lvl="3" marL="0" rtl="0" algn="r">
+            <a:lvl4pPr marL="0" lvl="3" indent="0" algn="r" rtl="0">
               <a:spcBef>
                 <a:spcPts val="0"/>
               </a:spcBef>
               <a:buNone/>
               <a:defRPr/>
             </a:lvl4pPr>
-            <a:lvl5pPr indent="0" lvl="4" marL="0" rtl="0" algn="r">
+            <a:lvl5pPr marL="0" lvl="4" indent="0" algn="r" rtl="0">
               <a:spcBef>
                 <a:spcPts val="0"/>
               </a:spcBef>
               <a:buNone/>
               <a:defRPr/>
             </a:lvl5pPr>
-            <a:lvl6pPr indent="0" lvl="5" marL="0" rtl="0" algn="r">
+            <a:lvl6pPr marL="0" lvl="5" indent="0" algn="r" rtl="0">
               <a:spcBef>
                 <a:spcPts val="0"/>
               </a:spcBef>
               <a:buNone/>
               <a:defRPr/>
             </a:lvl6pPr>
-            <a:lvl7pPr indent="0" lvl="6" marL="0" rtl="0" algn="r">
+            <a:lvl7pPr marL="0" lvl="6" indent="0" algn="r" rtl="0">
               <a:spcBef>
                 <a:spcPts val="0"/>
               </a:spcBef>
               <a:buNone/>
               <a:defRPr/>
             </a:lvl7pPr>
-            <a:lvl8pPr indent="0" lvl="7" marL="0" rtl="0" algn="r">
+            <a:lvl8pPr marL="0" lvl="7" indent="0" algn="r" rtl="0">
               <a:spcBef>
                 <a:spcPts val="0"/>
               </a:spcBef>
               <a:buNone/>
               <a:defRPr/>
             </a:lvl8pPr>
-            <a:lvl9pPr indent="0" lvl="8" marL="0" rtl="0" algn="r">
+            <a:lvl9pPr marL="0" lvl="8" indent="0" algn="r" rtl="0">
               <a:spcBef>
                 <a:spcPts val="0"/>
               </a:spcBef>
@@ -2990,7 +3052,7 @@
             </a:lvl9pPr>
           </a:lstStyle>
           <a:p>
-            <a:pPr indent="0" lvl="0" marL="0" rtl="0" algn="r">
+            <a:pPr marL="0" lvl="0" indent="0" algn="r" rtl="0">
               <a:spcBef>
                 <a:spcPts val="0"/>
               </a:spcBef>
@@ -3016,18 +3078,19 @@
 </file>
 
 <file path=ppt/slideLayouts/slideLayout2.xml><?xml version="1.0" encoding="utf-8"?>
-<p:sldLayout xmlns:a="http://schemas.openxmlformats.org/drawingml/2006/main" xmlns:r="http://schemas.openxmlformats.org/officeDocument/2006/relationships" xmlns:mc="http://schemas.openxmlformats.org/markup-compatibility/2006" xmlns:mv="urn:schemas-microsoft-com:mac:vml" xmlns:p="http://schemas.openxmlformats.org/presentationml/2006/main" xmlns:c="http://schemas.openxmlformats.org/drawingml/2006/chart" xmlns:dgm="http://schemas.openxmlformats.org/drawingml/2006/diagram" xmlns:o="urn:schemas-microsoft-com:office:office" xmlns:v="urn:schemas-microsoft-com:vml" xmlns:pvml="urn:schemas-microsoft-com:office:powerpoint" xmlns:com="http://schemas.openxmlformats.org/drawingml/2006/compatibility" xmlns:p14="http://schemas.microsoft.com/office/powerpoint/2010/main" xmlns:p15="http://schemas.microsoft.com/office/powerpoint/2012/main" matchingName="Section header" type="secHead">
+<p:sldLayout xmlns:a="http://schemas.openxmlformats.org/drawingml/2006/main" xmlns:r="http://schemas.openxmlformats.org/officeDocument/2006/relationships" xmlns:p="http://schemas.openxmlformats.org/presentationml/2006/main" matchingName="Section header" type="secHead">
   <p:cSld name="SECTION_HEADER">
     <p:bg>
       <p:bgPr>
         <a:solidFill>
           <a:schemeClr val="dk1"/>
         </a:solidFill>
+        <a:effectLst/>
       </p:bgPr>
     </p:bg>
     <p:spTree>
       <p:nvGrpSpPr>
-        <p:cNvPr id="17" name="Shape 17"/>
+        <p:cNvPr id="1" name="Shape 17"/>
         <p:cNvGrpSpPr/>
         <p:nvPr/>
       </p:nvGrpSpPr>
@@ -3075,12 +3138,12 @@
             </a:ln>
           </p:spPr>
           <p:txBody>
-            <a:bodyPr anchorCtr="0" anchor="ctr" bIns="121900" lIns="121900" spcFirstLastPara="1" rIns="121900" wrap="square" tIns="121900">
+            <a:bodyPr spcFirstLastPara="1" wrap="square" lIns="121900" tIns="121900" rIns="121900" bIns="121900" anchor="ctr" anchorCtr="0">
               <a:noAutofit/>
             </a:bodyPr>
             <a:lstStyle/>
             <a:p>
-              <a:pPr indent="0" lvl="0" marL="0" rtl="0" algn="l">
+              <a:pPr marL="0" lvl="0" indent="0" algn="l" rtl="0">
                 <a:spcBef>
                   <a:spcPts val="0"/>
                 </a:spcBef>
@@ -3089,9 +3152,6 @@
                 </a:spcAft>
                 <a:buNone/>
               </a:pPr>
-              <a:r>
-                <a:t/>
-              </a:r>
               <a:endParaRPr/>
             </a:p>
           </p:txBody>
@@ -3118,12 +3178,12 @@
             </a:ln>
           </p:spPr>
           <p:txBody>
-            <a:bodyPr anchorCtr="0" anchor="ctr" bIns="121900" lIns="121900" spcFirstLastPara="1" rIns="121900" wrap="square" tIns="121900">
+            <a:bodyPr spcFirstLastPara="1" wrap="square" lIns="121900" tIns="121900" rIns="121900" bIns="121900" anchor="ctr" anchorCtr="0">
               <a:noAutofit/>
             </a:bodyPr>
             <a:lstStyle/>
             <a:p>
-              <a:pPr indent="0" lvl="0" marL="0" rtl="0" algn="l">
+              <a:pPr marL="0" lvl="0" indent="0" algn="l" rtl="0">
                 <a:spcBef>
                   <a:spcPts val="0"/>
                 </a:spcBef>
@@ -3132,9 +3192,6 @@
                 </a:spcAft>
                 <a:buNone/>
               </a:pPr>
-              <a:r>
-                <a:t/>
-              </a:r>
               <a:endParaRPr/>
             </a:p>
           </p:txBody>
@@ -3143,7 +3200,9 @@
       <p:sp>
         <p:nvSpPr>
           <p:cNvPr id="21" name="Google Shape;21;p3"/>
-          <p:cNvSpPr txBox="1"/>
+          <p:cNvSpPr txBox="1">
+            <a:spLocks noGrp="1"/>
+          </p:cNvSpPr>
           <p:nvPr>
             <p:ph type="title"/>
           </p:nvPr>
@@ -3158,7 +3217,7 @@
           </a:prstGeom>
         </p:spPr>
         <p:txBody>
-          <a:bodyPr anchorCtr="0" anchor="t" bIns="121900" lIns="121900" spcFirstLastPara="1" rIns="121900" wrap="square" tIns="121900">
+          <a:bodyPr spcFirstLastPara="1" wrap="square" lIns="121900" tIns="121900" rIns="121900" bIns="121900" anchor="t" anchorCtr="0">
             <a:noAutofit/>
           </a:bodyPr>
           <a:lstStyle>
@@ -3325,15 +3384,19 @@
               </a:defRPr>
             </a:lvl9pPr>
           </a:lstStyle>
-          <a:p/>
+          <a:p>
+            <a:endParaRPr/>
+          </a:p>
         </p:txBody>
       </p:sp>
       <p:sp>
         <p:nvSpPr>
           <p:cNvPr id="22" name="Google Shape;22;p3"/>
-          <p:cNvSpPr txBox="1"/>
+          <p:cNvSpPr txBox="1">
+            <a:spLocks noGrp="1"/>
+          </p:cNvSpPr>
           <p:nvPr>
-            <p:ph idx="12" type="sldNum"/>
+            <p:ph type="sldNum" idx="12"/>
           </p:nvPr>
         </p:nvSpPr>
         <p:spPr>
@@ -3346,7 +3409,7 @@
           </a:prstGeom>
         </p:spPr>
         <p:txBody>
-          <a:bodyPr anchorCtr="0" anchor="ctr" bIns="121900" lIns="121900" spcFirstLastPara="1" rIns="121900" wrap="square" tIns="121900">
+          <a:bodyPr spcFirstLastPara="1" wrap="square" lIns="121900" tIns="121900" rIns="121900" bIns="121900" anchor="ctr" anchorCtr="0">
             <a:noAutofit/>
           </a:bodyPr>
           <a:lstStyle>
@@ -3424,7 +3487,7 @@
             </a:lvl9pPr>
           </a:lstStyle>
           <a:p>
-            <a:pPr indent="0" lvl="0" marL="0" rtl="0" algn="r">
+            <a:pPr marL="0" lvl="0" indent="0" algn="r" rtl="0">
               <a:spcBef>
                 <a:spcPts val="0"/>
               </a:spcBef>
@@ -3450,11 +3513,11 @@
 </file>
 
 <file path=ppt/slideLayouts/slideLayout3.xml><?xml version="1.0" encoding="utf-8"?>
-<p:sldLayout xmlns:a="http://schemas.openxmlformats.org/drawingml/2006/main" xmlns:r="http://schemas.openxmlformats.org/officeDocument/2006/relationships" xmlns:mc="http://schemas.openxmlformats.org/markup-compatibility/2006" xmlns:mv="urn:schemas-microsoft-com:mac:vml" xmlns:p="http://schemas.openxmlformats.org/presentationml/2006/main" xmlns:c="http://schemas.openxmlformats.org/drawingml/2006/chart" xmlns:dgm="http://schemas.openxmlformats.org/drawingml/2006/diagram" xmlns:o="urn:schemas-microsoft-com:office:office" xmlns:v="urn:schemas-microsoft-com:vml" xmlns:pvml="urn:schemas-microsoft-com:office:powerpoint" xmlns:com="http://schemas.openxmlformats.org/drawingml/2006/compatibility" xmlns:p14="http://schemas.microsoft.com/office/powerpoint/2010/main" xmlns:p15="http://schemas.microsoft.com/office/powerpoint/2012/main" matchingName="Title and body" type="tx">
+<p:sldLayout xmlns:a="http://schemas.openxmlformats.org/drawingml/2006/main" xmlns:r="http://schemas.openxmlformats.org/officeDocument/2006/relationships" xmlns:p="http://schemas.openxmlformats.org/presentationml/2006/main" matchingName="Title and body" type="tx">
   <p:cSld name="TITLE_AND_BODY">
     <p:spTree>
       <p:nvGrpSpPr>
-        <p:cNvPr id="23" name="Shape 23"/>
+        <p:cNvPr id="1" name="Shape 23"/>
         <p:cNvGrpSpPr/>
         <p:nvPr/>
       </p:nvGrpSpPr>
@@ -3488,12 +3551,12 @@
           </a:ln>
         </p:spPr>
         <p:txBody>
-          <a:bodyPr anchorCtr="0" anchor="ctr" bIns="121900" lIns="121900" spcFirstLastPara="1" rIns="121900" wrap="square" tIns="121900">
+          <a:bodyPr spcFirstLastPara="1" wrap="square" lIns="121900" tIns="121900" rIns="121900" bIns="121900" anchor="ctr" anchorCtr="0">
             <a:noAutofit/>
           </a:bodyPr>
           <a:lstStyle/>
           <a:p>
-            <a:pPr indent="0" lvl="0" marL="0" rtl="0" algn="l">
+            <a:pPr marL="0" lvl="0" indent="0" algn="l" rtl="0">
               <a:spcBef>
                 <a:spcPts val="0"/>
               </a:spcBef>
@@ -3502,9 +3565,6 @@
               </a:spcAft>
               <a:buNone/>
             </a:pPr>
-            <a:r>
-              <a:t/>
-            </a:r>
             <a:endParaRPr/>
           </a:p>
         </p:txBody>
@@ -3545,12 +3605,12 @@
             </a:ln>
           </p:spPr>
           <p:txBody>
-            <a:bodyPr anchorCtr="0" anchor="ctr" bIns="121900" lIns="121900" spcFirstLastPara="1" rIns="121900" wrap="square" tIns="121900">
+            <a:bodyPr spcFirstLastPara="1" wrap="square" lIns="121900" tIns="121900" rIns="121900" bIns="121900" anchor="ctr" anchorCtr="0">
               <a:noAutofit/>
             </a:bodyPr>
             <a:lstStyle/>
             <a:p>
-              <a:pPr indent="0" lvl="0" marL="0" rtl="0" algn="l">
+              <a:pPr marL="0" lvl="0" indent="0" algn="l" rtl="0">
                 <a:spcBef>
                   <a:spcPts val="0"/>
                 </a:spcBef>
@@ -3559,9 +3619,6 @@
                 </a:spcAft>
                 <a:buNone/>
               </a:pPr>
-              <a:r>
-                <a:t/>
-              </a:r>
               <a:endParaRPr/>
             </a:p>
           </p:txBody>
@@ -3588,12 +3645,12 @@
             </a:ln>
           </p:spPr>
           <p:txBody>
-            <a:bodyPr anchorCtr="0" anchor="ctr" bIns="121900" lIns="121900" spcFirstLastPara="1" rIns="121900" wrap="square" tIns="121900">
+            <a:bodyPr spcFirstLastPara="1" wrap="square" lIns="121900" tIns="121900" rIns="121900" bIns="121900" anchor="ctr" anchorCtr="0">
               <a:noAutofit/>
             </a:bodyPr>
             <a:lstStyle/>
             <a:p>
-              <a:pPr indent="0" lvl="0" marL="0" rtl="0" algn="l">
+              <a:pPr marL="0" lvl="0" indent="0" algn="l" rtl="0">
                 <a:spcBef>
                   <a:spcPts val="0"/>
                 </a:spcBef>
@@ -3602,9 +3659,6 @@
                 </a:spcAft>
                 <a:buNone/>
               </a:pPr>
-              <a:r>
-                <a:t/>
-              </a:r>
               <a:endParaRPr/>
             </a:p>
           </p:txBody>
@@ -3613,7 +3667,9 @@
       <p:sp>
         <p:nvSpPr>
           <p:cNvPr id="28" name="Google Shape;28;p4"/>
-          <p:cNvSpPr txBox="1"/>
+          <p:cNvSpPr txBox="1">
+            <a:spLocks noGrp="1"/>
+          </p:cNvSpPr>
           <p:nvPr>
             <p:ph type="title"/>
           </p:nvPr>
@@ -3628,7 +3684,7 @@
           </a:prstGeom>
         </p:spPr>
         <p:txBody>
-          <a:bodyPr anchorCtr="0" anchor="t" bIns="121900" lIns="121900" spcFirstLastPara="1" rIns="121900" wrap="square" tIns="121900">
+          <a:bodyPr spcFirstLastPara="1" wrap="square" lIns="121900" tIns="121900" rIns="121900" bIns="121900" anchor="t" anchorCtr="0">
             <a:noAutofit/>
           </a:bodyPr>
           <a:lstStyle>
@@ -3795,15 +3851,19 @@
               </a:defRPr>
             </a:lvl9pPr>
           </a:lstStyle>
-          <a:p/>
+          <a:p>
+            <a:endParaRPr/>
+          </a:p>
         </p:txBody>
       </p:sp>
       <p:sp>
         <p:nvSpPr>
           <p:cNvPr id="29" name="Google Shape;29;p4"/>
-          <p:cNvSpPr txBox="1"/>
+          <p:cNvSpPr txBox="1">
+            <a:spLocks noGrp="1"/>
+          </p:cNvSpPr>
           <p:nvPr>
-            <p:ph idx="1" type="body"/>
+            <p:ph type="body" idx="1"/>
           </p:nvPr>
         </p:nvSpPr>
         <p:spPr>
@@ -3816,11 +3876,11 @@
           </a:prstGeom>
         </p:spPr>
         <p:txBody>
-          <a:bodyPr anchorCtr="0" anchor="t" bIns="121900" lIns="121900" spcFirstLastPara="1" rIns="121900" wrap="square" tIns="121900">
+          <a:bodyPr spcFirstLastPara="1" wrap="square" lIns="121900" tIns="121900" rIns="121900" bIns="121900" anchor="t" anchorCtr="0">
             <a:noAutofit/>
           </a:bodyPr>
           <a:lstStyle>
-            <a:lvl1pPr indent="-336550" lvl="0" marL="457200">
+            <a:lvl1pPr marL="457200" lvl="0" indent="-336550">
               <a:spcBef>
                 <a:spcPts val="0"/>
               </a:spcBef>
@@ -3831,7 +3891,7 @@
               <a:buChar char="●"/>
               <a:defRPr/>
             </a:lvl1pPr>
-            <a:lvl2pPr indent="-323850" lvl="1" marL="914400">
+            <a:lvl2pPr marL="914400" lvl="1" indent="-323850">
               <a:spcBef>
                 <a:spcPts val="2100"/>
               </a:spcBef>
@@ -3842,7 +3902,7 @@
               <a:buChar char="○"/>
               <a:defRPr/>
             </a:lvl2pPr>
-            <a:lvl3pPr indent="-323850" lvl="2" marL="1371600">
+            <a:lvl3pPr marL="1371600" lvl="2" indent="-323850">
               <a:spcBef>
                 <a:spcPts val="2100"/>
               </a:spcBef>
@@ -3853,7 +3913,7 @@
               <a:buChar char="■"/>
               <a:defRPr/>
             </a:lvl3pPr>
-            <a:lvl4pPr indent="-323850" lvl="3" marL="1828800">
+            <a:lvl4pPr marL="1828800" lvl="3" indent="-323850">
               <a:spcBef>
                 <a:spcPts val="2100"/>
               </a:spcBef>
@@ -3864,7 +3924,7 @@
               <a:buChar char="●"/>
               <a:defRPr/>
             </a:lvl4pPr>
-            <a:lvl5pPr indent="-323850" lvl="4" marL="2286000">
+            <a:lvl5pPr marL="2286000" lvl="4" indent="-323850">
               <a:spcBef>
                 <a:spcPts val="2100"/>
               </a:spcBef>
@@ -3875,7 +3935,7 @@
               <a:buChar char="○"/>
               <a:defRPr/>
             </a:lvl5pPr>
-            <a:lvl6pPr indent="-323850" lvl="5" marL="2743200">
+            <a:lvl6pPr marL="2743200" lvl="5" indent="-323850">
               <a:spcBef>
                 <a:spcPts val="2100"/>
               </a:spcBef>
@@ -3886,7 +3946,7 @@
               <a:buChar char="■"/>
               <a:defRPr/>
             </a:lvl6pPr>
-            <a:lvl7pPr indent="-323850" lvl="6" marL="3200400">
+            <a:lvl7pPr marL="3200400" lvl="6" indent="-323850">
               <a:spcBef>
                 <a:spcPts val="2100"/>
               </a:spcBef>
@@ -3897,7 +3957,7 @@
               <a:buChar char="●"/>
               <a:defRPr/>
             </a:lvl7pPr>
-            <a:lvl8pPr indent="-323850" lvl="7" marL="3657600">
+            <a:lvl8pPr marL="3657600" lvl="7" indent="-323850">
               <a:spcBef>
                 <a:spcPts val="2100"/>
               </a:spcBef>
@@ -3908,7 +3968,7 @@
               <a:buChar char="○"/>
               <a:defRPr/>
             </a:lvl8pPr>
-            <a:lvl9pPr indent="-323850" lvl="8" marL="4114800">
+            <a:lvl9pPr marL="4114800" lvl="8" indent="-323850">
               <a:spcBef>
                 <a:spcPts val="2100"/>
               </a:spcBef>
@@ -3920,15 +3980,19 @@
               <a:defRPr/>
             </a:lvl9pPr>
           </a:lstStyle>
-          <a:p/>
+          <a:p>
+            <a:endParaRPr/>
+          </a:p>
         </p:txBody>
       </p:sp>
       <p:sp>
         <p:nvSpPr>
           <p:cNvPr id="30" name="Google Shape;30;p4"/>
-          <p:cNvSpPr txBox="1"/>
+          <p:cNvSpPr txBox="1">
+            <a:spLocks noGrp="1"/>
+          </p:cNvSpPr>
           <p:nvPr>
-            <p:ph idx="12" type="sldNum"/>
+            <p:ph type="sldNum" idx="12"/>
           </p:nvPr>
         </p:nvSpPr>
         <p:spPr>
@@ -3941,7 +4005,7 @@
           </a:prstGeom>
         </p:spPr>
         <p:txBody>
-          <a:bodyPr anchorCtr="0" anchor="ctr" bIns="121900" lIns="121900" spcFirstLastPara="1" rIns="121900" wrap="square" tIns="121900">
+          <a:bodyPr spcFirstLastPara="1" wrap="square" lIns="121900" tIns="121900" rIns="121900" bIns="121900" anchor="ctr" anchorCtr="0">
             <a:noAutofit/>
           </a:bodyPr>
           <a:lstStyle>
@@ -3983,7 +4047,7 @@
             </a:lvl9pPr>
           </a:lstStyle>
           <a:p>
-            <a:pPr indent="0" lvl="0" marL="0" rtl="0" algn="r">
+            <a:pPr marL="0" lvl="0" indent="0" algn="r" rtl="0">
               <a:spcBef>
                 <a:spcPts val="0"/>
               </a:spcBef>
@@ -4009,11 +4073,11 @@
 </file>
 
 <file path=ppt/slideLayouts/slideLayout4.xml><?xml version="1.0" encoding="utf-8"?>
-<p:sldLayout xmlns:a="http://schemas.openxmlformats.org/drawingml/2006/main" xmlns:r="http://schemas.openxmlformats.org/officeDocument/2006/relationships" xmlns:mc="http://schemas.openxmlformats.org/markup-compatibility/2006" xmlns:mv="urn:schemas-microsoft-com:mac:vml" xmlns:p="http://schemas.openxmlformats.org/presentationml/2006/main" xmlns:c="http://schemas.openxmlformats.org/drawingml/2006/chart" xmlns:dgm="http://schemas.openxmlformats.org/drawingml/2006/diagram" xmlns:o="urn:schemas-microsoft-com:office:office" xmlns:v="urn:schemas-microsoft-com:vml" xmlns:pvml="urn:schemas-microsoft-com:office:powerpoint" xmlns:com="http://schemas.openxmlformats.org/drawingml/2006/compatibility" xmlns:p14="http://schemas.microsoft.com/office/powerpoint/2010/main" xmlns:p15="http://schemas.microsoft.com/office/powerpoint/2012/main" matchingName="Title and two columns" type="twoColTx">
+<p:sldLayout xmlns:a="http://schemas.openxmlformats.org/drawingml/2006/main" xmlns:r="http://schemas.openxmlformats.org/officeDocument/2006/relationships" xmlns:p="http://schemas.openxmlformats.org/presentationml/2006/main" matchingName="Title and two columns" type="twoColTx">
   <p:cSld name="TITLE_AND_TWO_COLUMNS">
     <p:spTree>
       <p:nvGrpSpPr>
-        <p:cNvPr id="31" name="Shape 31"/>
+        <p:cNvPr id="1" name="Shape 31"/>
         <p:cNvGrpSpPr/>
         <p:nvPr/>
       </p:nvGrpSpPr>
@@ -4047,12 +4111,12 @@
           </a:ln>
         </p:spPr>
         <p:txBody>
-          <a:bodyPr anchorCtr="0" anchor="ctr" bIns="121900" lIns="121900" spcFirstLastPara="1" rIns="121900" wrap="square" tIns="121900">
+          <a:bodyPr spcFirstLastPara="1" wrap="square" lIns="121900" tIns="121900" rIns="121900" bIns="121900" anchor="ctr" anchorCtr="0">
             <a:noAutofit/>
           </a:bodyPr>
           <a:lstStyle/>
           <a:p>
-            <a:pPr indent="0" lvl="0" marL="0" rtl="0" algn="l">
+            <a:pPr marL="0" lvl="0" indent="0" algn="l" rtl="0">
               <a:spcBef>
                 <a:spcPts val="0"/>
               </a:spcBef>
@@ -4061,9 +4125,6 @@
               </a:spcAft>
               <a:buNone/>
             </a:pPr>
-            <a:r>
-              <a:t/>
-            </a:r>
             <a:endParaRPr/>
           </a:p>
         </p:txBody>
@@ -4104,12 +4165,12 @@
             </a:ln>
           </p:spPr>
           <p:txBody>
-            <a:bodyPr anchorCtr="0" anchor="ctr" bIns="121900" lIns="121900" spcFirstLastPara="1" rIns="121900" wrap="square" tIns="121900">
+            <a:bodyPr spcFirstLastPara="1" wrap="square" lIns="121900" tIns="121900" rIns="121900" bIns="121900" anchor="ctr" anchorCtr="0">
               <a:noAutofit/>
             </a:bodyPr>
             <a:lstStyle/>
             <a:p>
-              <a:pPr indent="0" lvl="0" marL="0" rtl="0" algn="l">
+              <a:pPr marL="0" lvl="0" indent="0" algn="l" rtl="0">
                 <a:spcBef>
                   <a:spcPts val="0"/>
                 </a:spcBef>
@@ -4118,9 +4179,6 @@
                 </a:spcAft>
                 <a:buNone/>
               </a:pPr>
-              <a:r>
-                <a:t/>
-              </a:r>
               <a:endParaRPr/>
             </a:p>
           </p:txBody>
@@ -4147,12 +4205,12 @@
             </a:ln>
           </p:spPr>
           <p:txBody>
-            <a:bodyPr anchorCtr="0" anchor="ctr" bIns="121900" lIns="121900" spcFirstLastPara="1" rIns="121900" wrap="square" tIns="121900">
+            <a:bodyPr spcFirstLastPara="1" wrap="square" lIns="121900" tIns="121900" rIns="121900" bIns="121900" anchor="ctr" anchorCtr="0">
               <a:noAutofit/>
             </a:bodyPr>
             <a:lstStyle/>
             <a:p>
-              <a:pPr indent="0" lvl="0" marL="0" rtl="0" algn="l">
+              <a:pPr marL="0" lvl="0" indent="0" algn="l" rtl="0">
                 <a:spcBef>
                   <a:spcPts val="0"/>
                 </a:spcBef>
@@ -4161,9 +4219,6 @@
                 </a:spcAft>
                 <a:buNone/>
               </a:pPr>
-              <a:r>
-                <a:t/>
-              </a:r>
               <a:endParaRPr/>
             </a:p>
           </p:txBody>
@@ -4172,7 +4227,9 @@
       <p:sp>
         <p:nvSpPr>
           <p:cNvPr id="36" name="Google Shape;36;p5"/>
-          <p:cNvSpPr txBox="1"/>
+          <p:cNvSpPr txBox="1">
+            <a:spLocks noGrp="1"/>
+          </p:cNvSpPr>
           <p:nvPr>
             <p:ph type="title"/>
           </p:nvPr>
@@ -4187,7 +4244,7 @@
           </a:prstGeom>
         </p:spPr>
         <p:txBody>
-          <a:bodyPr anchorCtr="0" anchor="t" bIns="121900" lIns="121900" spcFirstLastPara="1" rIns="121900" wrap="square" tIns="121900">
+          <a:bodyPr spcFirstLastPara="1" wrap="square" lIns="121900" tIns="121900" rIns="121900" bIns="121900" anchor="t" anchorCtr="0">
             <a:noAutofit/>
           </a:bodyPr>
           <a:lstStyle>
@@ -4354,15 +4411,19 @@
               </a:defRPr>
             </a:lvl9pPr>
           </a:lstStyle>
-          <a:p/>
+          <a:p>
+            <a:endParaRPr/>
+          </a:p>
         </p:txBody>
       </p:sp>
       <p:sp>
         <p:nvSpPr>
           <p:cNvPr id="37" name="Google Shape;37;p5"/>
-          <p:cNvSpPr txBox="1"/>
+          <p:cNvSpPr txBox="1">
+            <a:spLocks noGrp="1"/>
+          </p:cNvSpPr>
           <p:nvPr>
-            <p:ph idx="1" type="body"/>
+            <p:ph type="body" idx="1"/>
           </p:nvPr>
         </p:nvSpPr>
         <p:spPr>
@@ -4375,11 +4436,11 @@
           </a:prstGeom>
         </p:spPr>
         <p:txBody>
-          <a:bodyPr anchorCtr="0" anchor="t" bIns="121900" lIns="121900" spcFirstLastPara="1" rIns="121900" wrap="square" tIns="121900">
+          <a:bodyPr spcFirstLastPara="1" wrap="square" lIns="121900" tIns="121900" rIns="121900" bIns="121900" anchor="t" anchorCtr="0">
             <a:noAutofit/>
           </a:bodyPr>
           <a:lstStyle>
-            <a:lvl1pPr indent="-336550" lvl="0" marL="457200">
+            <a:lvl1pPr marL="457200" lvl="0" indent="-336550">
               <a:spcBef>
                 <a:spcPts val="0"/>
               </a:spcBef>
@@ -4390,7 +4451,7 @@
               <a:buChar char="●"/>
               <a:defRPr/>
             </a:lvl1pPr>
-            <a:lvl2pPr indent="-323850" lvl="1" marL="914400">
+            <a:lvl2pPr marL="914400" lvl="1" indent="-323850">
               <a:spcBef>
                 <a:spcPts val="2100"/>
               </a:spcBef>
@@ -4401,7 +4462,7 @@
               <a:buChar char="○"/>
               <a:defRPr/>
             </a:lvl2pPr>
-            <a:lvl3pPr indent="-323850" lvl="2" marL="1371600">
+            <a:lvl3pPr marL="1371600" lvl="2" indent="-323850">
               <a:spcBef>
                 <a:spcPts val="2100"/>
               </a:spcBef>
@@ -4412,7 +4473,7 @@
               <a:buChar char="■"/>
               <a:defRPr/>
             </a:lvl3pPr>
-            <a:lvl4pPr indent="-323850" lvl="3" marL="1828800">
+            <a:lvl4pPr marL="1828800" lvl="3" indent="-323850">
               <a:spcBef>
                 <a:spcPts val="2100"/>
               </a:spcBef>
@@ -4423,7 +4484,7 @@
               <a:buChar char="●"/>
               <a:defRPr/>
             </a:lvl4pPr>
-            <a:lvl5pPr indent="-323850" lvl="4" marL="2286000">
+            <a:lvl5pPr marL="2286000" lvl="4" indent="-323850">
               <a:spcBef>
                 <a:spcPts val="2100"/>
               </a:spcBef>
@@ -4434,7 +4495,7 @@
               <a:buChar char="○"/>
               <a:defRPr/>
             </a:lvl5pPr>
-            <a:lvl6pPr indent="-323850" lvl="5" marL="2743200">
+            <a:lvl6pPr marL="2743200" lvl="5" indent="-323850">
               <a:spcBef>
                 <a:spcPts val="2100"/>
               </a:spcBef>
@@ -4445,7 +4506,7 @@
               <a:buChar char="■"/>
               <a:defRPr/>
             </a:lvl6pPr>
-            <a:lvl7pPr indent="-323850" lvl="6" marL="3200400">
+            <a:lvl7pPr marL="3200400" lvl="6" indent="-323850">
               <a:spcBef>
                 <a:spcPts val="2100"/>
               </a:spcBef>
@@ -4456,7 +4517,7 @@
               <a:buChar char="●"/>
               <a:defRPr/>
             </a:lvl7pPr>
-            <a:lvl8pPr indent="-323850" lvl="7" marL="3657600">
+            <a:lvl8pPr marL="3657600" lvl="7" indent="-323850">
               <a:spcBef>
                 <a:spcPts val="2100"/>
               </a:spcBef>
@@ -4467,7 +4528,7 @@
               <a:buChar char="○"/>
               <a:defRPr/>
             </a:lvl8pPr>
-            <a:lvl9pPr indent="-323850" lvl="8" marL="4114800">
+            <a:lvl9pPr marL="4114800" lvl="8" indent="-323850">
               <a:spcBef>
                 <a:spcPts val="2100"/>
               </a:spcBef>
@@ -4479,15 +4540,19 @@
               <a:defRPr/>
             </a:lvl9pPr>
           </a:lstStyle>
-          <a:p/>
+          <a:p>
+            <a:endParaRPr/>
+          </a:p>
         </p:txBody>
       </p:sp>
       <p:sp>
         <p:nvSpPr>
           <p:cNvPr id="38" name="Google Shape;38;p5"/>
-          <p:cNvSpPr txBox="1"/>
+          <p:cNvSpPr txBox="1">
+            <a:spLocks noGrp="1"/>
+          </p:cNvSpPr>
           <p:nvPr>
-            <p:ph idx="2" type="body"/>
+            <p:ph type="body" idx="2"/>
           </p:nvPr>
         </p:nvSpPr>
         <p:spPr>
@@ -4500,11 +4565,11 @@
           </a:prstGeom>
         </p:spPr>
         <p:txBody>
-          <a:bodyPr anchorCtr="0" anchor="t" bIns="121900" lIns="121900" spcFirstLastPara="1" rIns="121900" wrap="square" tIns="121900">
+          <a:bodyPr spcFirstLastPara="1" wrap="square" lIns="121900" tIns="121900" rIns="121900" bIns="121900" anchor="t" anchorCtr="0">
             <a:noAutofit/>
           </a:bodyPr>
           <a:lstStyle>
-            <a:lvl1pPr indent="-336550" lvl="0" marL="457200">
+            <a:lvl1pPr marL="457200" lvl="0" indent="-336550">
               <a:spcBef>
                 <a:spcPts val="0"/>
               </a:spcBef>
@@ -4515,7 +4580,7 @@
               <a:buChar char="●"/>
               <a:defRPr/>
             </a:lvl1pPr>
-            <a:lvl2pPr indent="-323850" lvl="1" marL="914400">
+            <a:lvl2pPr marL="914400" lvl="1" indent="-323850">
               <a:spcBef>
                 <a:spcPts val="2100"/>
               </a:spcBef>
@@ -4526,7 +4591,7 @@
               <a:buChar char="○"/>
               <a:defRPr/>
             </a:lvl2pPr>
-            <a:lvl3pPr indent="-323850" lvl="2" marL="1371600">
+            <a:lvl3pPr marL="1371600" lvl="2" indent="-323850">
               <a:spcBef>
                 <a:spcPts val="2100"/>
               </a:spcBef>
@@ -4537,7 +4602,7 @@
               <a:buChar char="■"/>
               <a:defRPr/>
             </a:lvl3pPr>
-            <a:lvl4pPr indent="-323850" lvl="3" marL="1828800">
+            <a:lvl4pPr marL="1828800" lvl="3" indent="-323850">
               <a:spcBef>
                 <a:spcPts val="2100"/>
               </a:spcBef>
@@ -4548,7 +4613,7 @@
               <a:buChar char="●"/>
               <a:defRPr/>
             </a:lvl4pPr>
-            <a:lvl5pPr indent="-323850" lvl="4" marL="2286000">
+            <a:lvl5pPr marL="2286000" lvl="4" indent="-323850">
               <a:spcBef>
                 <a:spcPts val="2100"/>
               </a:spcBef>
@@ -4559,7 +4624,7 @@
               <a:buChar char="○"/>
               <a:defRPr/>
             </a:lvl5pPr>
-            <a:lvl6pPr indent="-323850" lvl="5" marL="2743200">
+            <a:lvl6pPr marL="2743200" lvl="5" indent="-323850">
               <a:spcBef>
                 <a:spcPts val="2100"/>
               </a:spcBef>
@@ -4570,7 +4635,7 @@
               <a:buChar char="■"/>
               <a:defRPr/>
             </a:lvl6pPr>
-            <a:lvl7pPr indent="-323850" lvl="6" marL="3200400">
+            <a:lvl7pPr marL="3200400" lvl="6" indent="-323850">
               <a:spcBef>
                 <a:spcPts val="2100"/>
               </a:spcBef>
@@ -4581,7 +4646,7 @@
               <a:buChar char="●"/>
               <a:defRPr/>
             </a:lvl7pPr>
-            <a:lvl8pPr indent="-323850" lvl="7" marL="3657600">
+            <a:lvl8pPr marL="3657600" lvl="7" indent="-323850">
               <a:spcBef>
                 <a:spcPts val="2100"/>
               </a:spcBef>
@@ -4592,7 +4657,7 @@
               <a:buChar char="○"/>
               <a:defRPr/>
             </a:lvl8pPr>
-            <a:lvl9pPr indent="-323850" lvl="8" marL="4114800">
+            <a:lvl9pPr marL="4114800" lvl="8" indent="-323850">
               <a:spcBef>
                 <a:spcPts val="2100"/>
               </a:spcBef>
@@ -4604,15 +4669,19 @@
               <a:defRPr/>
             </a:lvl9pPr>
           </a:lstStyle>
-          <a:p/>
+          <a:p>
+            <a:endParaRPr/>
+          </a:p>
         </p:txBody>
       </p:sp>
       <p:sp>
         <p:nvSpPr>
           <p:cNvPr id="39" name="Google Shape;39;p5"/>
-          <p:cNvSpPr txBox="1"/>
+          <p:cNvSpPr txBox="1">
+            <a:spLocks noGrp="1"/>
+          </p:cNvSpPr>
           <p:nvPr>
-            <p:ph idx="12" type="sldNum"/>
+            <p:ph type="sldNum" idx="12"/>
           </p:nvPr>
         </p:nvSpPr>
         <p:spPr>
@@ -4625,7 +4694,7 @@
           </a:prstGeom>
         </p:spPr>
         <p:txBody>
-          <a:bodyPr anchorCtr="0" anchor="ctr" bIns="121900" lIns="121900" spcFirstLastPara="1" rIns="121900" wrap="square" tIns="121900">
+          <a:bodyPr spcFirstLastPara="1" wrap="square" lIns="121900" tIns="121900" rIns="121900" bIns="121900" anchor="ctr" anchorCtr="0">
             <a:noAutofit/>
           </a:bodyPr>
           <a:lstStyle>
@@ -4667,7 +4736,7 @@
             </a:lvl9pPr>
           </a:lstStyle>
           <a:p>
-            <a:pPr indent="0" lvl="0" marL="0" rtl="0" algn="r">
+            <a:pPr marL="0" lvl="0" indent="0" algn="r" rtl="0">
               <a:spcBef>
                 <a:spcPts val="0"/>
               </a:spcBef>
@@ -4693,11 +4762,11 @@
 </file>
 
 <file path=ppt/slideLayouts/slideLayout5.xml><?xml version="1.0" encoding="utf-8"?>
-<p:sldLayout xmlns:a="http://schemas.openxmlformats.org/drawingml/2006/main" xmlns:r="http://schemas.openxmlformats.org/officeDocument/2006/relationships" xmlns:mc="http://schemas.openxmlformats.org/markup-compatibility/2006" xmlns:mv="urn:schemas-microsoft-com:mac:vml" xmlns:p="http://schemas.openxmlformats.org/presentationml/2006/main" xmlns:c="http://schemas.openxmlformats.org/drawingml/2006/chart" xmlns:dgm="http://schemas.openxmlformats.org/drawingml/2006/diagram" xmlns:o="urn:schemas-microsoft-com:office:office" xmlns:v="urn:schemas-microsoft-com:vml" xmlns:pvml="urn:schemas-microsoft-com:office:powerpoint" xmlns:com="http://schemas.openxmlformats.org/drawingml/2006/compatibility" xmlns:p14="http://schemas.microsoft.com/office/powerpoint/2010/main" xmlns:p15="http://schemas.microsoft.com/office/powerpoint/2012/main" matchingName="Title only" type="titleOnly">
+<p:sldLayout xmlns:a="http://schemas.openxmlformats.org/drawingml/2006/main" xmlns:r="http://schemas.openxmlformats.org/officeDocument/2006/relationships" xmlns:p="http://schemas.openxmlformats.org/presentationml/2006/main" matchingName="Title only" type="titleOnly">
   <p:cSld name="TITLE_ONLY">
     <p:spTree>
       <p:nvGrpSpPr>
-        <p:cNvPr id="40" name="Shape 40"/>
+        <p:cNvPr id="1" name="Shape 40"/>
         <p:cNvGrpSpPr/>
         <p:nvPr/>
       </p:nvGrpSpPr>
@@ -4731,12 +4800,12 @@
           </a:ln>
         </p:spPr>
         <p:txBody>
-          <a:bodyPr anchorCtr="0" anchor="ctr" bIns="121900" lIns="121900" spcFirstLastPara="1" rIns="121900" wrap="square" tIns="121900">
+          <a:bodyPr spcFirstLastPara="1" wrap="square" lIns="121900" tIns="121900" rIns="121900" bIns="121900" anchor="ctr" anchorCtr="0">
             <a:noAutofit/>
           </a:bodyPr>
           <a:lstStyle/>
           <a:p>
-            <a:pPr indent="0" lvl="0" marL="0" rtl="0" algn="l">
+            <a:pPr marL="0" lvl="0" indent="0" algn="l" rtl="0">
               <a:spcBef>
                 <a:spcPts val="0"/>
               </a:spcBef>
@@ -4745,9 +4814,6 @@
               </a:spcAft>
               <a:buNone/>
             </a:pPr>
-            <a:r>
-              <a:t/>
-            </a:r>
             <a:endParaRPr/>
           </a:p>
         </p:txBody>
@@ -4788,12 +4854,12 @@
             </a:ln>
           </p:spPr>
           <p:txBody>
-            <a:bodyPr anchorCtr="0" anchor="ctr" bIns="121900" lIns="121900" spcFirstLastPara="1" rIns="121900" wrap="square" tIns="121900">
+            <a:bodyPr spcFirstLastPara="1" wrap="square" lIns="121900" tIns="121900" rIns="121900" bIns="121900" anchor="ctr" anchorCtr="0">
               <a:noAutofit/>
             </a:bodyPr>
             <a:lstStyle/>
             <a:p>
-              <a:pPr indent="0" lvl="0" marL="0" rtl="0" algn="l">
+              <a:pPr marL="0" lvl="0" indent="0" algn="l" rtl="0">
                 <a:spcBef>
                   <a:spcPts val="0"/>
                 </a:spcBef>
@@ -4802,9 +4868,6 @@
                 </a:spcAft>
                 <a:buNone/>
               </a:pPr>
-              <a:r>
-                <a:t/>
-              </a:r>
               <a:endParaRPr/>
             </a:p>
           </p:txBody>
@@ -4831,12 +4894,12 @@
             </a:ln>
           </p:spPr>
           <p:txBody>
-            <a:bodyPr anchorCtr="0" anchor="ctr" bIns="121900" lIns="121900" spcFirstLastPara="1" rIns="121900" wrap="square" tIns="121900">
+            <a:bodyPr spcFirstLastPara="1" wrap="square" lIns="121900" tIns="121900" rIns="121900" bIns="121900" anchor="ctr" anchorCtr="0">
               <a:noAutofit/>
             </a:bodyPr>
             <a:lstStyle/>
             <a:p>
-              <a:pPr indent="0" lvl="0" marL="0" rtl="0" algn="l">
+              <a:pPr marL="0" lvl="0" indent="0" algn="l" rtl="0">
                 <a:spcBef>
                   <a:spcPts val="0"/>
                 </a:spcBef>
@@ -4845,9 +4908,6 @@
                 </a:spcAft>
                 <a:buNone/>
               </a:pPr>
-              <a:r>
-                <a:t/>
-              </a:r>
               <a:endParaRPr/>
             </a:p>
           </p:txBody>
@@ -4856,7 +4916,9 @@
       <p:sp>
         <p:nvSpPr>
           <p:cNvPr id="45" name="Google Shape;45;p6"/>
-          <p:cNvSpPr txBox="1"/>
+          <p:cNvSpPr txBox="1">
+            <a:spLocks noGrp="1"/>
+          </p:cNvSpPr>
           <p:nvPr>
             <p:ph type="title"/>
           </p:nvPr>
@@ -4871,7 +4933,7 @@
           </a:prstGeom>
         </p:spPr>
         <p:txBody>
-          <a:bodyPr anchorCtr="0" anchor="t" bIns="121900" lIns="121900" spcFirstLastPara="1" rIns="121900" wrap="square" tIns="121900">
+          <a:bodyPr spcFirstLastPara="1" wrap="square" lIns="121900" tIns="121900" rIns="121900" bIns="121900" anchor="t" anchorCtr="0">
             <a:noAutofit/>
           </a:bodyPr>
           <a:lstStyle>
@@ -5038,15 +5100,19 @@
               </a:defRPr>
             </a:lvl9pPr>
           </a:lstStyle>
-          <a:p/>
+          <a:p>
+            <a:endParaRPr/>
+          </a:p>
         </p:txBody>
       </p:sp>
       <p:sp>
         <p:nvSpPr>
           <p:cNvPr id="46" name="Google Shape;46;p6"/>
-          <p:cNvSpPr txBox="1"/>
+          <p:cNvSpPr txBox="1">
+            <a:spLocks noGrp="1"/>
+          </p:cNvSpPr>
           <p:nvPr>
-            <p:ph idx="12" type="sldNum"/>
+            <p:ph type="sldNum" idx="12"/>
           </p:nvPr>
         </p:nvSpPr>
         <p:spPr>
@@ -5059,7 +5125,7 @@
           </a:prstGeom>
         </p:spPr>
         <p:txBody>
-          <a:bodyPr anchorCtr="0" anchor="ctr" bIns="121900" lIns="121900" spcFirstLastPara="1" rIns="121900" wrap="square" tIns="121900">
+          <a:bodyPr spcFirstLastPara="1" wrap="square" lIns="121900" tIns="121900" rIns="121900" bIns="121900" anchor="ctr" anchorCtr="0">
             <a:noAutofit/>
           </a:bodyPr>
           <a:lstStyle>
@@ -5101,7 +5167,7 @@
             </a:lvl9pPr>
           </a:lstStyle>
           <a:p>
-            <a:pPr indent="0" lvl="0" marL="0" rtl="0" algn="r">
+            <a:pPr marL="0" lvl="0" indent="0" algn="r" rtl="0">
               <a:spcBef>
                 <a:spcPts val="0"/>
               </a:spcBef>
@@ -5127,11 +5193,11 @@
 </file>
 
 <file path=ppt/slideLayouts/slideLayout6.xml><?xml version="1.0" encoding="utf-8"?>
-<p:sldLayout xmlns:a="http://schemas.openxmlformats.org/drawingml/2006/main" xmlns:r="http://schemas.openxmlformats.org/officeDocument/2006/relationships" xmlns:mc="http://schemas.openxmlformats.org/markup-compatibility/2006" xmlns:mv="urn:schemas-microsoft-com:mac:vml" xmlns:p="http://schemas.openxmlformats.org/presentationml/2006/main" xmlns:c="http://schemas.openxmlformats.org/drawingml/2006/chart" xmlns:dgm="http://schemas.openxmlformats.org/drawingml/2006/diagram" xmlns:o="urn:schemas-microsoft-com:office:office" xmlns:v="urn:schemas-microsoft-com:vml" xmlns:pvml="urn:schemas-microsoft-com:office:powerpoint" xmlns:com="http://schemas.openxmlformats.org/drawingml/2006/compatibility" xmlns:p14="http://schemas.microsoft.com/office/powerpoint/2010/main" xmlns:p15="http://schemas.microsoft.com/office/powerpoint/2012/main" matchingName="One column text">
+<p:sldLayout xmlns:a="http://schemas.openxmlformats.org/drawingml/2006/main" xmlns:r="http://schemas.openxmlformats.org/officeDocument/2006/relationships" xmlns:p="http://schemas.openxmlformats.org/presentationml/2006/main" matchingName="One column text">
   <p:cSld name="ONE_COLUMN_TEXT">
     <p:spTree>
       <p:nvGrpSpPr>
-        <p:cNvPr id="47" name="Shape 47"/>
+        <p:cNvPr id="1" name="Shape 47"/>
         <p:cNvGrpSpPr/>
         <p:nvPr/>
       </p:nvGrpSpPr>
@@ -5165,12 +5231,12 @@
           </a:ln>
         </p:spPr>
         <p:txBody>
-          <a:bodyPr anchorCtr="0" anchor="ctr" bIns="121900" lIns="121900" spcFirstLastPara="1" rIns="121900" wrap="square" tIns="121900">
+          <a:bodyPr spcFirstLastPara="1" wrap="square" lIns="121900" tIns="121900" rIns="121900" bIns="121900" anchor="ctr" anchorCtr="0">
             <a:noAutofit/>
           </a:bodyPr>
           <a:lstStyle/>
           <a:p>
-            <a:pPr indent="0" lvl="0" marL="0" rtl="0" algn="l">
+            <a:pPr marL="0" lvl="0" indent="0" algn="l" rtl="0">
               <a:spcBef>
                 <a:spcPts val="0"/>
               </a:spcBef>
@@ -5179,9 +5245,6 @@
               </a:spcAft>
               <a:buNone/>
             </a:pPr>
-            <a:r>
-              <a:t/>
-            </a:r>
             <a:endParaRPr/>
           </a:p>
         </p:txBody>
@@ -5222,12 +5285,12 @@
             </a:ln>
           </p:spPr>
           <p:txBody>
-            <a:bodyPr anchorCtr="0" anchor="ctr" bIns="121900" lIns="121900" spcFirstLastPara="1" rIns="121900" wrap="square" tIns="121900">
+            <a:bodyPr spcFirstLastPara="1" wrap="square" lIns="121900" tIns="121900" rIns="121900" bIns="121900" anchor="ctr" anchorCtr="0">
               <a:noAutofit/>
             </a:bodyPr>
             <a:lstStyle/>
             <a:p>
-              <a:pPr indent="0" lvl="0" marL="0" rtl="0" algn="l">
+              <a:pPr marL="0" lvl="0" indent="0" algn="l" rtl="0">
                 <a:spcBef>
                   <a:spcPts val="0"/>
                 </a:spcBef>
@@ -5236,9 +5299,6 @@
                 </a:spcAft>
                 <a:buNone/>
               </a:pPr>
-              <a:r>
-                <a:t/>
-              </a:r>
               <a:endParaRPr/>
             </a:p>
           </p:txBody>
@@ -5265,12 +5325,12 @@
             </a:ln>
           </p:spPr>
           <p:txBody>
-            <a:bodyPr anchorCtr="0" anchor="ctr" bIns="121900" lIns="121900" spcFirstLastPara="1" rIns="121900" wrap="square" tIns="121900">
+            <a:bodyPr spcFirstLastPara="1" wrap="square" lIns="121900" tIns="121900" rIns="121900" bIns="121900" anchor="ctr" anchorCtr="0">
               <a:noAutofit/>
             </a:bodyPr>
             <a:lstStyle/>
             <a:p>
-              <a:pPr indent="0" lvl="0" marL="0" rtl="0" algn="l">
+              <a:pPr marL="0" lvl="0" indent="0" algn="l" rtl="0">
                 <a:spcBef>
                   <a:spcPts val="0"/>
                 </a:spcBef>
@@ -5279,9 +5339,6 @@
                 </a:spcAft>
                 <a:buNone/>
               </a:pPr>
-              <a:r>
-                <a:t/>
-              </a:r>
               <a:endParaRPr/>
             </a:p>
           </p:txBody>
@@ -5290,7 +5347,9 @@
       <p:sp>
         <p:nvSpPr>
           <p:cNvPr id="52" name="Google Shape;52;p7"/>
-          <p:cNvSpPr txBox="1"/>
+          <p:cNvSpPr txBox="1">
+            <a:spLocks noGrp="1"/>
+          </p:cNvSpPr>
           <p:nvPr>
             <p:ph type="title"/>
           </p:nvPr>
@@ -5305,7 +5364,7 @@
           </a:prstGeom>
         </p:spPr>
         <p:txBody>
-          <a:bodyPr anchorCtr="0" anchor="t" bIns="121900" lIns="121900" spcFirstLastPara="1" rIns="121900" wrap="square" tIns="121900">
+          <a:bodyPr spcFirstLastPara="1" wrap="square" lIns="121900" tIns="121900" rIns="121900" bIns="121900" anchor="t" anchorCtr="0">
             <a:noAutofit/>
           </a:bodyPr>
           <a:lstStyle>
@@ -5472,15 +5531,19 @@
               </a:defRPr>
             </a:lvl9pPr>
           </a:lstStyle>
-          <a:p/>
+          <a:p>
+            <a:endParaRPr/>
+          </a:p>
         </p:txBody>
       </p:sp>
       <p:sp>
         <p:nvSpPr>
           <p:cNvPr id="53" name="Google Shape;53;p7"/>
-          <p:cNvSpPr txBox="1"/>
+          <p:cNvSpPr txBox="1">
+            <a:spLocks noGrp="1"/>
+          </p:cNvSpPr>
           <p:nvPr>
-            <p:ph idx="1" type="body"/>
+            <p:ph type="body" idx="1"/>
           </p:nvPr>
         </p:nvSpPr>
         <p:spPr>
@@ -5493,11 +5556,11 @@
           </a:prstGeom>
         </p:spPr>
         <p:txBody>
-          <a:bodyPr anchorCtr="0" anchor="t" bIns="121900" lIns="121900" spcFirstLastPara="1" rIns="121900" wrap="square" tIns="121900">
+          <a:bodyPr spcFirstLastPara="1" wrap="square" lIns="121900" tIns="121900" rIns="121900" bIns="121900" anchor="t" anchorCtr="0">
             <a:noAutofit/>
           </a:bodyPr>
           <a:lstStyle>
-            <a:lvl1pPr indent="-336550" lvl="0" marL="457200">
+            <a:lvl1pPr marL="457200" lvl="0" indent="-336550">
               <a:spcBef>
                 <a:spcPts val="0"/>
               </a:spcBef>
@@ -5508,7 +5571,7 @@
               <a:buChar char="●"/>
               <a:defRPr/>
             </a:lvl1pPr>
-            <a:lvl2pPr indent="-323850" lvl="1" marL="914400">
+            <a:lvl2pPr marL="914400" lvl="1" indent="-323850">
               <a:spcBef>
                 <a:spcPts val="2100"/>
               </a:spcBef>
@@ -5519,7 +5582,7 @@
               <a:buChar char="○"/>
               <a:defRPr/>
             </a:lvl2pPr>
-            <a:lvl3pPr indent="-323850" lvl="2" marL="1371600">
+            <a:lvl3pPr marL="1371600" lvl="2" indent="-323850">
               <a:spcBef>
                 <a:spcPts val="2100"/>
               </a:spcBef>
@@ -5530,7 +5593,7 @@
               <a:buChar char="■"/>
               <a:defRPr/>
             </a:lvl3pPr>
-            <a:lvl4pPr indent="-323850" lvl="3" marL="1828800">
+            <a:lvl4pPr marL="1828800" lvl="3" indent="-323850">
               <a:spcBef>
                 <a:spcPts val="2100"/>
               </a:spcBef>
@@ -5541,7 +5604,7 @@
               <a:buChar char="●"/>
               <a:defRPr/>
             </a:lvl4pPr>
-            <a:lvl5pPr indent="-323850" lvl="4" marL="2286000">
+            <a:lvl5pPr marL="2286000" lvl="4" indent="-323850">
               <a:spcBef>
                 <a:spcPts val="2100"/>
               </a:spcBef>
@@ -5552,7 +5615,7 @@
               <a:buChar char="○"/>
               <a:defRPr/>
             </a:lvl5pPr>
-            <a:lvl6pPr indent="-323850" lvl="5" marL="2743200">
+            <a:lvl6pPr marL="2743200" lvl="5" indent="-323850">
               <a:spcBef>
                 <a:spcPts val="2100"/>
               </a:spcBef>
@@ -5563,7 +5626,7 @@
               <a:buChar char="■"/>
               <a:defRPr/>
             </a:lvl6pPr>
-            <a:lvl7pPr indent="-323850" lvl="6" marL="3200400">
+            <a:lvl7pPr marL="3200400" lvl="6" indent="-323850">
               <a:spcBef>
                 <a:spcPts val="2100"/>
               </a:spcBef>
@@ -5574,7 +5637,7 @@
               <a:buChar char="●"/>
               <a:defRPr/>
             </a:lvl7pPr>
-            <a:lvl8pPr indent="-323850" lvl="7" marL="3657600">
+            <a:lvl8pPr marL="3657600" lvl="7" indent="-323850">
               <a:spcBef>
                 <a:spcPts val="2100"/>
               </a:spcBef>
@@ -5585,7 +5648,7 @@
               <a:buChar char="○"/>
               <a:defRPr/>
             </a:lvl8pPr>
-            <a:lvl9pPr indent="-323850" lvl="8" marL="4114800">
+            <a:lvl9pPr marL="4114800" lvl="8" indent="-323850">
               <a:spcBef>
                 <a:spcPts val="2100"/>
               </a:spcBef>
@@ -5597,15 +5660,19 @@
               <a:defRPr/>
             </a:lvl9pPr>
           </a:lstStyle>
-          <a:p/>
+          <a:p>
+            <a:endParaRPr/>
+          </a:p>
         </p:txBody>
       </p:sp>
       <p:sp>
         <p:nvSpPr>
           <p:cNvPr id="54" name="Google Shape;54;p7"/>
-          <p:cNvSpPr txBox="1"/>
+          <p:cNvSpPr txBox="1">
+            <a:spLocks noGrp="1"/>
+          </p:cNvSpPr>
           <p:nvPr>
-            <p:ph idx="12" type="sldNum"/>
+            <p:ph type="sldNum" idx="12"/>
           </p:nvPr>
         </p:nvSpPr>
         <p:spPr>
@@ -5618,7 +5685,7 @@
           </a:prstGeom>
         </p:spPr>
         <p:txBody>
-          <a:bodyPr anchorCtr="0" anchor="ctr" bIns="121900" lIns="121900" spcFirstLastPara="1" rIns="121900" wrap="square" tIns="121900">
+          <a:bodyPr spcFirstLastPara="1" wrap="square" lIns="121900" tIns="121900" rIns="121900" bIns="121900" anchor="ctr" anchorCtr="0">
             <a:noAutofit/>
           </a:bodyPr>
           <a:lstStyle>
@@ -5660,7 +5727,7 @@
             </a:lvl9pPr>
           </a:lstStyle>
           <a:p>
-            <a:pPr indent="0" lvl="0" marL="0" rtl="0" algn="r">
+            <a:pPr marL="0" lvl="0" indent="0" algn="r" rtl="0">
               <a:spcBef>
                 <a:spcPts val="0"/>
               </a:spcBef>
@@ -5686,18 +5753,19 @@
 </file>
 
 <file path=ppt/slideLayouts/slideLayout7.xml><?xml version="1.0" encoding="utf-8"?>
-<p:sldLayout xmlns:a="http://schemas.openxmlformats.org/drawingml/2006/main" xmlns:r="http://schemas.openxmlformats.org/officeDocument/2006/relationships" xmlns:mc="http://schemas.openxmlformats.org/markup-compatibility/2006" xmlns:mv="urn:schemas-microsoft-com:mac:vml" xmlns:p="http://schemas.openxmlformats.org/presentationml/2006/main" xmlns:c="http://schemas.openxmlformats.org/drawingml/2006/chart" xmlns:dgm="http://schemas.openxmlformats.org/drawingml/2006/diagram" xmlns:o="urn:schemas-microsoft-com:office:office" xmlns:v="urn:schemas-microsoft-com:vml" xmlns:pvml="urn:schemas-microsoft-com:office:powerpoint" xmlns:com="http://schemas.openxmlformats.org/drawingml/2006/compatibility" xmlns:p14="http://schemas.microsoft.com/office/powerpoint/2010/main" xmlns:p15="http://schemas.microsoft.com/office/powerpoint/2012/main" matchingName="Main point">
+<p:sldLayout xmlns:a="http://schemas.openxmlformats.org/drawingml/2006/main" xmlns:r="http://schemas.openxmlformats.org/officeDocument/2006/relationships" xmlns:p="http://schemas.openxmlformats.org/presentationml/2006/main" matchingName="Main point">
   <p:cSld name="MAIN_POINT">
     <p:bg>
       <p:bgPr>
         <a:solidFill>
           <a:schemeClr val="accent3"/>
         </a:solidFill>
+        <a:effectLst/>
       </p:bgPr>
     </p:bg>
     <p:spTree>
       <p:nvGrpSpPr>
-        <p:cNvPr id="55" name="Shape 55"/>
+        <p:cNvPr id="1" name="Shape 55"/>
         <p:cNvGrpSpPr/>
         <p:nvPr/>
       </p:nvGrpSpPr>
@@ -5745,12 +5813,12 @@
             </a:ln>
           </p:spPr>
           <p:txBody>
-            <a:bodyPr anchorCtr="0" anchor="ctr" bIns="121900" lIns="121900" spcFirstLastPara="1" rIns="121900" wrap="square" tIns="121900">
+            <a:bodyPr spcFirstLastPara="1" wrap="square" lIns="121900" tIns="121900" rIns="121900" bIns="121900" anchor="ctr" anchorCtr="0">
               <a:noAutofit/>
             </a:bodyPr>
             <a:lstStyle/>
             <a:p>
-              <a:pPr indent="0" lvl="0" marL="0" rtl="0" algn="l">
+              <a:pPr marL="0" lvl="0" indent="0" algn="l" rtl="0">
                 <a:spcBef>
                   <a:spcPts val="0"/>
                 </a:spcBef>
@@ -5759,9 +5827,6 @@
                 </a:spcAft>
                 <a:buNone/>
               </a:pPr>
-              <a:r>
-                <a:t/>
-              </a:r>
               <a:endParaRPr/>
             </a:p>
           </p:txBody>
@@ -5788,12 +5853,12 @@
             </a:ln>
           </p:spPr>
           <p:txBody>
-            <a:bodyPr anchorCtr="0" anchor="ctr" bIns="121900" lIns="121900" spcFirstLastPara="1" rIns="121900" wrap="square" tIns="121900">
+            <a:bodyPr spcFirstLastPara="1" wrap="square" lIns="121900" tIns="121900" rIns="121900" bIns="121900" anchor="ctr" anchorCtr="0">
               <a:noAutofit/>
             </a:bodyPr>
             <a:lstStyle/>
             <a:p>
-              <a:pPr indent="0" lvl="0" marL="0" rtl="0" algn="l">
+              <a:pPr marL="0" lvl="0" indent="0" algn="l" rtl="0">
                 <a:spcBef>
                   <a:spcPts val="0"/>
                 </a:spcBef>
@@ -5802,9 +5867,6 @@
                 </a:spcAft>
                 <a:buNone/>
               </a:pPr>
-              <a:r>
-                <a:t/>
-              </a:r>
               <a:endParaRPr/>
             </a:p>
           </p:txBody>
@@ -5813,7 +5875,9 @@
       <p:sp>
         <p:nvSpPr>
           <p:cNvPr id="59" name="Google Shape;59;p8"/>
-          <p:cNvSpPr txBox="1"/>
+          <p:cNvSpPr txBox="1">
+            <a:spLocks noGrp="1"/>
+          </p:cNvSpPr>
           <p:nvPr>
             <p:ph type="title"/>
           </p:nvPr>
@@ -5828,7 +5892,7 @@
           </a:prstGeom>
         </p:spPr>
         <p:txBody>
-          <a:bodyPr anchorCtr="0" anchor="ctr" bIns="121900" lIns="121900" spcFirstLastPara="1" rIns="121900" wrap="square" tIns="121900">
+          <a:bodyPr spcFirstLastPara="1" wrap="square" lIns="121900" tIns="121900" rIns="121900" bIns="121900" anchor="ctr" anchorCtr="0">
             <a:noAutofit/>
           </a:bodyPr>
           <a:lstStyle>
@@ -5995,15 +6059,19 @@
               </a:defRPr>
             </a:lvl9pPr>
           </a:lstStyle>
-          <a:p/>
+          <a:p>
+            <a:endParaRPr/>
+          </a:p>
         </p:txBody>
       </p:sp>
       <p:sp>
         <p:nvSpPr>
           <p:cNvPr id="60" name="Google Shape;60;p8"/>
-          <p:cNvSpPr txBox="1"/>
+          <p:cNvSpPr txBox="1">
+            <a:spLocks noGrp="1"/>
+          </p:cNvSpPr>
           <p:nvPr>
-            <p:ph idx="12" type="sldNum"/>
+            <p:ph type="sldNum" idx="12"/>
           </p:nvPr>
         </p:nvSpPr>
         <p:spPr>
@@ -6016,7 +6084,7 @@
           </a:prstGeom>
         </p:spPr>
         <p:txBody>
-          <a:bodyPr anchorCtr="0" anchor="ctr" bIns="121900" lIns="121900" spcFirstLastPara="1" rIns="121900" wrap="square" tIns="121900">
+          <a:bodyPr spcFirstLastPara="1" wrap="square" lIns="121900" tIns="121900" rIns="121900" bIns="121900" anchor="ctr" anchorCtr="0">
             <a:noAutofit/>
           </a:bodyPr>
           <a:lstStyle>
@@ -6094,7 +6162,7 @@
             </a:lvl9pPr>
           </a:lstStyle>
           <a:p>
-            <a:pPr indent="0" lvl="0" marL="0" rtl="0" algn="r">
+            <a:pPr marL="0" lvl="0" indent="0" algn="r" rtl="0">
               <a:spcBef>
                 <a:spcPts val="0"/>
               </a:spcBef>
@@ -6120,11 +6188,11 @@
 </file>
 
 <file path=ppt/slideLayouts/slideLayout8.xml><?xml version="1.0" encoding="utf-8"?>
-<p:sldLayout xmlns:a="http://schemas.openxmlformats.org/drawingml/2006/main" xmlns:r="http://schemas.openxmlformats.org/officeDocument/2006/relationships" xmlns:mc="http://schemas.openxmlformats.org/markup-compatibility/2006" xmlns:mv="urn:schemas-microsoft-com:mac:vml" xmlns:p="http://schemas.openxmlformats.org/presentationml/2006/main" xmlns:c="http://schemas.openxmlformats.org/drawingml/2006/chart" xmlns:dgm="http://schemas.openxmlformats.org/drawingml/2006/diagram" xmlns:o="urn:schemas-microsoft-com:office:office" xmlns:v="urn:schemas-microsoft-com:vml" xmlns:pvml="urn:schemas-microsoft-com:office:powerpoint" xmlns:com="http://schemas.openxmlformats.org/drawingml/2006/compatibility" xmlns:p14="http://schemas.microsoft.com/office/powerpoint/2010/main" xmlns:p15="http://schemas.microsoft.com/office/powerpoint/2012/main" matchingName="Section title and description">
+<p:sldLayout xmlns:a="http://schemas.openxmlformats.org/drawingml/2006/main" xmlns:r="http://schemas.openxmlformats.org/officeDocument/2006/relationships" xmlns:p="http://schemas.openxmlformats.org/presentationml/2006/main" matchingName="Section title and description">
   <p:cSld name="SECTION_TITLE_AND_DESCRIPTION">
     <p:spTree>
       <p:nvGrpSpPr>
-        <p:cNvPr id="61" name="Shape 61"/>
+        <p:cNvPr id="1" name="Shape 61"/>
         <p:cNvGrpSpPr/>
         <p:nvPr/>
       </p:nvGrpSpPr>
@@ -6158,12 +6226,12 @@
           </a:ln>
         </p:spPr>
         <p:txBody>
-          <a:bodyPr anchorCtr="0" anchor="ctr" bIns="121900" lIns="121900" spcFirstLastPara="1" rIns="121900" wrap="square" tIns="121900">
+          <a:bodyPr spcFirstLastPara="1" wrap="square" lIns="121900" tIns="121900" rIns="121900" bIns="121900" anchor="ctr" anchorCtr="0">
             <a:noAutofit/>
           </a:bodyPr>
           <a:lstStyle/>
           <a:p>
-            <a:pPr indent="0" lvl="0" marL="0" rtl="0" algn="l">
+            <a:pPr marL="0" lvl="0" indent="0" algn="l" rtl="0">
               <a:spcBef>
                 <a:spcPts val="0"/>
               </a:spcBef>
@@ -6172,9 +6240,6 @@
               </a:spcAft>
               <a:buNone/>
             </a:pPr>
-            <a:r>
-              <a:t/>
-            </a:r>
             <a:endParaRPr/>
           </a:p>
         </p:txBody>
@@ -6215,12 +6280,12 @@
             </a:ln>
           </p:spPr>
           <p:txBody>
-            <a:bodyPr anchorCtr="0" anchor="ctr" bIns="121900" lIns="121900" spcFirstLastPara="1" rIns="121900" wrap="square" tIns="121900">
+            <a:bodyPr spcFirstLastPara="1" wrap="square" lIns="121900" tIns="121900" rIns="121900" bIns="121900" anchor="ctr" anchorCtr="0">
               <a:noAutofit/>
             </a:bodyPr>
             <a:lstStyle/>
             <a:p>
-              <a:pPr indent="0" lvl="0" marL="0" rtl="0" algn="l">
+              <a:pPr marL="0" lvl="0" indent="0" algn="l" rtl="0">
                 <a:spcBef>
                   <a:spcPts val="0"/>
                 </a:spcBef>
@@ -6229,9 +6294,6 @@
                 </a:spcAft>
                 <a:buNone/>
               </a:pPr>
-              <a:r>
-                <a:t/>
-              </a:r>
               <a:endParaRPr/>
             </a:p>
           </p:txBody>
@@ -6258,12 +6320,12 @@
             </a:ln>
           </p:spPr>
           <p:txBody>
-            <a:bodyPr anchorCtr="0" anchor="ctr" bIns="121900" lIns="121900" spcFirstLastPara="1" rIns="121900" wrap="square" tIns="121900">
+            <a:bodyPr spcFirstLastPara="1" wrap="square" lIns="121900" tIns="121900" rIns="121900" bIns="121900" anchor="ctr" anchorCtr="0">
               <a:noAutofit/>
             </a:bodyPr>
             <a:lstStyle/>
             <a:p>
-              <a:pPr indent="0" lvl="0" marL="0" rtl="0" algn="l">
+              <a:pPr marL="0" lvl="0" indent="0" algn="l" rtl="0">
                 <a:spcBef>
                   <a:spcPts val="0"/>
                 </a:spcBef>
@@ -6272,9 +6334,6 @@
                 </a:spcAft>
                 <a:buNone/>
               </a:pPr>
-              <a:r>
-                <a:t/>
-              </a:r>
               <a:endParaRPr/>
             </a:p>
           </p:txBody>
@@ -6283,7 +6342,9 @@
       <p:sp>
         <p:nvSpPr>
           <p:cNvPr id="66" name="Google Shape;66;p9"/>
-          <p:cNvSpPr txBox="1"/>
+          <p:cNvSpPr txBox="1">
+            <a:spLocks noGrp="1"/>
+          </p:cNvSpPr>
           <p:nvPr>
             <p:ph type="title"/>
           </p:nvPr>
@@ -6298,7 +6359,7 @@
           </a:prstGeom>
         </p:spPr>
         <p:txBody>
-          <a:bodyPr anchorCtr="0" anchor="t" bIns="121900" lIns="121900" spcFirstLastPara="1" rIns="121900" wrap="square" tIns="121900">
+          <a:bodyPr spcFirstLastPara="1" wrap="square" lIns="121900" tIns="121900" rIns="121900" bIns="121900" anchor="t" anchorCtr="0">
             <a:noAutofit/>
           </a:bodyPr>
           <a:lstStyle>
@@ -6465,15 +6526,19 @@
               </a:defRPr>
             </a:lvl9pPr>
           </a:lstStyle>
-          <a:p/>
+          <a:p>
+            <a:endParaRPr/>
+          </a:p>
         </p:txBody>
       </p:sp>
       <p:sp>
         <p:nvSpPr>
           <p:cNvPr id="67" name="Google Shape;67;p9"/>
-          <p:cNvSpPr txBox="1"/>
+          <p:cNvSpPr txBox="1">
+            <a:spLocks noGrp="1"/>
+          </p:cNvSpPr>
           <p:nvPr>
-            <p:ph idx="1" type="subTitle"/>
+            <p:ph type="subTitle" idx="1"/>
           </p:nvPr>
         </p:nvSpPr>
         <p:spPr>
@@ -6486,7 +6551,7 @@
           </a:prstGeom>
         </p:spPr>
         <p:txBody>
-          <a:bodyPr anchorCtr="0" anchor="t" bIns="121900" lIns="121900" spcFirstLastPara="1" rIns="121900" wrap="square" tIns="121900">
+          <a:bodyPr spcFirstLastPara="1" wrap="square" lIns="121900" tIns="121900" rIns="121900" bIns="121900" anchor="t" anchorCtr="0">
             <a:noAutofit/>
           </a:bodyPr>
           <a:lstStyle>
@@ -6617,15 +6682,19 @@
               <a:defRPr sz="2100"/>
             </a:lvl9pPr>
           </a:lstStyle>
-          <a:p/>
+          <a:p>
+            <a:endParaRPr/>
+          </a:p>
         </p:txBody>
       </p:sp>
       <p:sp>
         <p:nvSpPr>
           <p:cNvPr id="68" name="Google Shape;68;p9"/>
-          <p:cNvSpPr txBox="1"/>
+          <p:cNvSpPr txBox="1">
+            <a:spLocks noGrp="1"/>
+          </p:cNvSpPr>
           <p:nvPr>
-            <p:ph idx="2" type="body"/>
+            <p:ph type="body" idx="2"/>
           </p:nvPr>
         </p:nvSpPr>
         <p:spPr>
@@ -6638,11 +6707,11 @@
           </a:prstGeom>
         </p:spPr>
         <p:txBody>
-          <a:bodyPr anchorCtr="0" anchor="t" bIns="121900" lIns="121900" spcFirstLastPara="1" rIns="121900" wrap="square" tIns="121900">
+          <a:bodyPr spcFirstLastPara="1" wrap="square" lIns="121900" tIns="121900" rIns="121900" bIns="121900" anchor="t" anchorCtr="0">
             <a:noAutofit/>
           </a:bodyPr>
           <a:lstStyle>
-            <a:lvl1pPr indent="-336550" lvl="0" marL="457200">
+            <a:lvl1pPr marL="457200" lvl="0" indent="-336550">
               <a:spcBef>
                 <a:spcPts val="0"/>
               </a:spcBef>
@@ -6653,7 +6722,7 @@
               <a:buChar char="●"/>
               <a:defRPr/>
             </a:lvl1pPr>
-            <a:lvl2pPr indent="-323850" lvl="1" marL="914400">
+            <a:lvl2pPr marL="914400" lvl="1" indent="-323850">
               <a:spcBef>
                 <a:spcPts val="2100"/>
               </a:spcBef>
@@ -6664,7 +6733,7 @@
               <a:buChar char="○"/>
               <a:defRPr/>
             </a:lvl2pPr>
-            <a:lvl3pPr indent="-323850" lvl="2" marL="1371600">
+            <a:lvl3pPr marL="1371600" lvl="2" indent="-323850">
               <a:spcBef>
                 <a:spcPts val="2100"/>
               </a:spcBef>
@@ -6675,7 +6744,7 @@
               <a:buChar char="■"/>
               <a:defRPr/>
             </a:lvl3pPr>
-            <a:lvl4pPr indent="-323850" lvl="3" marL="1828800">
+            <a:lvl4pPr marL="1828800" lvl="3" indent="-323850">
               <a:spcBef>
                 <a:spcPts val="2100"/>
               </a:spcBef>
@@ -6686,7 +6755,7 @@
               <a:buChar char="●"/>
               <a:defRPr/>
             </a:lvl4pPr>
-            <a:lvl5pPr indent="-323850" lvl="4" marL="2286000">
+            <a:lvl5pPr marL="2286000" lvl="4" indent="-323850">
               <a:spcBef>
                 <a:spcPts val="2100"/>
               </a:spcBef>
@@ -6697,7 +6766,7 @@
               <a:buChar char="○"/>
               <a:defRPr/>
             </a:lvl5pPr>
-            <a:lvl6pPr indent="-323850" lvl="5" marL="2743200">
+            <a:lvl6pPr marL="2743200" lvl="5" indent="-323850">
               <a:spcBef>
                 <a:spcPts val="2100"/>
               </a:spcBef>
@@ -6708,7 +6777,7 @@
               <a:buChar char="■"/>
               <a:defRPr/>
             </a:lvl6pPr>
-            <a:lvl7pPr indent="-323850" lvl="6" marL="3200400">
+            <a:lvl7pPr marL="3200400" lvl="6" indent="-323850">
               <a:spcBef>
                 <a:spcPts val="2100"/>
               </a:spcBef>
@@ -6719,7 +6788,7 @@
               <a:buChar char="●"/>
               <a:defRPr/>
             </a:lvl7pPr>
-            <a:lvl8pPr indent="-323850" lvl="7" marL="3657600">
+            <a:lvl8pPr marL="3657600" lvl="7" indent="-323850">
               <a:spcBef>
                 <a:spcPts val="2100"/>
               </a:spcBef>
@@ -6730,7 +6799,7 @@
               <a:buChar char="○"/>
               <a:defRPr/>
             </a:lvl8pPr>
-            <a:lvl9pPr indent="-323850" lvl="8" marL="4114800">
+            <a:lvl9pPr marL="4114800" lvl="8" indent="-323850">
               <a:spcBef>
                 <a:spcPts val="2100"/>
               </a:spcBef>
@@ -6742,15 +6811,19 @@
               <a:defRPr/>
             </a:lvl9pPr>
           </a:lstStyle>
-          <a:p/>
+          <a:p>
+            <a:endParaRPr/>
+          </a:p>
         </p:txBody>
       </p:sp>
       <p:sp>
         <p:nvSpPr>
           <p:cNvPr id="69" name="Google Shape;69;p9"/>
-          <p:cNvSpPr txBox="1"/>
+          <p:cNvSpPr txBox="1">
+            <a:spLocks noGrp="1"/>
+          </p:cNvSpPr>
           <p:nvPr>
-            <p:ph idx="12" type="sldNum"/>
+            <p:ph type="sldNum" idx="12"/>
           </p:nvPr>
         </p:nvSpPr>
         <p:spPr>
@@ -6763,7 +6836,7 @@
           </a:prstGeom>
         </p:spPr>
         <p:txBody>
-          <a:bodyPr anchorCtr="0" anchor="ctr" bIns="121900" lIns="121900" spcFirstLastPara="1" rIns="121900" wrap="square" tIns="121900">
+          <a:bodyPr spcFirstLastPara="1" wrap="square" lIns="121900" tIns="121900" rIns="121900" bIns="121900" anchor="ctr" anchorCtr="0">
             <a:noAutofit/>
           </a:bodyPr>
           <a:lstStyle>
@@ -6805,7 +6878,7 @@
             </a:lvl9pPr>
           </a:lstStyle>
           <a:p>
-            <a:pPr indent="0" lvl="0" marL="0" rtl="0" algn="r">
+            <a:pPr marL="0" lvl="0" indent="0" algn="r" rtl="0">
               <a:spcBef>
                 <a:spcPts val="0"/>
               </a:spcBef>
@@ -6831,11 +6904,11 @@
 </file>
 
 <file path=ppt/slideLayouts/slideLayout9.xml><?xml version="1.0" encoding="utf-8"?>
-<p:sldLayout xmlns:a="http://schemas.openxmlformats.org/drawingml/2006/main" xmlns:r="http://schemas.openxmlformats.org/officeDocument/2006/relationships" xmlns:mc="http://schemas.openxmlformats.org/markup-compatibility/2006" xmlns:mv="urn:schemas-microsoft-com:mac:vml" xmlns:p="http://schemas.openxmlformats.org/presentationml/2006/main" xmlns:c="http://schemas.openxmlformats.org/drawingml/2006/chart" xmlns:dgm="http://schemas.openxmlformats.org/drawingml/2006/diagram" xmlns:o="urn:schemas-microsoft-com:office:office" xmlns:v="urn:schemas-microsoft-com:vml" xmlns:pvml="urn:schemas-microsoft-com:office:powerpoint" xmlns:com="http://schemas.openxmlformats.org/drawingml/2006/compatibility" xmlns:p14="http://schemas.microsoft.com/office/powerpoint/2010/main" xmlns:p15="http://schemas.microsoft.com/office/powerpoint/2012/main" matchingName="Caption">
+<p:sldLayout xmlns:a="http://schemas.openxmlformats.org/drawingml/2006/main" xmlns:r="http://schemas.openxmlformats.org/officeDocument/2006/relationships" xmlns:p="http://schemas.openxmlformats.org/presentationml/2006/main" matchingName="Caption">
   <p:cSld name="CAPTION_ONLY">
     <p:spTree>
       <p:nvGrpSpPr>
-        <p:cNvPr id="70" name="Shape 70"/>
+        <p:cNvPr id="1" name="Shape 70"/>
         <p:cNvGrpSpPr/>
         <p:nvPr/>
       </p:nvGrpSpPr>
@@ -6850,9 +6923,11 @@
       <p:sp>
         <p:nvSpPr>
           <p:cNvPr id="71" name="Google Shape;71;p10"/>
-          <p:cNvSpPr txBox="1"/>
+          <p:cNvSpPr txBox="1">
+            <a:spLocks noGrp="1"/>
+          </p:cNvSpPr>
           <p:nvPr>
-            <p:ph idx="1" type="body"/>
+            <p:ph type="body" idx="1"/>
           </p:nvPr>
         </p:nvSpPr>
         <p:spPr>
@@ -6865,11 +6940,11 @@
           </a:prstGeom>
         </p:spPr>
         <p:txBody>
-          <a:bodyPr anchorCtr="0" anchor="ctr" bIns="121900" lIns="121900" spcFirstLastPara="1" rIns="121900" wrap="square" tIns="121900">
+          <a:bodyPr spcFirstLastPara="1" wrap="square" lIns="121900" tIns="121900" rIns="121900" bIns="121900" anchor="ctr" anchorCtr="0">
             <a:noAutofit/>
           </a:bodyPr>
           <a:lstStyle>
-            <a:lvl1pPr indent="-228600" lvl="0" marL="457200">
+            <a:lvl1pPr marL="457200" lvl="0" indent="-228600">
               <a:lnSpc>
                 <a:spcPct val="100000"/>
               </a:lnSpc>
@@ -6884,15 +6959,19 @@
               <a:defRPr/>
             </a:lvl1pPr>
           </a:lstStyle>
-          <a:p/>
+          <a:p>
+            <a:endParaRPr/>
+          </a:p>
         </p:txBody>
       </p:sp>
       <p:sp>
         <p:nvSpPr>
           <p:cNvPr id="72" name="Google Shape;72;p10"/>
-          <p:cNvSpPr txBox="1"/>
+          <p:cNvSpPr txBox="1">
+            <a:spLocks noGrp="1"/>
+          </p:cNvSpPr>
           <p:nvPr>
-            <p:ph idx="12" type="sldNum"/>
+            <p:ph type="sldNum" idx="12"/>
           </p:nvPr>
         </p:nvSpPr>
         <p:spPr>
@@ -6905,7 +6984,7 @@
           </a:prstGeom>
         </p:spPr>
         <p:txBody>
-          <a:bodyPr anchorCtr="0" anchor="ctr" bIns="121900" lIns="121900" spcFirstLastPara="1" rIns="121900" wrap="square" tIns="121900">
+          <a:bodyPr spcFirstLastPara="1" wrap="square" lIns="121900" tIns="121900" rIns="121900" bIns="121900" anchor="ctr" anchorCtr="0">
             <a:noAutofit/>
           </a:bodyPr>
           <a:lstStyle>
@@ -6947,7 +7026,7 @@
             </a:lvl9pPr>
           </a:lstStyle>
           <a:p>
-            <a:pPr indent="0" lvl="0" marL="0" rtl="0" algn="r">
+            <a:pPr marL="0" lvl="0" indent="0" algn="r" rtl="0">
               <a:spcBef>
                 <a:spcPts val="0"/>
               </a:spcBef>
@@ -6973,18 +7052,19 @@
 </file>
 
 <file path=ppt/slideMasters/slideMaster1.xml><?xml version="1.0" encoding="utf-8"?>
-<p:sldMaster xmlns:a="http://schemas.openxmlformats.org/drawingml/2006/main" xmlns:r="http://schemas.openxmlformats.org/officeDocument/2006/relationships" xmlns:mc="http://schemas.openxmlformats.org/markup-compatibility/2006" xmlns:mv="urn:schemas-microsoft-com:mac:vml" xmlns:p="http://schemas.openxmlformats.org/presentationml/2006/main" xmlns:c="http://schemas.openxmlformats.org/drawingml/2006/chart" xmlns:dgm="http://schemas.openxmlformats.org/drawingml/2006/diagram" xmlns:o="urn:schemas-microsoft-com:office:office" xmlns:v="urn:schemas-microsoft-com:vml" xmlns:pvml="urn:schemas-microsoft-com:office:powerpoint" xmlns:com="http://schemas.openxmlformats.org/drawingml/2006/compatibility" xmlns:p14="http://schemas.microsoft.com/office/powerpoint/2010/main" xmlns:p15="http://schemas.microsoft.com/office/powerpoint/2012/main">
+<p:sldMaster xmlns:a="http://schemas.openxmlformats.org/drawingml/2006/main" xmlns:r="http://schemas.openxmlformats.org/officeDocument/2006/relationships" xmlns:p="http://schemas.openxmlformats.org/presentationml/2006/main">
   <p:cSld name="streamline">
     <p:bg>
       <p:bgPr>
         <a:solidFill>
           <a:schemeClr val="lt1"/>
         </a:solidFill>
+        <a:effectLst/>
       </p:bgPr>
     </p:bg>
     <p:spTree>
       <p:nvGrpSpPr>
-        <p:cNvPr id="5" name="Shape 5"/>
+        <p:cNvPr id="1" name="Shape 5"/>
         <p:cNvGrpSpPr/>
         <p:nvPr/>
       </p:nvGrpSpPr>
@@ -6999,7 +7079,9 @@
       <p:sp>
         <p:nvSpPr>
           <p:cNvPr id="6" name="Google Shape;6;p1"/>
-          <p:cNvSpPr txBox="1"/>
+          <p:cNvSpPr txBox="1">
+            <a:spLocks noGrp="1"/>
+          </p:cNvSpPr>
           <p:nvPr>
             <p:ph type="title"/>
           </p:nvPr>
@@ -7018,7 +7100,7 @@
           </a:ln>
         </p:spPr>
         <p:txBody>
-          <a:bodyPr anchorCtr="0" anchor="t" bIns="121900" lIns="121900" spcFirstLastPara="1" rIns="121900" wrap="square" tIns="121900">
+          <a:bodyPr spcFirstLastPara="1" wrap="square" lIns="121900" tIns="121900" rIns="121900" bIns="121900" anchor="t" anchorCtr="0">
             <a:noAutofit/>
           </a:bodyPr>
           <a:lstStyle>
@@ -7032,7 +7114,7 @@
               <a:buSzPts val="3700"/>
               <a:buFont typeface="Raleway"/>
               <a:buNone/>
-              <a:defRPr b="1" sz="3700">
+              <a:defRPr sz="3700" b="1">
                 <a:latin typeface="Raleway"/>
                 <a:ea typeface="Raleway"/>
                 <a:cs typeface="Raleway"/>
@@ -7049,7 +7131,7 @@
               <a:buSzPts val="3700"/>
               <a:buFont typeface="Raleway"/>
               <a:buNone/>
-              <a:defRPr b="1" sz="3700">
+              <a:defRPr sz="3700" b="1">
                 <a:latin typeface="Raleway"/>
                 <a:ea typeface="Raleway"/>
                 <a:cs typeface="Raleway"/>
@@ -7066,7 +7148,7 @@
               <a:buSzPts val="3700"/>
               <a:buFont typeface="Raleway"/>
               <a:buNone/>
-              <a:defRPr b="1" sz="3700">
+              <a:defRPr sz="3700" b="1">
                 <a:latin typeface="Raleway"/>
                 <a:ea typeface="Raleway"/>
                 <a:cs typeface="Raleway"/>
@@ -7083,7 +7165,7 @@
               <a:buSzPts val="3700"/>
               <a:buFont typeface="Raleway"/>
               <a:buNone/>
-              <a:defRPr b="1" sz="3700">
+              <a:defRPr sz="3700" b="1">
                 <a:latin typeface="Raleway"/>
                 <a:ea typeface="Raleway"/>
                 <a:cs typeface="Raleway"/>
@@ -7100,7 +7182,7 @@
               <a:buSzPts val="3700"/>
               <a:buFont typeface="Raleway"/>
               <a:buNone/>
-              <a:defRPr b="1" sz="3700">
+              <a:defRPr sz="3700" b="1">
                 <a:latin typeface="Raleway"/>
                 <a:ea typeface="Raleway"/>
                 <a:cs typeface="Raleway"/>
@@ -7117,7 +7199,7 @@
               <a:buSzPts val="3700"/>
               <a:buFont typeface="Raleway"/>
               <a:buNone/>
-              <a:defRPr b="1" sz="3700">
+              <a:defRPr sz="3700" b="1">
                 <a:latin typeface="Raleway"/>
                 <a:ea typeface="Raleway"/>
                 <a:cs typeface="Raleway"/>
@@ -7134,7 +7216,7 @@
               <a:buSzPts val="3700"/>
               <a:buFont typeface="Raleway"/>
               <a:buNone/>
-              <a:defRPr b="1" sz="3700">
+              <a:defRPr sz="3700" b="1">
                 <a:latin typeface="Raleway"/>
                 <a:ea typeface="Raleway"/>
                 <a:cs typeface="Raleway"/>
@@ -7151,7 +7233,7 @@
               <a:buSzPts val="3700"/>
               <a:buFont typeface="Raleway"/>
               <a:buNone/>
-              <a:defRPr b="1" sz="3700">
+              <a:defRPr sz="3700" b="1">
                 <a:latin typeface="Raleway"/>
                 <a:ea typeface="Raleway"/>
                 <a:cs typeface="Raleway"/>
@@ -7168,7 +7250,7 @@
               <a:buSzPts val="3700"/>
               <a:buFont typeface="Raleway"/>
               <a:buNone/>
-              <a:defRPr b="1" sz="3700">
+              <a:defRPr sz="3700" b="1">
                 <a:latin typeface="Raleway"/>
                 <a:ea typeface="Raleway"/>
                 <a:cs typeface="Raleway"/>
@@ -7176,15 +7258,19 @@
               </a:defRPr>
             </a:lvl9pPr>
           </a:lstStyle>
-          <a:p/>
+          <a:p>
+            <a:endParaRPr/>
+          </a:p>
         </p:txBody>
       </p:sp>
       <p:sp>
         <p:nvSpPr>
           <p:cNvPr id="7" name="Google Shape;7;p1"/>
-          <p:cNvSpPr txBox="1"/>
+          <p:cNvSpPr txBox="1">
+            <a:spLocks noGrp="1"/>
+          </p:cNvSpPr>
           <p:nvPr>
-            <p:ph idx="1" type="body"/>
+            <p:ph type="body" idx="1"/>
           </p:nvPr>
         </p:nvSpPr>
         <p:spPr>
@@ -7201,11 +7287,11 @@
           </a:ln>
         </p:spPr>
         <p:txBody>
-          <a:bodyPr anchorCtr="0" anchor="t" bIns="121900" lIns="121900" spcFirstLastPara="1" rIns="121900" wrap="square" tIns="121900">
+          <a:bodyPr spcFirstLastPara="1" wrap="square" lIns="121900" tIns="121900" rIns="121900" bIns="121900" anchor="t" anchorCtr="0">
             <a:noAutofit/>
           </a:bodyPr>
           <a:lstStyle>
-            <a:lvl1pPr indent="-336550" lvl="0" marL="457200">
+            <a:lvl1pPr marL="457200" lvl="0" indent="-336550">
               <a:lnSpc>
                 <a:spcPct val="115000"/>
               </a:lnSpc>
@@ -7231,7 +7317,7 @@
                 <a:sym typeface="Lato"/>
               </a:defRPr>
             </a:lvl1pPr>
-            <a:lvl2pPr indent="-323850" lvl="1" marL="914400">
+            <a:lvl2pPr marL="914400" lvl="1" indent="-323850">
               <a:lnSpc>
                 <a:spcPct val="115000"/>
               </a:lnSpc>
@@ -7257,7 +7343,7 @@
                 <a:sym typeface="Lato"/>
               </a:defRPr>
             </a:lvl2pPr>
-            <a:lvl3pPr indent="-323850" lvl="2" marL="1371600">
+            <a:lvl3pPr marL="1371600" lvl="2" indent="-323850">
               <a:lnSpc>
                 <a:spcPct val="115000"/>
               </a:lnSpc>
@@ -7283,7 +7369,7 @@
                 <a:sym typeface="Lato"/>
               </a:defRPr>
             </a:lvl3pPr>
-            <a:lvl4pPr indent="-323850" lvl="3" marL="1828800">
+            <a:lvl4pPr marL="1828800" lvl="3" indent="-323850">
               <a:lnSpc>
                 <a:spcPct val="115000"/>
               </a:lnSpc>
@@ -7309,7 +7395,7 @@
                 <a:sym typeface="Lato"/>
               </a:defRPr>
             </a:lvl4pPr>
-            <a:lvl5pPr indent="-323850" lvl="4" marL="2286000">
+            <a:lvl5pPr marL="2286000" lvl="4" indent="-323850">
               <a:lnSpc>
                 <a:spcPct val="115000"/>
               </a:lnSpc>
@@ -7335,7 +7421,7 @@
                 <a:sym typeface="Lato"/>
               </a:defRPr>
             </a:lvl5pPr>
-            <a:lvl6pPr indent="-323850" lvl="5" marL="2743200">
+            <a:lvl6pPr marL="2743200" lvl="5" indent="-323850">
               <a:lnSpc>
                 <a:spcPct val="115000"/>
               </a:lnSpc>
@@ -7361,7 +7447,7 @@
                 <a:sym typeface="Lato"/>
               </a:defRPr>
             </a:lvl6pPr>
-            <a:lvl7pPr indent="-323850" lvl="6" marL="3200400">
+            <a:lvl7pPr marL="3200400" lvl="6" indent="-323850">
               <a:lnSpc>
                 <a:spcPct val="115000"/>
               </a:lnSpc>
@@ -7387,7 +7473,7 @@
                 <a:sym typeface="Lato"/>
               </a:defRPr>
             </a:lvl7pPr>
-            <a:lvl8pPr indent="-323850" lvl="7" marL="3657600">
+            <a:lvl8pPr marL="3657600" lvl="7" indent="-323850">
               <a:lnSpc>
                 <a:spcPct val="115000"/>
               </a:lnSpc>
@@ -7413,7 +7499,7 @@
                 <a:sym typeface="Lato"/>
               </a:defRPr>
             </a:lvl8pPr>
-            <a:lvl9pPr indent="-323850" lvl="8" marL="4114800">
+            <a:lvl9pPr marL="4114800" lvl="8" indent="-323850">
               <a:lnSpc>
                 <a:spcPct val="115000"/>
               </a:lnSpc>
@@ -7440,15 +7526,19 @@
               </a:defRPr>
             </a:lvl9pPr>
           </a:lstStyle>
-          <a:p/>
+          <a:p>
+            <a:endParaRPr/>
+          </a:p>
         </p:txBody>
       </p:sp>
       <p:sp>
         <p:nvSpPr>
           <p:cNvPr id="8" name="Google Shape;8;p1"/>
-          <p:cNvSpPr txBox="1"/>
+          <p:cNvSpPr txBox="1">
+            <a:spLocks noGrp="1"/>
+          </p:cNvSpPr>
           <p:nvPr>
-            <p:ph idx="12" type="sldNum"/>
+            <p:ph type="sldNum" idx="12"/>
           </p:nvPr>
         </p:nvSpPr>
         <p:spPr>
@@ -7465,7 +7555,7 @@
           </a:ln>
         </p:spPr>
         <p:txBody>
-          <a:bodyPr anchorCtr="0" anchor="ctr" bIns="121900" lIns="121900" spcFirstLastPara="1" rIns="121900" wrap="square" tIns="121900">
+          <a:bodyPr spcFirstLastPara="1" wrap="square" lIns="121900" tIns="121900" rIns="121900" bIns="121900" anchor="ctr" anchorCtr="0">
             <a:noAutofit/>
           </a:bodyPr>
           <a:lstStyle>
@@ -7579,7 +7669,7 @@
             </a:lvl9pPr>
           </a:lstStyle>
           <a:p>
-            <a:pPr indent="0" lvl="0" marL="0" rtl="0" algn="r">
+            <a:pPr marL="0" lvl="0" indent="0" algn="r" rtl="0">
               <a:spcBef>
                 <a:spcPts val="0"/>
               </a:spcBef>
@@ -7598,7 +7688,7 @@
       </p:sp>
     </p:spTree>
   </p:cSld>
-  <p:clrMap accent1="accent1" accent2="accent2" accent3="accent3" accent4="accent4" accent5="accent5" accent6="accent6" bg1="lt1" bg2="dk2" tx1="dk1" tx2="lt2" folHlink="folHlink" hlink="hlink"/>
+  <p:clrMap bg1="lt1" tx1="dk1" bg2="dk2" tx2="lt2" accent1="accent1" accent2="accent2" accent3="accent3" accent4="accent4" accent5="accent5" accent6="accent6" hlink="hlink" folHlink="folHlink"/>
   <p:sldLayoutIdLst>
     <p:sldLayoutId id="2147483648" r:id="rId1"/>
     <p:sldLayoutId id="2147483649" r:id="rId2"/>
@@ -7613,10 +7703,10 @@
     <p:sldLayoutId id="2147483658" r:id="rId11"/>
     <p:sldLayoutId id="2147483659" r:id="rId12"/>
   </p:sldLayoutIdLst>
-  <p:hf dt="0" ftr="0" hdr="0" sldNum="0"/>
+  <p:hf sldNum="0" hdr="0" ftr="0" dt="0"/>
   <p:txStyles>
     <p:titleStyle>
-      <a:defPPr lvl="0" marR="0" rtl="0" algn="l">
+      <a:defPPr marR="0" lvl="0" algn="l" rtl="0">
         <a:lnSpc>
           <a:spcPct val="100000"/>
         </a:lnSpc>
@@ -7627,7 +7717,7 @@
           <a:spcPts val="0"/>
         </a:spcAft>
       </a:defPPr>
-      <a:lvl1pPr lvl="0" marR="0" rtl="0" algn="l">
+      <a:lvl1pPr marR="0" lvl="0" algn="l" rtl="0">
         <a:lnSpc>
           <a:spcPct val="100000"/>
         </a:lnSpc>
@@ -7641,7 +7731,7 @@
           <a:srgbClr val="000000"/>
         </a:buClr>
         <a:buFont typeface="Arial"/>
-        <a:defRPr b="0" i="0" sz="1400" u="none" cap="none" strike="noStrike">
+        <a:defRPr sz="1400" b="0" i="0" u="none" strike="noStrike" cap="none">
           <a:solidFill>
             <a:srgbClr val="000000"/>
           </a:solidFill>
@@ -7651,7 +7741,7 @@
           <a:sym typeface="Arial"/>
         </a:defRPr>
       </a:lvl1pPr>
-      <a:lvl2pPr lvl="1" marR="0" rtl="0" algn="l">
+      <a:lvl2pPr marR="0" lvl="1" algn="l" rtl="0">
         <a:lnSpc>
           <a:spcPct val="100000"/>
         </a:lnSpc>
@@ -7665,7 +7755,7 @@
           <a:srgbClr val="000000"/>
         </a:buClr>
         <a:buFont typeface="Arial"/>
-        <a:defRPr b="0" i="0" sz="1400" u="none" cap="none" strike="noStrike">
+        <a:defRPr sz="1400" b="0" i="0" u="none" strike="noStrike" cap="none">
           <a:solidFill>
             <a:srgbClr val="000000"/>
           </a:solidFill>
@@ -7675,7 +7765,7 @@
           <a:sym typeface="Arial"/>
         </a:defRPr>
       </a:lvl2pPr>
-      <a:lvl3pPr lvl="2" marR="0" rtl="0" algn="l">
+      <a:lvl3pPr marR="0" lvl="2" algn="l" rtl="0">
         <a:lnSpc>
           <a:spcPct val="100000"/>
         </a:lnSpc>
@@ -7689,7 +7779,7 @@
           <a:srgbClr val="000000"/>
         </a:buClr>
         <a:buFont typeface="Arial"/>
-        <a:defRPr b="0" i="0" sz="1400" u="none" cap="none" strike="noStrike">
+        <a:defRPr sz="1400" b="0" i="0" u="none" strike="noStrike" cap="none">
           <a:solidFill>
             <a:srgbClr val="000000"/>
           </a:solidFill>
@@ -7699,7 +7789,7 @@
           <a:sym typeface="Arial"/>
         </a:defRPr>
       </a:lvl3pPr>
-      <a:lvl4pPr lvl="3" marR="0" rtl="0" algn="l">
+      <a:lvl4pPr marR="0" lvl="3" algn="l" rtl="0">
         <a:lnSpc>
           <a:spcPct val="100000"/>
         </a:lnSpc>
@@ -7713,7 +7803,7 @@
           <a:srgbClr val="000000"/>
         </a:buClr>
         <a:buFont typeface="Arial"/>
-        <a:defRPr b="0" i="0" sz="1400" u="none" cap="none" strike="noStrike">
+        <a:defRPr sz="1400" b="0" i="0" u="none" strike="noStrike" cap="none">
           <a:solidFill>
             <a:srgbClr val="000000"/>
           </a:solidFill>
@@ -7723,7 +7813,7 @@
           <a:sym typeface="Arial"/>
         </a:defRPr>
       </a:lvl4pPr>
-      <a:lvl5pPr lvl="4" marR="0" rtl="0" algn="l">
+      <a:lvl5pPr marR="0" lvl="4" algn="l" rtl="0">
         <a:lnSpc>
           <a:spcPct val="100000"/>
         </a:lnSpc>
@@ -7737,7 +7827,7 @@
           <a:srgbClr val="000000"/>
         </a:buClr>
         <a:buFont typeface="Arial"/>
-        <a:defRPr b="0" i="0" sz="1400" u="none" cap="none" strike="noStrike">
+        <a:defRPr sz="1400" b="0" i="0" u="none" strike="noStrike" cap="none">
           <a:solidFill>
             <a:srgbClr val="000000"/>
           </a:solidFill>
@@ -7747,7 +7837,7 @@
           <a:sym typeface="Arial"/>
         </a:defRPr>
       </a:lvl5pPr>
-      <a:lvl6pPr lvl="5" marR="0" rtl="0" algn="l">
+      <a:lvl6pPr marR="0" lvl="5" algn="l" rtl="0">
         <a:lnSpc>
           <a:spcPct val="100000"/>
         </a:lnSpc>
@@ -7761,7 +7851,7 @@
           <a:srgbClr val="000000"/>
         </a:buClr>
         <a:buFont typeface="Arial"/>
-        <a:defRPr b="0" i="0" sz="1400" u="none" cap="none" strike="noStrike">
+        <a:defRPr sz="1400" b="0" i="0" u="none" strike="noStrike" cap="none">
           <a:solidFill>
             <a:srgbClr val="000000"/>
           </a:solidFill>
@@ -7771,7 +7861,7 @@
           <a:sym typeface="Arial"/>
         </a:defRPr>
       </a:lvl6pPr>
-      <a:lvl7pPr lvl="6" marR="0" rtl="0" algn="l">
+      <a:lvl7pPr marR="0" lvl="6" algn="l" rtl="0">
         <a:lnSpc>
           <a:spcPct val="100000"/>
         </a:lnSpc>
@@ -7785,7 +7875,7 @@
           <a:srgbClr val="000000"/>
         </a:buClr>
         <a:buFont typeface="Arial"/>
-        <a:defRPr b="0" i="0" sz="1400" u="none" cap="none" strike="noStrike">
+        <a:defRPr sz="1400" b="0" i="0" u="none" strike="noStrike" cap="none">
           <a:solidFill>
             <a:srgbClr val="000000"/>
           </a:solidFill>
@@ -7795,7 +7885,7 @@
           <a:sym typeface="Arial"/>
         </a:defRPr>
       </a:lvl7pPr>
-      <a:lvl8pPr lvl="7" marR="0" rtl="0" algn="l">
+      <a:lvl8pPr marR="0" lvl="7" algn="l" rtl="0">
         <a:lnSpc>
           <a:spcPct val="100000"/>
         </a:lnSpc>
@@ -7809,7 +7899,7 @@
           <a:srgbClr val="000000"/>
         </a:buClr>
         <a:buFont typeface="Arial"/>
-        <a:defRPr b="0" i="0" sz="1400" u="none" cap="none" strike="noStrike">
+        <a:defRPr sz="1400" b="0" i="0" u="none" strike="noStrike" cap="none">
           <a:solidFill>
             <a:srgbClr val="000000"/>
           </a:solidFill>
@@ -7819,7 +7909,7 @@
           <a:sym typeface="Arial"/>
         </a:defRPr>
       </a:lvl8pPr>
-      <a:lvl9pPr lvl="8" marR="0" rtl="0" algn="l">
+      <a:lvl9pPr marR="0" lvl="8" algn="l" rtl="0">
         <a:lnSpc>
           <a:spcPct val="100000"/>
         </a:lnSpc>
@@ -7833,7 +7923,7 @@
           <a:srgbClr val="000000"/>
         </a:buClr>
         <a:buFont typeface="Arial"/>
-        <a:defRPr b="0" i="0" sz="1400" u="none" cap="none" strike="noStrike">
+        <a:defRPr sz="1400" b="0" i="0" u="none" strike="noStrike" cap="none">
           <a:solidFill>
             <a:srgbClr val="000000"/>
           </a:solidFill>
@@ -7845,7 +7935,7 @@
       </a:lvl9pPr>
     </p:titleStyle>
     <p:bodyStyle>
-      <a:defPPr lvl="0" marR="0" rtl="0" algn="l">
+      <a:defPPr marR="0" lvl="0" algn="l" rtl="0">
         <a:lnSpc>
           <a:spcPct val="100000"/>
         </a:lnSpc>
@@ -7856,7 +7946,7 @@
           <a:spcPts val="0"/>
         </a:spcAft>
       </a:defPPr>
-      <a:lvl1pPr lvl="0" marR="0" rtl="0" algn="l">
+      <a:lvl1pPr marR="0" lvl="0" algn="l" rtl="0">
         <a:lnSpc>
           <a:spcPct val="100000"/>
         </a:lnSpc>
@@ -7870,7 +7960,7 @@
           <a:srgbClr val="000000"/>
         </a:buClr>
         <a:buFont typeface="Arial"/>
-        <a:defRPr b="0" i="0" sz="1400" u="none" cap="none" strike="noStrike">
+        <a:defRPr sz="1400" b="0" i="0" u="none" strike="noStrike" cap="none">
           <a:solidFill>
             <a:srgbClr val="000000"/>
           </a:solidFill>
@@ -7880,7 +7970,7 @@
           <a:sym typeface="Arial"/>
         </a:defRPr>
       </a:lvl1pPr>
-      <a:lvl2pPr lvl="1" marR="0" rtl="0" algn="l">
+      <a:lvl2pPr marR="0" lvl="1" algn="l" rtl="0">
         <a:lnSpc>
           <a:spcPct val="100000"/>
         </a:lnSpc>
@@ -7894,7 +7984,7 @@
           <a:srgbClr val="000000"/>
         </a:buClr>
         <a:buFont typeface="Arial"/>
-        <a:defRPr b="0" i="0" sz="1400" u="none" cap="none" strike="noStrike">
+        <a:defRPr sz="1400" b="0" i="0" u="none" strike="noStrike" cap="none">
           <a:solidFill>
             <a:srgbClr val="000000"/>
           </a:solidFill>
@@ -7904,7 +7994,7 @@
           <a:sym typeface="Arial"/>
         </a:defRPr>
       </a:lvl2pPr>
-      <a:lvl3pPr lvl="2" marR="0" rtl="0" algn="l">
+      <a:lvl3pPr marR="0" lvl="2" algn="l" rtl="0">
         <a:lnSpc>
           <a:spcPct val="100000"/>
         </a:lnSpc>
@@ -7918,7 +8008,7 @@
           <a:srgbClr val="000000"/>
         </a:buClr>
         <a:buFont typeface="Arial"/>
-        <a:defRPr b="0" i="0" sz="1400" u="none" cap="none" strike="noStrike">
+        <a:defRPr sz="1400" b="0" i="0" u="none" strike="noStrike" cap="none">
           <a:solidFill>
             <a:srgbClr val="000000"/>
           </a:solidFill>
@@ -7928,7 +8018,7 @@
           <a:sym typeface="Arial"/>
         </a:defRPr>
       </a:lvl3pPr>
-      <a:lvl4pPr lvl="3" marR="0" rtl="0" algn="l">
+      <a:lvl4pPr marR="0" lvl="3" algn="l" rtl="0">
         <a:lnSpc>
           <a:spcPct val="100000"/>
         </a:lnSpc>
@@ -7942,7 +8032,7 @@
           <a:srgbClr val="000000"/>
         </a:buClr>
         <a:buFont typeface="Arial"/>
-        <a:defRPr b="0" i="0" sz="1400" u="none" cap="none" strike="noStrike">
+        <a:defRPr sz="1400" b="0" i="0" u="none" strike="noStrike" cap="none">
           <a:solidFill>
             <a:srgbClr val="000000"/>
           </a:solidFill>
@@ -7952,7 +8042,7 @@
           <a:sym typeface="Arial"/>
         </a:defRPr>
       </a:lvl4pPr>
-      <a:lvl5pPr lvl="4" marR="0" rtl="0" algn="l">
+      <a:lvl5pPr marR="0" lvl="4" algn="l" rtl="0">
         <a:lnSpc>
           <a:spcPct val="100000"/>
         </a:lnSpc>
@@ -7966,7 +8056,7 @@
           <a:srgbClr val="000000"/>
         </a:buClr>
         <a:buFont typeface="Arial"/>
-        <a:defRPr b="0" i="0" sz="1400" u="none" cap="none" strike="noStrike">
+        <a:defRPr sz="1400" b="0" i="0" u="none" strike="noStrike" cap="none">
           <a:solidFill>
             <a:srgbClr val="000000"/>
           </a:solidFill>
@@ -7976,7 +8066,7 @@
           <a:sym typeface="Arial"/>
         </a:defRPr>
       </a:lvl5pPr>
-      <a:lvl6pPr lvl="5" marR="0" rtl="0" algn="l">
+      <a:lvl6pPr marR="0" lvl="5" algn="l" rtl="0">
         <a:lnSpc>
           <a:spcPct val="100000"/>
         </a:lnSpc>
@@ -7990,7 +8080,7 @@
           <a:srgbClr val="000000"/>
         </a:buClr>
         <a:buFont typeface="Arial"/>
-        <a:defRPr b="0" i="0" sz="1400" u="none" cap="none" strike="noStrike">
+        <a:defRPr sz="1400" b="0" i="0" u="none" strike="noStrike" cap="none">
           <a:solidFill>
             <a:srgbClr val="000000"/>
           </a:solidFill>
@@ -8000,7 +8090,7 @@
           <a:sym typeface="Arial"/>
         </a:defRPr>
       </a:lvl6pPr>
-      <a:lvl7pPr lvl="6" marR="0" rtl="0" algn="l">
+      <a:lvl7pPr marR="0" lvl="6" algn="l" rtl="0">
         <a:lnSpc>
           <a:spcPct val="100000"/>
         </a:lnSpc>
@@ -8014,7 +8104,7 @@
           <a:srgbClr val="000000"/>
         </a:buClr>
         <a:buFont typeface="Arial"/>
-        <a:defRPr b="0" i="0" sz="1400" u="none" cap="none" strike="noStrike">
+        <a:defRPr sz="1400" b="0" i="0" u="none" strike="noStrike" cap="none">
           <a:solidFill>
             <a:srgbClr val="000000"/>
           </a:solidFill>
@@ -8024,7 +8114,7 @@
           <a:sym typeface="Arial"/>
         </a:defRPr>
       </a:lvl7pPr>
-      <a:lvl8pPr lvl="7" marR="0" rtl="0" algn="l">
+      <a:lvl8pPr marR="0" lvl="7" algn="l" rtl="0">
         <a:lnSpc>
           <a:spcPct val="100000"/>
         </a:lnSpc>
@@ -8038,7 +8128,7 @@
           <a:srgbClr val="000000"/>
         </a:buClr>
         <a:buFont typeface="Arial"/>
-        <a:defRPr b="0" i="0" sz="1400" u="none" cap="none" strike="noStrike">
+        <a:defRPr sz="1400" b="0" i="0" u="none" strike="noStrike" cap="none">
           <a:solidFill>
             <a:srgbClr val="000000"/>
           </a:solidFill>
@@ -8048,7 +8138,7 @@
           <a:sym typeface="Arial"/>
         </a:defRPr>
       </a:lvl8pPr>
-      <a:lvl9pPr lvl="8" marR="0" rtl="0" algn="l">
+      <a:lvl9pPr marR="0" lvl="8" algn="l" rtl="0">
         <a:lnSpc>
           <a:spcPct val="100000"/>
         </a:lnSpc>
@@ -8062,7 +8152,7 @@
           <a:srgbClr val="000000"/>
         </a:buClr>
         <a:buFont typeface="Arial"/>
-        <a:defRPr b="0" i="0" sz="1400" u="none" cap="none" strike="noStrike">
+        <a:defRPr sz="1400" b="0" i="0" u="none" strike="noStrike" cap="none">
           <a:solidFill>
             <a:srgbClr val="000000"/>
           </a:solidFill>
@@ -8074,7 +8164,7 @@
       </a:lvl9pPr>
     </p:bodyStyle>
     <p:otherStyle>
-      <a:defPPr lvl="0" marR="0" rtl="0" algn="l">
+      <a:defPPr marR="0" lvl="0" algn="l" rtl="0">
         <a:lnSpc>
           <a:spcPct val="100000"/>
         </a:lnSpc>
@@ -8085,7 +8175,7 @@
           <a:spcPts val="0"/>
         </a:spcAft>
       </a:defPPr>
-      <a:lvl1pPr lvl="0" marR="0" rtl="0" algn="l">
+      <a:lvl1pPr marR="0" lvl="0" algn="l" rtl="0">
         <a:lnSpc>
           <a:spcPct val="100000"/>
         </a:lnSpc>
@@ -8099,7 +8189,7 @@
           <a:srgbClr val="000000"/>
         </a:buClr>
         <a:buFont typeface="Arial"/>
-        <a:defRPr b="0" i="0" sz="1400" u="none" cap="none" strike="noStrike">
+        <a:defRPr sz="1400" b="0" i="0" u="none" strike="noStrike" cap="none">
           <a:solidFill>
             <a:srgbClr val="000000"/>
           </a:solidFill>
@@ -8109,7 +8199,7 @@
           <a:sym typeface="Arial"/>
         </a:defRPr>
       </a:lvl1pPr>
-      <a:lvl2pPr lvl="1" marR="0" rtl="0" algn="l">
+      <a:lvl2pPr marR="0" lvl="1" algn="l" rtl="0">
         <a:lnSpc>
           <a:spcPct val="100000"/>
         </a:lnSpc>
@@ -8123,7 +8213,7 @@
           <a:srgbClr val="000000"/>
         </a:buClr>
         <a:buFont typeface="Arial"/>
-        <a:defRPr b="0" i="0" sz="1400" u="none" cap="none" strike="noStrike">
+        <a:defRPr sz="1400" b="0" i="0" u="none" strike="noStrike" cap="none">
           <a:solidFill>
             <a:srgbClr val="000000"/>
           </a:solidFill>
@@ -8133,7 +8223,7 @@
           <a:sym typeface="Arial"/>
         </a:defRPr>
       </a:lvl2pPr>
-      <a:lvl3pPr lvl="2" marR="0" rtl="0" algn="l">
+      <a:lvl3pPr marR="0" lvl="2" algn="l" rtl="0">
         <a:lnSpc>
           <a:spcPct val="100000"/>
         </a:lnSpc>
@@ -8147,7 +8237,7 @@
           <a:srgbClr val="000000"/>
         </a:buClr>
         <a:buFont typeface="Arial"/>
-        <a:defRPr b="0" i="0" sz="1400" u="none" cap="none" strike="noStrike">
+        <a:defRPr sz="1400" b="0" i="0" u="none" strike="noStrike" cap="none">
           <a:solidFill>
             <a:srgbClr val="000000"/>
           </a:solidFill>
@@ -8157,7 +8247,7 @@
           <a:sym typeface="Arial"/>
         </a:defRPr>
       </a:lvl3pPr>
-      <a:lvl4pPr lvl="3" marR="0" rtl="0" algn="l">
+      <a:lvl4pPr marR="0" lvl="3" algn="l" rtl="0">
         <a:lnSpc>
           <a:spcPct val="100000"/>
         </a:lnSpc>
@@ -8171,7 +8261,7 @@
           <a:srgbClr val="000000"/>
         </a:buClr>
         <a:buFont typeface="Arial"/>
-        <a:defRPr b="0" i="0" sz="1400" u="none" cap="none" strike="noStrike">
+        <a:defRPr sz="1400" b="0" i="0" u="none" strike="noStrike" cap="none">
           <a:solidFill>
             <a:srgbClr val="000000"/>
           </a:solidFill>
@@ -8181,7 +8271,7 @@
           <a:sym typeface="Arial"/>
         </a:defRPr>
       </a:lvl4pPr>
-      <a:lvl5pPr lvl="4" marR="0" rtl="0" algn="l">
+      <a:lvl5pPr marR="0" lvl="4" algn="l" rtl="0">
         <a:lnSpc>
           <a:spcPct val="100000"/>
         </a:lnSpc>
@@ -8195,7 +8285,7 @@
           <a:srgbClr val="000000"/>
         </a:buClr>
         <a:buFont typeface="Arial"/>
-        <a:defRPr b="0" i="0" sz="1400" u="none" cap="none" strike="noStrike">
+        <a:defRPr sz="1400" b="0" i="0" u="none" strike="noStrike" cap="none">
           <a:solidFill>
             <a:srgbClr val="000000"/>
           </a:solidFill>
@@ -8205,7 +8295,7 @@
           <a:sym typeface="Arial"/>
         </a:defRPr>
       </a:lvl5pPr>
-      <a:lvl6pPr lvl="5" marR="0" rtl="0" algn="l">
+      <a:lvl6pPr marR="0" lvl="5" algn="l" rtl="0">
         <a:lnSpc>
           <a:spcPct val="100000"/>
         </a:lnSpc>
@@ -8219,7 +8309,7 @@
           <a:srgbClr val="000000"/>
         </a:buClr>
         <a:buFont typeface="Arial"/>
-        <a:defRPr b="0" i="0" sz="1400" u="none" cap="none" strike="noStrike">
+        <a:defRPr sz="1400" b="0" i="0" u="none" strike="noStrike" cap="none">
           <a:solidFill>
             <a:srgbClr val="000000"/>
           </a:solidFill>
@@ -8229,7 +8319,7 @@
           <a:sym typeface="Arial"/>
         </a:defRPr>
       </a:lvl6pPr>
-      <a:lvl7pPr lvl="6" marR="0" rtl="0" algn="l">
+      <a:lvl7pPr marR="0" lvl="6" algn="l" rtl="0">
         <a:lnSpc>
           <a:spcPct val="100000"/>
         </a:lnSpc>
@@ -8243,7 +8333,7 @@
           <a:srgbClr val="000000"/>
         </a:buClr>
         <a:buFont typeface="Arial"/>
-        <a:defRPr b="0" i="0" sz="1400" u="none" cap="none" strike="noStrike">
+        <a:defRPr sz="1400" b="0" i="0" u="none" strike="noStrike" cap="none">
           <a:solidFill>
             <a:srgbClr val="000000"/>
           </a:solidFill>
@@ -8253,7 +8343,7 @@
           <a:sym typeface="Arial"/>
         </a:defRPr>
       </a:lvl7pPr>
-      <a:lvl8pPr lvl="7" marR="0" rtl="0" algn="l">
+      <a:lvl8pPr marR="0" lvl="7" algn="l" rtl="0">
         <a:lnSpc>
           <a:spcPct val="100000"/>
         </a:lnSpc>
@@ -8267,7 +8357,7 @@
           <a:srgbClr val="000000"/>
         </a:buClr>
         <a:buFont typeface="Arial"/>
-        <a:defRPr b="0" i="0" sz="1400" u="none" cap="none" strike="noStrike">
+        <a:defRPr sz="1400" b="0" i="0" u="none" strike="noStrike" cap="none">
           <a:solidFill>
             <a:srgbClr val="000000"/>
           </a:solidFill>
@@ -8277,7 +8367,7 @@
           <a:sym typeface="Arial"/>
         </a:defRPr>
       </a:lvl8pPr>
-      <a:lvl9pPr lvl="8" marR="0" rtl="0" algn="l">
+      <a:lvl9pPr marR="0" lvl="8" algn="l" rtl="0">
         <a:lnSpc>
           <a:spcPct val="100000"/>
         </a:lnSpc>
@@ -8291,7 +8381,7 @@
           <a:srgbClr val="000000"/>
         </a:buClr>
         <a:buFont typeface="Arial"/>
-        <a:defRPr b="0" i="0" sz="1400" u="none" cap="none" strike="noStrike">
+        <a:defRPr sz="1400" b="0" i="0" u="none" strike="noStrike" cap="none">
           <a:solidFill>
             <a:srgbClr val="000000"/>
           </a:solidFill>
@@ -8307,11 +8397,11 @@
 </file>
 
 <file path=ppt/slides/slide1.xml><?xml version="1.0" encoding="utf-8"?>
-<p:sld xmlns:a="http://schemas.openxmlformats.org/drawingml/2006/main" xmlns:r="http://schemas.openxmlformats.org/officeDocument/2006/relationships" xmlns:mc="http://schemas.openxmlformats.org/markup-compatibility/2006" xmlns:mv="urn:schemas-microsoft-com:mac:vml" xmlns:p="http://schemas.openxmlformats.org/presentationml/2006/main" xmlns:c="http://schemas.openxmlformats.org/drawingml/2006/chart" xmlns:dgm="http://schemas.openxmlformats.org/drawingml/2006/diagram" xmlns:o="urn:schemas-microsoft-com:office:office" xmlns:v="urn:schemas-microsoft-com:vml" xmlns:pvml="urn:schemas-microsoft-com:office:powerpoint" xmlns:com="http://schemas.openxmlformats.org/drawingml/2006/compatibility" xmlns:p14="http://schemas.microsoft.com/office/powerpoint/2010/main" xmlns:p15="http://schemas.microsoft.com/office/powerpoint/2012/main">
+<p:sld xmlns:a="http://schemas.openxmlformats.org/drawingml/2006/main" xmlns:r="http://schemas.openxmlformats.org/officeDocument/2006/relationships" xmlns:p="http://schemas.openxmlformats.org/presentationml/2006/main">
   <p:cSld>
     <p:spTree>
       <p:nvGrpSpPr>
-        <p:cNvPr id="91" name="Shape 91"/>
+        <p:cNvPr id="1" name="Shape 91"/>
         <p:cNvGrpSpPr/>
         <p:nvPr/>
       </p:nvGrpSpPr>
@@ -8326,9 +8416,11 @@
       <p:sp>
         <p:nvSpPr>
           <p:cNvPr id="92" name="Google Shape;92;p14"/>
-          <p:cNvSpPr txBox="1"/>
+          <p:cNvSpPr txBox="1">
+            <a:spLocks noGrp="1"/>
+          </p:cNvSpPr>
           <p:nvPr>
-            <p:ph idx="12" type="sldNum"/>
+            <p:ph type="sldNum" idx="12"/>
           </p:nvPr>
         </p:nvSpPr>
         <p:spPr>
@@ -8345,12 +8437,12 @@
           </a:ln>
         </p:spPr>
         <p:txBody>
-          <a:bodyPr anchorCtr="0" anchor="ctr" bIns="45700" lIns="91425" spcFirstLastPara="1" rIns="91425" wrap="square" tIns="45700">
+          <a:bodyPr spcFirstLastPara="1" wrap="square" lIns="91425" tIns="45700" rIns="91425" bIns="45700" anchor="ctr" anchorCtr="0">
             <a:noAutofit/>
           </a:bodyPr>
           <a:lstStyle/>
           <a:p>
-            <a:pPr indent="0" lvl="0" marL="0" rtl="0" algn="r">
+            <a:pPr marL="0" lvl="0" indent="0" algn="r" rtl="0">
               <a:spcBef>
                 <a:spcPts val="0"/>
               </a:spcBef>
@@ -8361,7 +8453,7 @@
             </a:pPr>
             <a:fld id="{00000000-1234-1234-1234-123412341234}" type="slidenum">
               <a:rPr lang="en-US"/>
-              <a:t>‹#›</a:t>
+              <a:t>1</a:t>
             </a:fld>
             <a:endParaRPr/>
           </a:p>
@@ -8387,12 +8479,12 @@
           </a:ln>
         </p:spPr>
         <p:txBody>
-          <a:bodyPr anchorCtr="0" anchor="t" bIns="45700" lIns="91425" spcFirstLastPara="1" rIns="91425" wrap="square" tIns="45700">
+          <a:bodyPr spcFirstLastPara="1" wrap="square" lIns="91425" tIns="45700" rIns="91425" bIns="45700" anchor="t" anchorCtr="0">
             <a:noAutofit/>
           </a:bodyPr>
           <a:lstStyle/>
           <a:p>
-            <a:pPr indent="0" lvl="0" marL="0" marR="0" rtl="0" algn="ctr">
+            <a:pPr marL="0" marR="0" lvl="0" indent="0" algn="ctr" rtl="0">
               <a:spcBef>
                 <a:spcPts val="0"/>
               </a:spcBef>
@@ -8402,7 +8494,7 @@
               <a:buNone/>
             </a:pPr>
             <a:r>
-              <a:rPr b="1" i="0" lang="en-US" sz="2800" u="sng" cap="none" strike="noStrike">
+              <a:rPr lang="en-US" sz="2800" b="1" i="0" u="sng" strike="noStrike" cap="none">
                 <a:solidFill>
                   <a:schemeClr val="dk2"/>
                 </a:solidFill>
@@ -8413,7 +8505,7 @@
               </a:rPr>
               <a:t>About Me: Jeremy Bergmann</a:t>
             </a:r>
-            <a:endParaRPr b="1" i="0" sz="2800" u="none" cap="none" strike="noStrike">
+            <a:endParaRPr sz="2800" b="1" i="0" u="none" strike="noStrike" cap="none">
               <a:solidFill>
                 <a:schemeClr val="dk2"/>
               </a:solidFill>
@@ -8433,7 +8525,7 @@
         </p:nvSpPr>
         <p:spPr>
           <a:xfrm>
-            <a:off x="1208598" y="1836588"/>
+            <a:off x="933295" y="1571116"/>
             <a:ext cx="4887401" cy="3416320"/>
           </a:xfrm>
           <a:prstGeom prst="rect">
@@ -8445,12 +8537,12 @@
           </a:ln>
         </p:spPr>
         <p:txBody>
-          <a:bodyPr anchorCtr="0" anchor="t" bIns="45700" lIns="91425" spcFirstLastPara="1" rIns="91425" wrap="square" tIns="45700">
+          <a:bodyPr spcFirstLastPara="1" wrap="square" lIns="91425" tIns="45700" rIns="91425" bIns="45700" anchor="t" anchorCtr="0">
             <a:noAutofit/>
           </a:bodyPr>
           <a:lstStyle/>
           <a:p>
-            <a:pPr indent="0" lvl="0" marL="0" marR="0" rtl="0" algn="ctr">
+            <a:pPr marL="0" marR="0" lvl="0" indent="0" algn="ctr" rtl="0">
               <a:spcBef>
                 <a:spcPts val="0"/>
               </a:spcBef>
@@ -8460,7 +8552,7 @@
               <a:buNone/>
             </a:pPr>
             <a:r>
-              <a:rPr b="1" i="0" lang="en-US" sz="2400" u="sng" cap="none" strike="noStrike">
+              <a:rPr lang="en-US" sz="2400" b="1" i="0" u="sng" strike="noStrike" cap="none" dirty="0">
                 <a:solidFill>
                   <a:schemeClr val="dk2"/>
                 </a:solidFill>
@@ -8471,10 +8563,10 @@
               </a:rPr>
               <a:t>About Me</a:t>
             </a:r>
-            <a:endParaRPr/>
+            <a:endParaRPr dirty="0"/>
           </a:p>
           <a:p>
-            <a:pPr indent="0" lvl="0" marL="0" marR="0" rtl="0" algn="ctr">
+            <a:pPr marL="0" marR="0" lvl="0" indent="0" algn="ctr" rtl="0">
               <a:spcBef>
                 <a:spcPts val="0"/>
               </a:spcBef>
@@ -8484,7 +8576,7 @@
               <a:buNone/>
             </a:pPr>
             <a:r>
-              <a:rPr b="0" i="0" lang="en-US" sz="2400" u="none" cap="none" strike="noStrike">
+              <a:rPr lang="en-US" sz="2400" b="0" i="0" u="none" strike="noStrike" cap="none" dirty="0">
                 <a:solidFill>
                   <a:schemeClr val="dk2"/>
                 </a:solidFill>
@@ -8493,10 +8585,10 @@
                 <a:cs typeface="Calibri"/>
                 <a:sym typeface="Calibri"/>
               </a:rPr>
-              <a:t>Father of 3 Girls – 10, </a:t>
+              <a:t>Father of 3 Girls – 12, </a:t>
             </a:r>
             <a:r>
-              <a:rPr lang="en-US" sz="2400">
+              <a:rPr lang="en-US" sz="2400" dirty="0">
                 <a:solidFill>
                   <a:schemeClr val="dk2"/>
                 </a:solidFill>
@@ -8505,10 +8597,10 @@
                 <a:cs typeface="Calibri"/>
                 <a:sym typeface="Calibri"/>
               </a:rPr>
-              <a:t>7</a:t>
+              <a:t>9</a:t>
             </a:r>
             <a:r>
-              <a:rPr b="0" i="0" lang="en-US" sz="2400" u="none" cap="none" strike="noStrike">
+              <a:rPr lang="en-US" sz="2400" b="0" i="0" u="none" strike="noStrike" cap="none" dirty="0">
                 <a:solidFill>
                   <a:schemeClr val="dk2"/>
                 </a:solidFill>
@@ -8517,12 +8609,12 @@
                 <a:cs typeface="Calibri"/>
                 <a:sym typeface="Calibri"/>
               </a:rPr>
-              <a:t>, Infant</a:t>
+              <a:t>, 3</a:t>
             </a:r>
-            <a:endParaRPr/>
+            <a:endParaRPr dirty="0"/>
           </a:p>
           <a:p>
-            <a:pPr indent="0" lvl="0" marL="0" marR="0" rtl="0" algn="ctr">
+            <a:pPr marL="0" marR="0" lvl="0" indent="0" algn="ctr" rtl="0">
               <a:spcBef>
                 <a:spcPts val="0"/>
               </a:spcBef>
@@ -8532,7 +8624,7 @@
               <a:buNone/>
             </a:pPr>
             <a:r>
-              <a:rPr b="0" i="0" lang="en-US" sz="2400" u="none" cap="none" strike="noStrike">
+              <a:rPr lang="en-US" sz="2400" b="0" i="0" u="none" strike="noStrike" cap="none" dirty="0">
                 <a:solidFill>
                   <a:schemeClr val="dk2"/>
                 </a:solidFill>
@@ -8543,10 +8635,10 @@
               </a:rPr>
               <a:t>Lifetime Learner/Teacher</a:t>
             </a:r>
-            <a:endParaRPr/>
+            <a:endParaRPr dirty="0"/>
           </a:p>
           <a:p>
-            <a:pPr indent="0" lvl="0" marL="0" marR="0" rtl="0" algn="ctr">
+            <a:pPr marL="0" marR="0" lvl="0" indent="0" algn="ctr" rtl="0">
               <a:spcBef>
                 <a:spcPts val="0"/>
               </a:spcBef>
@@ -8556,7 +8648,7 @@
               <a:buNone/>
             </a:pPr>
             <a:r>
-              <a:rPr b="0" i="0" lang="en-US" sz="2400" u="none" cap="none" strike="noStrike">
+              <a:rPr lang="en-US" sz="2400" b="0" i="0" u="none" strike="noStrike" cap="none" dirty="0">
                 <a:solidFill>
                   <a:schemeClr val="dk2"/>
                 </a:solidFill>
@@ -8567,10 +8659,10 @@
               </a:rPr>
               <a:t>BI&amp;A Pro - Tech Entrepreneur</a:t>
             </a:r>
-            <a:endParaRPr/>
+            <a:endParaRPr dirty="0"/>
           </a:p>
           <a:p>
-            <a:pPr indent="0" lvl="0" marL="0" marR="0" rtl="0" algn="ctr">
+            <a:pPr marL="0" marR="0" lvl="0" indent="0" algn="ctr" rtl="0">
               <a:spcBef>
                 <a:spcPts val="0"/>
               </a:spcBef>
@@ -8579,10 +8671,7 @@
               </a:spcAft>
               <a:buNone/>
             </a:pPr>
-            <a:r>
-              <a:t/>
-            </a:r>
-            <a:endParaRPr b="1" i="0" sz="2400" u="none" cap="none" strike="noStrike">
+            <a:endParaRPr sz="2400" b="1" i="0" u="none" strike="noStrike" cap="none" dirty="0">
               <a:solidFill>
                 <a:schemeClr val="dk2"/>
               </a:solidFill>
@@ -8593,7 +8682,7 @@
             </a:endParaRPr>
           </a:p>
           <a:p>
-            <a:pPr indent="0" lvl="0" marL="0" marR="0" rtl="0" algn="ctr">
+            <a:pPr marL="0" marR="0" lvl="0" indent="0" algn="ctr" rtl="0">
               <a:spcBef>
                 <a:spcPts val="0"/>
               </a:spcBef>
@@ -8603,7 +8692,7 @@
               <a:buNone/>
             </a:pPr>
             <a:r>
-              <a:rPr b="1" i="0" lang="en-US" sz="2400" u="sng" cap="none" strike="noStrike">
+              <a:rPr lang="en-US" sz="2400" b="1" i="0" u="sng" strike="noStrike" cap="none" dirty="0">
                 <a:solidFill>
                   <a:schemeClr val="dk2"/>
                 </a:solidFill>
@@ -8614,7 +8703,7 @@
               </a:rPr>
               <a:t>Hobbies/Passions</a:t>
             </a:r>
-            <a:endParaRPr b="1" i="0" sz="2400" u="none" cap="none" strike="noStrike">
+            <a:endParaRPr sz="2400" b="1" i="0" u="none" strike="noStrike" cap="none" dirty="0">
               <a:solidFill>
                 <a:schemeClr val="dk2"/>
               </a:solidFill>
@@ -8625,7 +8714,7 @@
             </a:endParaRPr>
           </a:p>
           <a:p>
-            <a:pPr indent="0" lvl="0" marL="0" marR="0" rtl="0" algn="ctr">
+            <a:pPr marL="0" marR="0" lvl="0" indent="0" algn="ctr" rtl="0">
               <a:spcBef>
                 <a:spcPts val="0"/>
               </a:spcBef>
@@ -8635,7 +8724,7 @@
               <a:buNone/>
             </a:pPr>
             <a:r>
-              <a:rPr b="0" i="0" lang="en-US" sz="2400" u="none" cap="none" strike="noStrike">
+              <a:rPr lang="en-US" sz="2400" b="0" i="0" u="none" strike="noStrike" cap="none" dirty="0">
                 <a:solidFill>
                   <a:schemeClr val="dk2"/>
                 </a:solidFill>
@@ -8646,10 +8735,9 @@
               </a:rPr>
               <a:t>Analysis &amp; Statistics</a:t>
             </a:r>
-            <a:endParaRPr/>
           </a:p>
           <a:p>
-            <a:pPr indent="0" lvl="0" marL="0" marR="0" rtl="0" algn="ctr">
+            <a:pPr marL="0" marR="0" lvl="0" indent="0" algn="ctr" rtl="0">
               <a:spcBef>
                 <a:spcPts val="0"/>
               </a:spcBef>
@@ -8659,7 +8747,30 @@
               <a:buNone/>
             </a:pPr>
             <a:r>
-              <a:rPr b="0" i="0" lang="en-US" sz="2400" u="none" cap="none" strike="noStrike">
+              <a:rPr lang="en-US" sz="2400" dirty="0">
+                <a:solidFill>
+                  <a:schemeClr val="dk2"/>
+                </a:solidFill>
+                <a:latin typeface="Calibri"/>
+                <a:cs typeface="Calibri"/>
+                <a:sym typeface="Calibri"/>
+              </a:rPr>
+              <a:t>Business News, Crypto</a:t>
+            </a:r>
+            <a:endParaRPr dirty="0"/>
+          </a:p>
+          <a:p>
+            <a:pPr marL="0" marR="0" lvl="0" indent="0" algn="ctr" rtl="0">
+              <a:spcBef>
+                <a:spcPts val="0"/>
+              </a:spcBef>
+              <a:spcAft>
+                <a:spcPts val="0"/>
+              </a:spcAft>
+              <a:buNone/>
+            </a:pPr>
+            <a:r>
+              <a:rPr lang="en-US" sz="2400" b="0" i="0" u="none" strike="noStrike" cap="none" dirty="0">
                 <a:solidFill>
                   <a:schemeClr val="dk2"/>
                 </a:solidFill>
@@ -8668,10 +8779,22 @@
                 <a:cs typeface="Calibri"/>
                 <a:sym typeface="Calibri"/>
               </a:rPr>
-              <a:t>Sports – Playing, Analysis, Strategy</a:t>
+              <a:t>Sports – Playing, Analysis, Coaching                                       </a:t>
             </a:r>
+            <a:endParaRPr dirty="0"/>
+          </a:p>
+          <a:p>
+            <a:pPr marL="0" marR="0" lvl="0" indent="0" algn="ctr" rtl="0">
+              <a:spcBef>
+                <a:spcPts val="0"/>
+              </a:spcBef>
+              <a:spcAft>
+                <a:spcPts val="0"/>
+              </a:spcAft>
+              <a:buNone/>
+            </a:pPr>
             <a:r>
-              <a:rPr b="0" i="0" lang="en-US" sz="2400" u="sng" cap="none" strike="noStrike">
+              <a:rPr lang="en-US" sz="2400" b="0" i="0" u="none" strike="noStrike" cap="none" dirty="0">
                 <a:solidFill>
                   <a:schemeClr val="dk2"/>
                 </a:solidFill>
@@ -8680,73 +8803,40 @@
                 <a:cs typeface="Calibri"/>
                 <a:sym typeface="Calibri"/>
               </a:rPr>
-              <a:t> </a:t>
+              <a:t>Reading, Exercise, Teaching</a:t>
             </a:r>
-            <a:r>
-              <a:rPr b="0" i="0" lang="en-US" sz="2400" u="none" cap="none" strike="noStrike">
-                <a:solidFill>
-                  <a:schemeClr val="dk2"/>
-                </a:solidFill>
-                <a:latin typeface="Calibri"/>
-                <a:ea typeface="Calibri"/>
-                <a:cs typeface="Calibri"/>
-                <a:sym typeface="Calibri"/>
-              </a:rPr>
-              <a:t>                                        </a:t>
-            </a:r>
-            <a:endParaRPr/>
-          </a:p>
-          <a:p>
-            <a:pPr indent="0" lvl="0" marL="0" marR="0" rtl="0" algn="ctr">
-              <a:spcBef>
-                <a:spcPts val="0"/>
-              </a:spcBef>
-              <a:spcAft>
-                <a:spcPts val="0"/>
-              </a:spcAft>
-              <a:buNone/>
-            </a:pPr>
-            <a:r>
-              <a:rPr b="0" i="0" lang="en-US" sz="2400" u="none" cap="none" strike="noStrike">
-                <a:solidFill>
-                  <a:schemeClr val="dk2"/>
-                </a:solidFill>
-                <a:latin typeface="Calibri"/>
-                <a:ea typeface="Calibri"/>
-                <a:cs typeface="Calibri"/>
-                <a:sym typeface="Calibri"/>
-              </a:rPr>
-              <a:t>Reading, Exercise, Playing Cards</a:t>
-            </a:r>
-            <a:endParaRPr/>
+            <a:endParaRPr dirty="0"/>
           </a:p>
         </p:txBody>
       </p:sp>
       <p:pic>
         <p:nvPicPr>
-          <p:cNvPr descr="Image may contain: 2 people, including Jeremy Bergmann, people smiling, baby, beard and closeup" id="95" name="Google Shape;95;p14"/>
-          <p:cNvPicPr preferRelativeResize="0"/>
+          <p:cNvPr id="5" name="Picture 4">
+            <a:extLst>
+              <a:ext uri="{FF2B5EF4-FFF2-40B4-BE49-F238E27FC236}">
+                <a16:creationId xmlns:a16="http://schemas.microsoft.com/office/drawing/2014/main" id="{C647B82E-D521-4D93-BE73-5D4AB14C4D4C}"/>
+              </a:ext>
+            </a:extLst>
+          </p:cNvPr>
+          <p:cNvPicPr>
+            <a:picLocks noChangeAspect="1"/>
+          </p:cNvPicPr>
           <p:nvPr/>
         </p:nvPicPr>
-        <p:blipFill rotWithShape="1">
-          <a:blip r:embed="rId3">
-            <a:alphaModFix/>
-          </a:blip>
-          <a:srcRect b="0" l="0" r="0" t="0"/>
-          <a:stretch/>
+        <p:blipFill>
+          <a:blip r:embed="rId3"/>
+          <a:stretch>
+            <a:fillRect/>
+          </a:stretch>
         </p:blipFill>
         <p:spPr>
           <a:xfrm>
-            <a:off x="6504151" y="1310099"/>
-            <a:ext cx="3885152" cy="5180225"/>
+            <a:off x="6096000" y="1668486"/>
+            <a:ext cx="5374545" cy="3854594"/>
           </a:xfrm>
           <a:prstGeom prst="rect">
             <a:avLst/>
           </a:prstGeom>
-          <a:noFill/>
-          <a:ln>
-            <a:noFill/>
-          </a:ln>
         </p:spPr>
       </p:pic>
     </p:spTree>
@@ -8758,11 +8848,11 @@
 </file>
 
 <file path=ppt/slides/slide2.xml><?xml version="1.0" encoding="utf-8"?>
-<p:sld xmlns:a="http://schemas.openxmlformats.org/drawingml/2006/main" xmlns:r="http://schemas.openxmlformats.org/officeDocument/2006/relationships" xmlns:mc="http://schemas.openxmlformats.org/markup-compatibility/2006" xmlns:mv="urn:schemas-microsoft-com:mac:vml" xmlns:p="http://schemas.openxmlformats.org/presentationml/2006/main" xmlns:c="http://schemas.openxmlformats.org/drawingml/2006/chart" xmlns:dgm="http://schemas.openxmlformats.org/drawingml/2006/diagram" xmlns:o="urn:schemas-microsoft-com:office:office" xmlns:v="urn:schemas-microsoft-com:vml" xmlns:pvml="urn:schemas-microsoft-com:office:powerpoint" xmlns:com="http://schemas.openxmlformats.org/drawingml/2006/compatibility" xmlns:p14="http://schemas.microsoft.com/office/powerpoint/2010/main" xmlns:p15="http://schemas.microsoft.com/office/powerpoint/2012/main">
+<p:sld xmlns:a="http://schemas.openxmlformats.org/drawingml/2006/main" xmlns:r="http://schemas.openxmlformats.org/officeDocument/2006/relationships" xmlns:p="http://schemas.openxmlformats.org/presentationml/2006/main">
   <p:cSld>
     <p:spTree>
       <p:nvGrpSpPr>
-        <p:cNvPr id="99" name="Shape 99"/>
+        <p:cNvPr id="1" name="Shape 99"/>
         <p:cNvGrpSpPr/>
         <p:nvPr/>
       </p:nvGrpSpPr>
@@ -8777,9 +8867,11 @@
       <p:sp>
         <p:nvSpPr>
           <p:cNvPr id="100" name="Google Shape;100;p15"/>
-          <p:cNvSpPr txBox="1"/>
+          <p:cNvSpPr txBox="1">
+            <a:spLocks noGrp="1"/>
+          </p:cNvSpPr>
           <p:nvPr>
-            <p:ph idx="12" type="sldNum"/>
+            <p:ph type="sldNum" idx="12"/>
           </p:nvPr>
         </p:nvSpPr>
         <p:spPr>
@@ -8796,12 +8888,12 @@
           </a:ln>
         </p:spPr>
         <p:txBody>
-          <a:bodyPr anchorCtr="0" anchor="ctr" bIns="45700" lIns="91425" spcFirstLastPara="1" rIns="91425" wrap="square" tIns="45700">
+          <a:bodyPr spcFirstLastPara="1" wrap="square" lIns="91425" tIns="45700" rIns="91425" bIns="45700" anchor="ctr" anchorCtr="0">
             <a:noAutofit/>
           </a:bodyPr>
           <a:lstStyle/>
           <a:p>
-            <a:pPr indent="0" lvl="0" marL="0" rtl="0" algn="r">
+            <a:pPr marL="0" lvl="0" indent="0" algn="r" rtl="0">
               <a:spcBef>
                 <a:spcPts val="0"/>
               </a:spcBef>
@@ -8816,7 +8908,7 @@
             </a:pPr>
             <a:fld id="{00000000-1234-1234-1234-123412341234}" type="slidenum">
               <a:rPr lang="en-US"/>
-              <a:t>‹#›</a:t>
+              <a:t>2</a:t>
             </a:fld>
             <a:endParaRPr/>
           </a:p>
@@ -8842,12 +8934,12 @@
           </a:ln>
         </p:spPr>
         <p:txBody>
-          <a:bodyPr anchorCtr="0" anchor="t" bIns="45700" lIns="91425" spcFirstLastPara="1" rIns="91425" wrap="square" tIns="45700">
+          <a:bodyPr spcFirstLastPara="1" wrap="square" lIns="91425" tIns="45700" rIns="91425" bIns="45700" anchor="t" anchorCtr="0">
             <a:noAutofit/>
           </a:bodyPr>
           <a:lstStyle/>
           <a:p>
-            <a:pPr indent="0" lvl="0" marL="0" marR="0" rtl="0" algn="ctr">
+            <a:pPr marL="0" marR="0" lvl="0" indent="0" algn="ctr" rtl="0">
               <a:spcBef>
                 <a:spcPts val="0"/>
               </a:spcBef>
@@ -8857,7 +8949,7 @@
               <a:buNone/>
             </a:pPr>
             <a:r>
-              <a:rPr b="1" i="0" lang="en-US" sz="2800" u="sng" cap="none" strike="noStrike">
+              <a:rPr lang="en-US" sz="2800" b="1" i="0" u="sng" strike="noStrike" cap="none">
                 <a:solidFill>
                   <a:schemeClr val="dk2"/>
                 </a:solidFill>
@@ -8868,7 +8960,7 @@
               </a:rPr>
               <a:t>Background &amp; Expertise</a:t>
             </a:r>
-            <a:endParaRPr b="1" i="0" sz="2800" u="none" cap="none" strike="noStrike">
+            <a:endParaRPr sz="2800" b="1" i="0" u="none" strike="noStrike" cap="none">
               <a:solidFill>
                 <a:schemeClr val="dk2"/>
               </a:solidFill>
@@ -8888,8 +8980,8 @@
         </p:nvSpPr>
         <p:spPr>
           <a:xfrm>
-            <a:off x="6025603" y="4151577"/>
-            <a:ext cx="5751252" cy="2585323"/>
+            <a:off x="5900423" y="4383725"/>
+            <a:ext cx="5751252" cy="2023081"/>
           </a:xfrm>
           <a:prstGeom prst="rect">
             <a:avLst/>
@@ -8900,12 +8992,12 @@
           </a:ln>
         </p:spPr>
         <p:txBody>
-          <a:bodyPr anchorCtr="0" anchor="t" bIns="45700" lIns="91425" spcFirstLastPara="1" rIns="91425" wrap="square" tIns="45700">
+          <a:bodyPr spcFirstLastPara="1" wrap="square" lIns="91425" tIns="45700" rIns="91425" bIns="45700" anchor="t" anchorCtr="0">
             <a:noAutofit/>
           </a:bodyPr>
           <a:lstStyle/>
           <a:p>
-            <a:pPr indent="0" lvl="0" marL="0" marR="0" rtl="0" algn="ctr">
+            <a:pPr marL="0" marR="0" lvl="0" indent="0" algn="ctr" rtl="0">
               <a:spcBef>
                 <a:spcPts val="0"/>
               </a:spcBef>
@@ -8915,7 +9007,7 @@
               <a:buNone/>
             </a:pPr>
             <a:r>
-              <a:rPr b="1" i="0" lang="en-US" sz="1800" u="sng" cap="none" strike="noStrike">
+              <a:rPr lang="en-US" sz="1800" b="1" i="0" u="sng" strike="noStrike" cap="none" dirty="0">
                 <a:solidFill>
                   <a:schemeClr val="dk2"/>
                 </a:solidFill>
@@ -8926,10 +9018,10 @@
               </a:rPr>
               <a:t>JB Analytics Consulting</a:t>
             </a:r>
-            <a:endParaRPr/>
+            <a:endParaRPr dirty="0"/>
           </a:p>
           <a:p>
-            <a:pPr indent="0" lvl="0" marL="0" marR="0" rtl="0" algn="ctr">
+            <a:pPr marL="0" marR="0" lvl="0" indent="0" algn="ctr" rtl="0">
               <a:spcBef>
                 <a:spcPts val="0"/>
               </a:spcBef>
@@ -8939,7 +9031,7 @@
               <a:buNone/>
             </a:pPr>
             <a:r>
-              <a:rPr b="1" i="0" lang="en-US" sz="1800" u="sng" cap="none" strike="noStrike">
+              <a:rPr lang="en-US" sz="1800" b="1" i="0" u="sng" strike="noStrike" cap="none" dirty="0">
                 <a:solidFill>
                   <a:schemeClr val="dk2"/>
                 </a:solidFill>
@@ -8951,7 +9043,7 @@
               <a:t>Training</a:t>
             </a:r>
             <a:r>
-              <a:rPr b="0" i="0" lang="en-US" sz="1800" u="none" cap="none" strike="noStrike">
+              <a:rPr lang="en-US" sz="1800" b="0" i="0" u="none" strike="noStrike" cap="none" dirty="0">
                 <a:solidFill>
                   <a:schemeClr val="dk2"/>
                 </a:solidFill>
@@ -8960,12 +9052,60 @@
                 <a:cs typeface="Calibri"/>
                 <a:sym typeface="Calibri"/>
               </a:rPr>
-              <a:t>:  BI&amp;A Software &amp; Technology, Data Visualization, Business Insights &amp; Analytics </a:t>
+              <a:t>:  BI&amp;A </a:t>
             </a:r>
-            <a:endParaRPr/>
+            <a:r>
+              <a:rPr lang="en-US" sz="1800" dirty="0">
+                <a:solidFill>
+                  <a:schemeClr val="dk2"/>
+                </a:solidFill>
+                <a:latin typeface="Calibri"/>
+                <a:ea typeface="Calibri"/>
+                <a:cs typeface="Calibri"/>
+                <a:sym typeface="Calibri"/>
+              </a:rPr>
+              <a:t>&amp; Cloud </a:t>
+            </a:r>
+            <a:r>
+              <a:rPr lang="en-US" sz="1800" b="0" i="0" u="none" strike="noStrike" cap="none" dirty="0">
+                <a:solidFill>
+                  <a:schemeClr val="dk2"/>
+                </a:solidFill>
+                <a:latin typeface="Calibri"/>
+                <a:ea typeface="Calibri"/>
+                <a:cs typeface="Calibri"/>
+                <a:sym typeface="Calibri"/>
+              </a:rPr>
+              <a:t>Technologies, Data Visualization, </a:t>
+            </a:r>
+            <a:r>
+              <a:rPr lang="en-US" sz="1800" dirty="0">
+                <a:solidFill>
+                  <a:schemeClr val="dk2"/>
+                </a:solidFill>
+                <a:latin typeface="Calibri"/>
+                <a:ea typeface="Calibri"/>
+                <a:cs typeface="Calibri"/>
+                <a:sym typeface="Calibri"/>
+              </a:rPr>
+              <a:t>Crypto &amp; Blockchain,</a:t>
+            </a:r>
+            <a:r>
+              <a:rPr lang="en-US" sz="1800" b="0" i="0" u="none" strike="noStrike" cap="none" dirty="0">
+                <a:solidFill>
+                  <a:schemeClr val="dk2"/>
+                </a:solidFill>
+                <a:latin typeface="Calibri"/>
+                <a:ea typeface="Calibri"/>
+                <a:cs typeface="Calibri"/>
+                <a:sym typeface="Calibri"/>
+              </a:rPr>
+              <a:t> Data Science </a:t>
+            </a:r>
+            <a:endParaRPr dirty="0"/>
           </a:p>
           <a:p>
-            <a:pPr indent="-171450" lvl="0" marL="285750" marR="0" rtl="0" algn="ctr">
+            <a:pPr marL="285750" marR="0" lvl="0" indent="-171450" algn="ctr" rtl="0">
               <a:spcBef>
                 <a:spcPts val="0"/>
               </a:spcBef>
@@ -8979,10 +9119,7 @@
               <a:buFont typeface="Calibri"/>
               <a:buNone/>
             </a:pPr>
-            <a:r>
-              <a:t/>
-            </a:r>
-            <a:endParaRPr b="0" i="0" sz="1800" u="none" cap="none" strike="noStrike">
+            <a:endParaRPr sz="1800" b="0" i="0" u="none" strike="noStrike" cap="none" dirty="0">
               <a:solidFill>
                 <a:schemeClr val="dk2"/>
               </a:solidFill>
@@ -8993,7 +9130,7 @@
             </a:endParaRPr>
           </a:p>
           <a:p>
-            <a:pPr indent="0" lvl="0" marL="0" marR="0" rtl="0" algn="ctr">
+            <a:pPr marL="0" marR="0" lvl="0" indent="0" algn="ctr" rtl="0">
               <a:spcBef>
                 <a:spcPts val="0"/>
               </a:spcBef>
@@ -9003,7 +9140,7 @@
               <a:buNone/>
             </a:pPr>
             <a:r>
-              <a:rPr b="1" i="0" lang="en-US" sz="1800" u="sng" cap="none" strike="noStrike">
+              <a:rPr lang="en-US" sz="1800" b="1" i="0" u="sng" strike="noStrike" cap="none" dirty="0">
                 <a:solidFill>
                   <a:schemeClr val="dk2"/>
                 </a:solidFill>
@@ -9012,10 +9149,10 @@
                 <a:cs typeface="Calibri"/>
                 <a:sym typeface="Calibri"/>
               </a:rPr>
-              <a:t>Consulting</a:t>
+              <a:t>Services</a:t>
             </a:r>
             <a:r>
-              <a:rPr b="0" i="0" lang="en-US" sz="1800" u="none" cap="none" strike="noStrike">
+              <a:rPr lang="en-US" sz="1800" b="0" i="0" u="none" strike="noStrike" cap="none" dirty="0">
                 <a:solidFill>
                   <a:schemeClr val="dk2"/>
                 </a:solidFill>
@@ -9024,76 +9161,9 @@
                 <a:cs typeface="Calibri"/>
                 <a:sym typeface="Calibri"/>
               </a:rPr>
-              <a:t>:  BI&amp;A Strategy, Machine Learning/AI, Natural Language Processing, Platform Design &amp; Architecture </a:t>
+              <a:t>:  BI&amp;A Strategy, Machine Learning/AI, Natural Language Processing, Platform Design &amp; Architecture</a:t>
             </a:r>
-            <a:endParaRPr/>
-          </a:p>
-          <a:p>
-            <a:pPr indent="0" lvl="0" marL="0" marR="0" rtl="0" algn="ctr">
-              <a:spcBef>
-                <a:spcPts val="0"/>
-              </a:spcBef>
-              <a:spcAft>
-                <a:spcPts val="0"/>
-              </a:spcAft>
-              <a:buNone/>
-            </a:pPr>
-            <a:r>
-              <a:t/>
-            </a:r>
-            <a:endParaRPr b="0" i="0" sz="1800" u="none" cap="none" strike="noStrike">
-              <a:solidFill>
-                <a:schemeClr val="dk2"/>
-              </a:solidFill>
-              <a:latin typeface="Calibri"/>
-              <a:ea typeface="Calibri"/>
-              <a:cs typeface="Calibri"/>
-              <a:sym typeface="Calibri"/>
-            </a:endParaRPr>
-          </a:p>
-          <a:p>
-            <a:pPr indent="0" lvl="0" marL="0" marR="0" rtl="0" algn="ctr">
-              <a:spcBef>
-                <a:spcPts val="0"/>
-              </a:spcBef>
-              <a:spcAft>
-                <a:spcPts val="0"/>
-              </a:spcAft>
-              <a:buNone/>
-            </a:pPr>
-            <a:r>
-              <a:rPr b="1" i="0" lang="en-US" sz="1800" u="sng" cap="none" strike="noStrike">
-                <a:solidFill>
-                  <a:schemeClr val="dk2"/>
-                </a:solidFill>
-                <a:latin typeface="Calibri"/>
-                <a:ea typeface="Calibri"/>
-                <a:cs typeface="Calibri"/>
-                <a:sym typeface="Calibri"/>
-              </a:rPr>
-              <a:t>Contracting</a:t>
-            </a:r>
-            <a:r>
-              <a:rPr b="0" i="0" lang="en-US" sz="1800" u="none" cap="none" strike="noStrike">
-                <a:solidFill>
-                  <a:schemeClr val="dk2"/>
-                </a:solidFill>
-                <a:latin typeface="Calibri"/>
-                <a:ea typeface="Calibri"/>
-                <a:cs typeface="Calibri"/>
-                <a:sym typeface="Calibri"/>
-              </a:rPr>
-              <a:t>:  BI Platform Setup &amp; Configuration, BI &amp; Database Development, Advanced Analytics - ML/AI &amp; NLP</a:t>
-            </a:r>
-            <a:endParaRPr b="0" i="0" sz="1800" u="none" cap="none" strike="noStrike">
-              <a:solidFill>
-                <a:schemeClr val="dk1"/>
-              </a:solidFill>
-              <a:latin typeface="Calibri"/>
-              <a:ea typeface="Calibri"/>
-              <a:cs typeface="Calibri"/>
-              <a:sym typeface="Calibri"/>
-            </a:endParaRPr>
+            <a:endParaRPr dirty="0"/>
           </a:p>
         </p:txBody>
       </p:sp>
@@ -9105,7 +9175,7 @@
         </p:nvSpPr>
         <p:spPr>
           <a:xfrm>
-            <a:off x="840525" y="3043600"/>
+            <a:off x="760257" y="2845612"/>
             <a:ext cx="5010000" cy="3693300"/>
           </a:xfrm>
           <a:prstGeom prst="rect">
@@ -9117,12 +9187,12 @@
           </a:ln>
         </p:spPr>
         <p:txBody>
-          <a:bodyPr anchorCtr="0" anchor="t" bIns="45700" lIns="91425" spcFirstLastPara="1" rIns="91425" wrap="square" tIns="45700">
+          <a:bodyPr spcFirstLastPara="1" wrap="square" lIns="91425" tIns="45700" rIns="91425" bIns="45700" anchor="t" anchorCtr="0">
             <a:noAutofit/>
           </a:bodyPr>
           <a:lstStyle/>
           <a:p>
-            <a:pPr indent="0" lvl="0" marL="0" marR="0" rtl="0" algn="ctr">
+            <a:pPr marL="0" marR="0" lvl="0" indent="0" algn="ctr" rtl="0">
               <a:spcBef>
                 <a:spcPts val="0"/>
               </a:spcBef>
@@ -9132,7 +9202,7 @@
               <a:buNone/>
             </a:pPr>
             <a:r>
-              <a:rPr b="1" i="0" lang="en-US" sz="1800" u="sng" cap="none" strike="noStrike">
+              <a:rPr lang="en-US" sz="1800" b="1" i="0" u="sng" strike="noStrike" cap="none" dirty="0">
                 <a:solidFill>
                   <a:schemeClr val="dk2"/>
                 </a:solidFill>
@@ -9144,7 +9214,7 @@
               <a:t>Experience</a:t>
             </a:r>
             <a:r>
-              <a:rPr b="1" i="0" lang="en-US" sz="1800" u="none" cap="none" strike="noStrike">
+              <a:rPr lang="en-US" sz="1800" b="1" i="0" u="none" strike="noStrike" cap="none" dirty="0">
                 <a:solidFill>
                   <a:schemeClr val="dk2"/>
                 </a:solidFill>
@@ -9155,10 +9225,10 @@
               </a:rPr>
               <a:t> </a:t>
             </a:r>
-            <a:endParaRPr/>
+            <a:endParaRPr dirty="0"/>
           </a:p>
           <a:p>
-            <a:pPr indent="0" lvl="0" marL="0" marR="0" rtl="0" algn="ctr">
+            <a:pPr marL="0" marR="0" lvl="0" indent="0" algn="ctr" rtl="0">
               <a:spcBef>
                 <a:spcPts val="0"/>
               </a:spcBef>
@@ -9168,7 +9238,7 @@
               <a:buNone/>
             </a:pPr>
             <a:r>
-              <a:rPr b="0" i="0" lang="en-US" sz="1800" u="none" cap="none" strike="noStrike">
+              <a:rPr lang="en-US" sz="1800" b="0" i="0" u="none" strike="noStrike" cap="none" dirty="0">
                 <a:solidFill>
                   <a:schemeClr val="dk2"/>
                 </a:solidFill>
@@ -9177,12 +9247,12 @@
                 <a:cs typeface="Calibri"/>
                 <a:sym typeface="Calibri"/>
               </a:rPr>
-              <a:t>10+ Years Business Intelligence &amp; Analytics, Data Analysis, Data Mining, Market Research</a:t>
+              <a:t>13+ Years Business Intelligence &amp; Analytics, Data Analysis, Data Mining, Market Research</a:t>
             </a:r>
-            <a:endParaRPr/>
+            <a:endParaRPr dirty="0"/>
           </a:p>
           <a:p>
-            <a:pPr indent="0" lvl="0" marL="0" marR="0" rtl="0" algn="ctr">
+            <a:pPr marL="0" marR="0" lvl="0" indent="0" algn="ctr" rtl="0">
               <a:spcBef>
                 <a:spcPts val="0"/>
               </a:spcBef>
@@ -9191,10 +9261,7 @@
               </a:spcAft>
               <a:buNone/>
             </a:pPr>
-            <a:r>
-              <a:t/>
-            </a:r>
-            <a:endParaRPr b="0" i="0" sz="1800" u="none" cap="none" strike="noStrike">
+            <a:endParaRPr sz="1800" b="0" i="0" u="none" strike="noStrike" cap="none" dirty="0">
               <a:solidFill>
                 <a:schemeClr val="dk2"/>
               </a:solidFill>
@@ -9205,7 +9272,7 @@
             </a:endParaRPr>
           </a:p>
           <a:p>
-            <a:pPr indent="0" lvl="0" marL="0" marR="0" rtl="0" algn="ctr">
+            <a:pPr marL="0" marR="0" lvl="0" indent="0" algn="ctr" rtl="0">
               <a:spcBef>
                 <a:spcPts val="0"/>
               </a:spcBef>
@@ -9215,7 +9282,7 @@
               <a:buNone/>
             </a:pPr>
             <a:r>
-              <a:rPr b="0" i="0" lang="en-US" sz="1800" u="none" cap="none" strike="noStrike">
+              <a:rPr lang="en-US" sz="1800" b="0" i="0" u="none" strike="noStrike" cap="none" dirty="0">
                 <a:solidFill>
                   <a:schemeClr val="dk2"/>
                 </a:solidFill>
@@ -9227,7 +9294,7 @@
               <a:t>BI Technologies,  Data Visualization, BI Platform Design, Implementation &amp; Self-Service</a:t>
             </a:r>
             <a:br>
-              <a:rPr b="1" i="0" lang="en-US" sz="1800" u="none" cap="none" strike="noStrike">
+              <a:rPr lang="en-US" sz="1800" b="1" i="0" u="none" strike="noStrike" cap="none" dirty="0">
                 <a:solidFill>
                   <a:schemeClr val="dk2"/>
                 </a:solidFill>
@@ -9237,7 +9304,7 @@
                 <a:sym typeface="Calibri"/>
               </a:rPr>
             </a:br>
-            <a:endParaRPr b="1" i="0" sz="1800" u="none" cap="none" strike="noStrike">
+            <a:endParaRPr sz="1800" b="1" i="0" u="none" strike="noStrike" cap="none" dirty="0">
               <a:solidFill>
                 <a:schemeClr val="dk2"/>
               </a:solidFill>
@@ -9248,7 +9315,7 @@
             </a:endParaRPr>
           </a:p>
           <a:p>
-            <a:pPr indent="0" lvl="0" marL="0" marR="0" rtl="0" algn="ctr">
+            <a:pPr marL="0" marR="0" lvl="0" indent="0" algn="ctr" rtl="0">
               <a:spcBef>
                 <a:spcPts val="0"/>
               </a:spcBef>
@@ -9258,7 +9325,7 @@
               <a:buNone/>
             </a:pPr>
             <a:r>
-              <a:rPr b="1" i="0" lang="en-US" sz="1800" u="sng" cap="none" strike="noStrike">
+              <a:rPr lang="en-US" sz="1800" b="1" i="0" u="sng" strike="noStrike" cap="none" dirty="0">
                 <a:solidFill>
                   <a:schemeClr val="dk2"/>
                 </a:solidFill>
@@ -9269,10 +9336,10 @@
               </a:rPr>
               <a:t>Education</a:t>
             </a:r>
-            <a:endParaRPr/>
+            <a:endParaRPr dirty="0"/>
           </a:p>
           <a:p>
-            <a:pPr indent="0" lvl="0" marL="0" marR="0" rtl="0" algn="ctr">
+            <a:pPr marL="0" marR="0" lvl="0" indent="0" algn="ctr" rtl="0">
               <a:spcBef>
                 <a:spcPts val="0"/>
               </a:spcBef>
@@ -9282,7 +9349,7 @@
               <a:buNone/>
             </a:pPr>
             <a:r>
-              <a:rPr b="0" i="0" lang="en-US" sz="1800" u="none" cap="none" strike="noStrike">
+              <a:rPr lang="en-US" sz="1800" b="0" i="0" u="none" strike="noStrike" cap="none" dirty="0">
                 <a:solidFill>
                   <a:schemeClr val="dk2"/>
                 </a:solidFill>
@@ -9294,7 +9361,7 @@
               <a:t>BS Computer Science &amp; MS Statistics                         University of Nebraska-Lincoln</a:t>
             </a:r>
             <a:r>
-              <a:rPr b="0" i="0" lang="en-US" sz="1800" u="sng" cap="none" strike="noStrike">
+              <a:rPr lang="en-US" sz="1800" b="0" i="0" u="sng" strike="noStrike" cap="none" dirty="0">
                 <a:solidFill>
                   <a:schemeClr val="dk2"/>
                 </a:solidFill>
@@ -9306,7 +9373,7 @@
               <a:t> </a:t>
             </a:r>
             <a:r>
-              <a:rPr b="0" i="0" lang="en-US" sz="1800" u="none" cap="none" strike="noStrike">
+              <a:rPr lang="en-US" sz="1800" b="0" i="0" u="none" strike="noStrike" cap="none" dirty="0">
                 <a:solidFill>
                   <a:schemeClr val="dk2"/>
                 </a:solidFill>
@@ -9317,10 +9384,10 @@
               </a:rPr>
               <a:t>                                        </a:t>
             </a:r>
-            <a:endParaRPr/>
+            <a:endParaRPr dirty="0"/>
           </a:p>
           <a:p>
-            <a:pPr indent="0" lvl="0" marL="0" marR="0" rtl="0" algn="ctr">
+            <a:pPr marL="0" marR="0" lvl="0" indent="0" algn="ctr" rtl="0">
               <a:spcBef>
                 <a:spcPts val="0"/>
               </a:spcBef>
@@ -9330,7 +9397,7 @@
               <a:buNone/>
             </a:pPr>
             <a:r>
-              <a:rPr b="0" i="0" lang="en-US" sz="1800" u="none" cap="none" strike="noStrike">
+              <a:rPr lang="en-US" sz="1800" b="0" i="0" u="none" strike="noStrike" cap="none" dirty="0">
                 <a:solidFill>
                   <a:schemeClr val="dk2"/>
                 </a:solidFill>
@@ -9339,9 +9406,32 @@
                 <a:cs typeface="Calibri"/>
                 <a:sym typeface="Calibri"/>
               </a:rPr>
-              <a:t>Current - MBA/BIA Student at Creighton University</a:t>
+              <a:t>MBA/BI&amp;A</a:t>
             </a:r>
-            <a:endParaRPr/>
+          </a:p>
+          <a:p>
+            <a:pPr marL="0" marR="0" lvl="0" indent="0" algn="ctr" rtl="0">
+              <a:spcBef>
+                <a:spcPts val="0"/>
+              </a:spcBef>
+              <a:spcAft>
+                <a:spcPts val="0"/>
+              </a:spcAft>
+              <a:buNone/>
+            </a:pPr>
+            <a:r>
+              <a:rPr lang="en-US" sz="1800" b="0" i="0" u="none" strike="noStrike" cap="none" dirty="0">
+                <a:solidFill>
+                  <a:schemeClr val="dk2"/>
+                </a:solidFill>
+                <a:latin typeface="Calibri"/>
+                <a:ea typeface="Calibri"/>
+                <a:cs typeface="Calibri"/>
+                <a:sym typeface="Calibri"/>
+              </a:rPr>
+              <a:t>Creighton University</a:t>
+            </a:r>
+            <a:endParaRPr dirty="0"/>
           </a:p>
         </p:txBody>
       </p:sp>
@@ -9353,7 +9443,7 @@
         </p:nvSpPr>
         <p:spPr>
           <a:xfrm>
-            <a:off x="665479" y="1219388"/>
+            <a:off x="540323" y="1306612"/>
             <a:ext cx="5360100" cy="1539000"/>
           </a:xfrm>
           <a:prstGeom prst="rect">
@@ -9365,12 +9455,12 @@
           </a:ln>
         </p:spPr>
         <p:txBody>
-          <a:bodyPr anchorCtr="0" anchor="t" bIns="45700" lIns="91425" spcFirstLastPara="1" rIns="91425" wrap="square" tIns="45700">
+          <a:bodyPr spcFirstLastPara="1" wrap="square" lIns="91425" tIns="45700" rIns="91425" bIns="45700" anchor="t" anchorCtr="0">
             <a:noAutofit/>
           </a:bodyPr>
           <a:lstStyle/>
           <a:p>
-            <a:pPr indent="0" lvl="0" marL="0" marR="0" rtl="0" algn="ctr">
+            <a:pPr marL="0" marR="0" lvl="0" indent="0" algn="ctr" rtl="0">
               <a:spcBef>
                 <a:spcPts val="0"/>
               </a:spcBef>
@@ -9380,7 +9470,7 @@
               <a:buNone/>
             </a:pPr>
             <a:r>
-              <a:rPr b="1" i="0" lang="en-US" sz="2000" u="sng" cap="none" strike="noStrike">
+              <a:rPr lang="en-US" sz="2000" b="1" i="0" u="sng" strike="noStrike" cap="none" dirty="0">
                 <a:solidFill>
                   <a:schemeClr val="dk2"/>
                 </a:solidFill>
@@ -9392,7 +9482,7 @@
               <a:t>Professional Mission Statement</a:t>
             </a:r>
             <a:r>
-              <a:rPr b="1" i="0" lang="en-US" sz="2000" u="none" cap="none" strike="noStrike">
+              <a:rPr lang="en-US" sz="2000" b="1" i="0" u="none" strike="noStrike" cap="none" dirty="0">
                 <a:solidFill>
                   <a:schemeClr val="dk2"/>
                 </a:solidFill>
@@ -9403,10 +9493,10 @@
               </a:rPr>
               <a:t> </a:t>
             </a:r>
-            <a:endParaRPr/>
+            <a:endParaRPr dirty="0"/>
           </a:p>
           <a:p>
-            <a:pPr indent="0" lvl="0" marL="0" marR="0" rtl="0" algn="ctr">
+            <a:pPr marL="0" marR="0" lvl="0" indent="0" algn="ctr" rtl="0">
               <a:spcBef>
                 <a:spcPts val="0"/>
               </a:spcBef>
@@ -9416,7 +9506,7 @@
               <a:buNone/>
             </a:pPr>
             <a:r>
-              <a:rPr b="0" i="0" lang="en-US" sz="1800" u="none" cap="none" strike="noStrike">
+              <a:rPr lang="en-US" sz="1800" b="0" i="0" u="none" strike="noStrike" cap="none" dirty="0">
                 <a:solidFill>
                   <a:schemeClr val="dk2"/>
                 </a:solidFill>
@@ -9425,10 +9515,10 @@
                 <a:cs typeface="Calibri"/>
                 <a:sym typeface="Calibri"/>
               </a:rPr>
-              <a:t>To provide Business Intelligence &amp; Analytics (BI&amp;A) Education, Consultative and Contracting Services that enable businesses to start and grow successful BI&amp;A/Data Science programs</a:t>
+              <a:t>To provide Business Intelligence &amp; Analytics (BI&amp;A) Education and Professional Services that enables  business to create value by using Data</a:t>
             </a:r>
             <a:r>
-              <a:rPr b="0" i="0" lang="en-US" sz="2000" u="none" cap="none" strike="noStrike">
+              <a:rPr lang="en-US" sz="2000" b="0" i="0" u="none" strike="noStrike" cap="none" dirty="0">
                 <a:solidFill>
                   <a:schemeClr val="dk2"/>
                 </a:solidFill>
@@ -9439,7 +9529,7 @@
               </a:rPr>
               <a:t>. </a:t>
             </a:r>
-            <a:endParaRPr/>
+            <a:endParaRPr dirty="0"/>
           </a:p>
         </p:txBody>
       </p:sp>
@@ -9453,12 +9543,12 @@
           <a:blip r:embed="rId3">
             <a:alphaModFix/>
           </a:blip>
-          <a:srcRect b="0" l="0" r="0" t="0"/>
+          <a:srcRect/>
           <a:stretch/>
         </p:blipFill>
         <p:spPr>
           <a:xfrm>
-            <a:off x="7062755" y="1219402"/>
+            <a:off x="7150877" y="1445228"/>
             <a:ext cx="2919445" cy="2800768"/>
           </a:xfrm>
           <a:prstGeom prst="rect">
@@ -9479,11 +9569,11 @@
 </file>
 
 <file path=ppt/slides/slide3.xml><?xml version="1.0" encoding="utf-8"?>
-<p:sld xmlns:a="http://schemas.openxmlformats.org/drawingml/2006/main" xmlns:r="http://schemas.openxmlformats.org/officeDocument/2006/relationships" xmlns:mc="http://schemas.openxmlformats.org/markup-compatibility/2006" xmlns:mv="urn:schemas-microsoft-com:mac:vml" xmlns:p="http://schemas.openxmlformats.org/presentationml/2006/main" xmlns:c="http://schemas.openxmlformats.org/drawingml/2006/chart" xmlns:dgm="http://schemas.openxmlformats.org/drawingml/2006/diagram" xmlns:o="urn:schemas-microsoft-com:office:office" xmlns:v="urn:schemas-microsoft-com:vml" xmlns:pvml="urn:schemas-microsoft-com:office:powerpoint" xmlns:com="http://schemas.openxmlformats.org/drawingml/2006/compatibility" xmlns:p14="http://schemas.microsoft.com/office/powerpoint/2010/main" xmlns:p15="http://schemas.microsoft.com/office/powerpoint/2012/main">
+<p:sld xmlns:a="http://schemas.openxmlformats.org/drawingml/2006/main" xmlns:r="http://schemas.openxmlformats.org/officeDocument/2006/relationships" xmlns:p="http://schemas.openxmlformats.org/presentationml/2006/main">
   <p:cSld>
     <p:spTree>
       <p:nvGrpSpPr>
-        <p:cNvPr id="109" name="Shape 109"/>
+        <p:cNvPr id="1" name="Shape 109"/>
         <p:cNvGrpSpPr/>
         <p:nvPr/>
       </p:nvGrpSpPr>
@@ -9498,9 +9588,11 @@
       <p:sp>
         <p:nvSpPr>
           <p:cNvPr id="110" name="Google Shape;110;p16"/>
-          <p:cNvSpPr txBox="1"/>
+          <p:cNvSpPr txBox="1">
+            <a:spLocks noGrp="1"/>
+          </p:cNvSpPr>
           <p:nvPr>
-            <p:ph idx="12" type="sldNum"/>
+            <p:ph type="sldNum" idx="12"/>
           </p:nvPr>
         </p:nvSpPr>
         <p:spPr>
@@ -9517,12 +9609,12 @@
           </a:ln>
         </p:spPr>
         <p:txBody>
-          <a:bodyPr anchorCtr="0" anchor="ctr" bIns="45700" lIns="91425" spcFirstLastPara="1" rIns="91425" wrap="square" tIns="45700">
+          <a:bodyPr spcFirstLastPara="1" wrap="square" lIns="91425" tIns="45700" rIns="91425" bIns="45700" anchor="ctr" anchorCtr="0">
             <a:noAutofit/>
           </a:bodyPr>
           <a:lstStyle/>
           <a:p>
-            <a:pPr indent="0" lvl="0" marL="0" rtl="0" algn="r">
+            <a:pPr marL="0" lvl="0" indent="0" algn="r" rtl="0">
               <a:spcBef>
                 <a:spcPts val="0"/>
               </a:spcBef>
@@ -9537,7 +9629,7 @@
             </a:pPr>
             <a:fld id="{00000000-1234-1234-1234-123412341234}" type="slidenum">
               <a:rPr lang="en-US"/>
-              <a:t>‹#›</a:t>
+              <a:t>3</a:t>
             </a:fld>
             <a:endParaRPr/>
           </a:p>
@@ -9563,12 +9655,12 @@
           </a:ln>
         </p:spPr>
         <p:txBody>
-          <a:bodyPr anchorCtr="0" anchor="t" bIns="45700" lIns="91425" spcFirstLastPara="1" rIns="91425" wrap="square" tIns="45700">
+          <a:bodyPr spcFirstLastPara="1" wrap="square" lIns="91425" tIns="45700" rIns="91425" bIns="45700" anchor="t" anchorCtr="0">
             <a:noAutofit/>
           </a:bodyPr>
           <a:lstStyle/>
           <a:p>
-            <a:pPr indent="0" lvl="0" marL="0" marR="0" rtl="0" algn="ctr">
+            <a:pPr marL="0" marR="0" lvl="0" indent="0" algn="ctr" rtl="0">
               <a:spcBef>
                 <a:spcPts val="0"/>
               </a:spcBef>
@@ -9578,7 +9670,7 @@
               <a:buNone/>
             </a:pPr>
             <a:r>
-              <a:rPr b="1" i="0" lang="en-US" sz="2800" u="sng" cap="none" strike="noStrike">
+              <a:rPr lang="en-US" sz="2800" b="1" i="0" u="sng" strike="noStrike" cap="none" dirty="0">
                 <a:solidFill>
                   <a:schemeClr val="dk2"/>
                 </a:solidFill>
@@ -9589,10 +9681,10 @@
               </a:rPr>
               <a:t>Data Science Philosophy</a:t>
             </a:r>
-            <a:endParaRPr/>
+            <a:endParaRPr dirty="0"/>
           </a:p>
           <a:p>
-            <a:pPr indent="0" lvl="0" marL="0" marR="0" rtl="0" algn="ctr">
+            <a:pPr marL="0" marR="0" lvl="0" indent="0" algn="ctr" rtl="0">
               <a:spcBef>
                 <a:spcPts val="0"/>
               </a:spcBef>
@@ -9601,10 +9693,7 @@
               </a:spcAft>
               <a:buNone/>
             </a:pPr>
-            <a:r>
-              <a:t/>
-            </a:r>
-            <a:endParaRPr b="1" i="0" sz="2800" u="sng" cap="none" strike="noStrike">
+            <a:endParaRPr sz="2800" b="1" i="0" u="sng" strike="noStrike" cap="none" dirty="0">
               <a:solidFill>
                 <a:schemeClr val="dk2"/>
               </a:solidFill>
@@ -9615,7 +9704,7 @@
             </a:endParaRPr>
           </a:p>
           <a:p>
-            <a:pPr indent="-342900" lvl="0" marL="342900" marR="0" rtl="0" algn="ctr">
+            <a:pPr marL="342900" marR="0" lvl="0" indent="-342900" algn="ctr" rtl="0">
               <a:spcBef>
                 <a:spcPts val="0"/>
               </a:spcBef>
@@ -9630,7 +9719,7 @@
               <a:buChar char="•"/>
             </a:pPr>
             <a:r>
-              <a:rPr b="0" i="0" lang="en-US" sz="2400" u="none" cap="none" strike="noStrike">
+              <a:rPr lang="en-US" sz="2400" b="0" i="0" u="none" strike="noStrike" cap="none" dirty="0">
                 <a:solidFill>
                   <a:schemeClr val="dk2"/>
                 </a:solidFill>
@@ -9641,10 +9730,10 @@
               </a:rPr>
               <a:t>Combines Tech, Science,                        Psychology &amp; Business</a:t>
             </a:r>
-            <a:endParaRPr/>
+            <a:endParaRPr dirty="0"/>
           </a:p>
           <a:p>
-            <a:pPr indent="0" lvl="0" marL="0" marR="0" rtl="0" algn="l">
+            <a:pPr marL="0" marR="0" lvl="0" indent="0" algn="l" rtl="0">
               <a:spcBef>
                 <a:spcPts val="0"/>
               </a:spcBef>
@@ -9658,10 +9747,7 @@
               <a:buFont typeface="Arial"/>
               <a:buNone/>
             </a:pPr>
-            <a:r>
-              <a:t/>
-            </a:r>
-            <a:endParaRPr sz="2400">
+            <a:endParaRPr sz="2400" dirty="0">
               <a:solidFill>
                 <a:schemeClr val="dk2"/>
               </a:solidFill>
@@ -9672,7 +9758,7 @@
             </a:endParaRPr>
           </a:p>
           <a:p>
-            <a:pPr indent="0" lvl="0" marL="0" marR="0" rtl="0" algn="l">
+            <a:pPr marL="0" marR="0" lvl="0" indent="0" algn="l" rtl="0">
               <a:spcBef>
                 <a:spcPts val="0"/>
               </a:spcBef>
@@ -9686,10 +9772,7 @@
               <a:buFont typeface="Arial"/>
               <a:buNone/>
             </a:pPr>
-            <a:r>
-              <a:t/>
-            </a:r>
-            <a:endParaRPr sz="2400">
+            <a:endParaRPr sz="2400" dirty="0">
               <a:solidFill>
                 <a:schemeClr val="dk2"/>
               </a:solidFill>
@@ -9700,7 +9783,7 @@
             </a:endParaRPr>
           </a:p>
           <a:p>
-            <a:pPr indent="-342900" lvl="0" marL="342900" marR="0" rtl="0" algn="ctr">
+            <a:pPr marL="342900" marR="0" lvl="0" indent="-342900" algn="ctr" rtl="0">
               <a:spcBef>
                 <a:spcPts val="0"/>
               </a:spcBef>
@@ -9715,7 +9798,7 @@
               <a:buChar char="•"/>
             </a:pPr>
             <a:r>
-              <a:rPr b="0" i="0" lang="en-US" sz="2400" u="none" cap="none" strike="noStrike">
+              <a:rPr lang="en-US" sz="2400" b="0" i="0" u="none" strike="noStrike" cap="none" dirty="0">
                 <a:solidFill>
                   <a:schemeClr val="dk2"/>
                 </a:solidFill>
@@ -9726,10 +9809,10 @@
               </a:rPr>
               <a:t>Data Science vs. Data Engineering</a:t>
             </a:r>
-            <a:endParaRPr/>
+            <a:endParaRPr dirty="0"/>
           </a:p>
           <a:p>
-            <a:pPr indent="-190500" lvl="0" marL="342900" marR="0" rtl="0" algn="ctr">
+            <a:pPr marL="342900" marR="0" lvl="0" indent="-190500" algn="ctr" rtl="0">
               <a:spcBef>
                 <a:spcPts val="0"/>
               </a:spcBef>
@@ -9743,10 +9826,7 @@
               <a:buFont typeface="Arial"/>
               <a:buNone/>
             </a:pPr>
-            <a:r>
-              <a:t/>
-            </a:r>
-            <a:endParaRPr b="0" i="0" sz="2400" u="none" cap="none" strike="noStrike">
+            <a:endParaRPr sz="2400" b="0" i="0" u="none" strike="noStrike" cap="none" dirty="0">
               <a:solidFill>
                 <a:schemeClr val="dk2"/>
               </a:solidFill>
@@ -9757,7 +9837,7 @@
             </a:endParaRPr>
           </a:p>
           <a:p>
-            <a:pPr indent="-190500" lvl="0" marL="342900" marR="0" rtl="0" algn="ctr">
+            <a:pPr marL="342900" marR="0" lvl="0" indent="-190500" algn="ctr" rtl="0">
               <a:spcBef>
                 <a:spcPts val="0"/>
               </a:spcBef>
@@ -9771,10 +9851,7 @@
               <a:buFont typeface="Arial"/>
               <a:buNone/>
             </a:pPr>
-            <a:r>
-              <a:t/>
-            </a:r>
-            <a:endParaRPr b="0" i="0" sz="2400" u="none" cap="none" strike="noStrike">
+            <a:endParaRPr sz="2400" b="0" i="0" u="none" strike="noStrike" cap="none" dirty="0">
               <a:solidFill>
                 <a:schemeClr val="dk2"/>
               </a:solidFill>
@@ -9785,7 +9862,7 @@
             </a:endParaRPr>
           </a:p>
           <a:p>
-            <a:pPr indent="-342900" lvl="0" marL="342900" marR="0" rtl="0" algn="ctr">
+            <a:pPr marL="342900" marR="0" lvl="0" indent="-342900" algn="ctr" rtl="0">
               <a:spcBef>
                 <a:spcPts val="0"/>
               </a:spcBef>
@@ -9800,7 +9877,7 @@
               <a:buChar char="•"/>
             </a:pPr>
             <a:r>
-              <a:rPr b="0" i="0" lang="en-US" sz="2400" u="none" cap="none" strike="noStrike">
+              <a:rPr lang="en-US" sz="2400" b="0" i="0" u="none" strike="noStrike" cap="none" dirty="0">
                 <a:solidFill>
                   <a:schemeClr val="dk2"/>
                 </a:solidFill>
@@ -9812,7 +9889,7 @@
               <a:t>Diversity-of-thou</a:t>
             </a:r>
             <a:r>
-              <a:rPr lang="en-US" sz="2400">
+              <a:rPr lang="en-US" sz="2400" dirty="0">
                 <a:solidFill>
                   <a:schemeClr val="dk2"/>
                 </a:solidFill>
@@ -9824,7 +9901,7 @@
               <a:t>ght</a:t>
             </a:r>
             <a:r>
-              <a:rPr b="0" i="0" lang="en-US" sz="2400" u="none" cap="none" strike="noStrike">
+              <a:rPr lang="en-US" sz="2400" b="0" i="0" u="none" strike="noStrike" cap="none" dirty="0">
                 <a:solidFill>
                   <a:schemeClr val="dk2"/>
                 </a:solidFill>
@@ -9836,7 +9913,7 @@
               <a:t> &amp; </a:t>
             </a:r>
             <a:r>
-              <a:rPr lang="en-US" sz="2400">
+              <a:rPr lang="en-US" sz="2400" dirty="0">
                 <a:solidFill>
                   <a:schemeClr val="dk2"/>
                 </a:solidFill>
@@ -9848,7 +9925,7 @@
               <a:t>                                      </a:t>
             </a:r>
             <a:r>
-              <a:rPr b="0" i="0" lang="en-US" sz="2400" u="none" cap="none" strike="noStrike">
+              <a:rPr lang="en-US" sz="2400" b="0" i="0" u="none" strike="noStrike" cap="none" dirty="0">
                 <a:solidFill>
                   <a:schemeClr val="dk2"/>
                 </a:solidFill>
@@ -9860,7 +9937,7 @@
               <a:t>Soft Skills are </a:t>
             </a:r>
             <a:r>
-              <a:rPr lang="en-US" sz="2400">
+              <a:rPr lang="en-US" sz="2400" dirty="0">
                 <a:solidFill>
                   <a:schemeClr val="dk2"/>
                 </a:solidFill>
@@ -9872,7 +9949,7 @@
               <a:t>k</a:t>
             </a:r>
             <a:r>
-              <a:rPr b="0" i="0" lang="en-US" sz="2400" u="none" cap="none" strike="noStrike">
+              <a:rPr lang="en-US" sz="2400" b="0" i="0" u="none" strike="noStrike" cap="none" dirty="0">
                 <a:solidFill>
                   <a:schemeClr val="dk2"/>
                 </a:solidFill>
@@ -9883,10 +9960,10 @@
               </a:rPr>
               <a:t>eys to success!</a:t>
             </a:r>
-            <a:endParaRPr/>
+            <a:endParaRPr dirty="0"/>
           </a:p>
           <a:p>
-            <a:pPr indent="-190500" lvl="0" marL="342900" marR="0" rtl="0" algn="ctr">
+            <a:pPr marL="342900" marR="0" lvl="0" indent="-190500" algn="ctr" rtl="0">
               <a:spcBef>
                 <a:spcPts val="0"/>
               </a:spcBef>
@@ -9900,10 +9977,7 @@
               <a:buFont typeface="Arial"/>
               <a:buNone/>
             </a:pPr>
-            <a:r>
-              <a:t/>
-            </a:r>
-            <a:endParaRPr b="0" i="0" sz="2400" u="none" cap="none" strike="noStrike">
+            <a:endParaRPr sz="2400" b="0" i="0" u="none" strike="noStrike" cap="none" dirty="0">
               <a:solidFill>
                 <a:schemeClr val="dk2"/>
               </a:solidFill>
@@ -9914,7 +9988,7 @@
             </a:endParaRPr>
           </a:p>
           <a:p>
-            <a:pPr indent="0" lvl="0" marL="0" marR="0" rtl="0" algn="ctr">
+            <a:pPr marL="0" marR="0" lvl="0" indent="0" algn="ctr" rtl="0">
               <a:spcBef>
                 <a:spcPts val="0"/>
               </a:spcBef>
@@ -9923,10 +9997,7 @@
               </a:spcAft>
               <a:buNone/>
             </a:pPr>
-            <a:r>
-              <a:t/>
-            </a:r>
-            <a:endParaRPr b="0" i="0" sz="2400" u="none" cap="none" strike="noStrike">
+            <a:endParaRPr sz="2400" b="0" i="0" u="none" strike="noStrike" cap="none" dirty="0">
               <a:solidFill>
                 <a:schemeClr val="dk2"/>
               </a:solidFill>
@@ -9948,7 +10019,7 @@
           <a:blip r:embed="rId3">
             <a:alphaModFix/>
           </a:blip>
-          <a:srcRect b="0" l="0" r="0" t="0"/>
+          <a:srcRect/>
           <a:stretch/>
         </p:blipFill>
         <p:spPr>
@@ -9974,7 +10045,7 @@
 </file>
 
 <file path=ppt/theme/theme1.xml><?xml version="1.0" encoding="utf-8"?>
-<a:theme xmlns:a="http://schemas.openxmlformats.org/drawingml/2006/main" xmlns:r="http://schemas.openxmlformats.org/officeDocument/2006/relationships" name="Streamline">
+<a:theme xmlns:a="http://schemas.openxmlformats.org/drawingml/2006/main" name="Streamline">
   <a:themeElements>
     <a:clrScheme name="Streamline">
       <a:dk1>
@@ -10249,11 +10320,13 @@
       </a:bgFillStyleLst>
     </a:fmtScheme>
   </a:themeElements>
+  <a:objectDefaults/>
+  <a:extraClrSchemeLst/>
 </a:theme>
 </file>
 
 <file path=ppt/theme/theme2.xml><?xml version="1.0" encoding="utf-8"?>
-<a:theme xmlns:a="http://schemas.openxmlformats.org/drawingml/2006/main" xmlns:r="http://schemas.openxmlformats.org/officeDocument/2006/relationships">
+<a:theme xmlns:a="http://schemas.openxmlformats.org/drawingml/2006/main">
   <a:themeElements>
     <a:clrScheme name="Default">
       <a:dk1>
@@ -10528,5 +10601,7 @@
       </a:bgFillStyleLst>
     </a:fmtScheme>
   </a:themeElements>
+  <a:objectDefaults/>
+  <a:extraClrSchemeLst/>
 </a:theme>
 </file>